--- a/Презентация.pptx
+++ b/Презентация.pptx
@@ -5,7 +5,7 @@
     <p:sldMasterId id="2147483648" r:id="rId1"/>
   </p:sldMasterIdLst>
   <p:notesMasterIdLst>
-    <p:notesMasterId r:id="rId18"/>
+    <p:notesMasterId r:id="rId17"/>
   </p:notesMasterIdLst>
   <p:sldIdLst>
     <p:sldId id="256" r:id="rId2"/>
@@ -19,11 +19,10 @@
     <p:sldId id="264" r:id="rId10"/>
     <p:sldId id="265" r:id="rId11"/>
     <p:sldId id="266" r:id="rId12"/>
-    <p:sldId id="267" r:id="rId13"/>
-    <p:sldId id="268" r:id="rId14"/>
-    <p:sldId id="269" r:id="rId15"/>
-    <p:sldId id="270" r:id="rId16"/>
-    <p:sldId id="271" r:id="rId17"/>
+    <p:sldId id="268" r:id="rId13"/>
+    <p:sldId id="269" r:id="rId14"/>
+    <p:sldId id="270" r:id="rId15"/>
+    <p:sldId id="271" r:id="rId16"/>
   </p:sldIdLst>
   <p:sldSz cx="9907588" cy="6858000"/>
   <p:notesSz cx="6796088" cy="9925050"/>
@@ -4530,221 +4529,6 @@
           <p:cNvPr id="2" name="Заголовок 1">
             <a:extLst>
               <a:ext uri="{FF2B5EF4-FFF2-40B4-BE49-F238E27FC236}">
-                <a16:creationId xmlns:a16="http://schemas.microsoft.com/office/drawing/2014/main" id="{26DF44AE-1862-7F66-E344-630CB654BBC8}"/>
-              </a:ext>
-            </a:extLst>
-          </p:cNvPr>
-          <p:cNvSpPr>
-            <a:spLocks noGrp="1"/>
-          </p:cNvSpPr>
-          <p:nvPr>
-            <p:ph type="title"/>
-          </p:nvPr>
-        </p:nvSpPr>
-        <p:spPr>
-          <a:xfrm>
-            <a:off x="680760" y="346588"/>
-            <a:ext cx="8545320" cy="288413"/>
-          </a:xfrm>
-        </p:spPr>
-        <p:txBody>
-          <a:bodyPr/>
-          <a:lstStyle/>
-          <a:p>
-            <a:r>
-              <a:rPr lang="en-GB" sz="1400" dirty="0">
-                <a:solidFill>
-                  <a:srgbClr val="0F228B"/>
-                </a:solidFill>
-                <a:latin typeface="Times New Roman"/>
-                <a:cs typeface="Times New Roman"/>
-              </a:rPr>
-              <a:t>«</a:t>
-            </a:r>
-            <a:r>
-              <a:rPr lang="en-GB" sz="1400" dirty="0" err="1">
-                <a:solidFill>
-                  <a:srgbClr val="0F228B"/>
-                </a:solidFill>
-                <a:latin typeface="Times New Roman"/>
-                <a:cs typeface="Times New Roman"/>
-              </a:rPr>
-              <a:t>Исследование</a:t>
-            </a:r>
-            <a:r>
-              <a:rPr lang="en-GB" sz="1400" dirty="0">
-                <a:solidFill>
-                  <a:srgbClr val="0F228B"/>
-                </a:solidFill>
-                <a:latin typeface="Times New Roman"/>
-                <a:cs typeface="Times New Roman"/>
-              </a:rPr>
-              <a:t> </a:t>
-            </a:r>
-            <a:r>
-              <a:rPr lang="en-GB" sz="1400" dirty="0" err="1">
-                <a:solidFill>
-                  <a:srgbClr val="0F228B"/>
-                </a:solidFill>
-                <a:latin typeface="Times New Roman"/>
-                <a:cs typeface="Times New Roman"/>
-              </a:rPr>
-              <a:t>пузырьковой</a:t>
-            </a:r>
-            <a:r>
-              <a:rPr lang="en-GB" sz="1400" dirty="0">
-                <a:solidFill>
-                  <a:srgbClr val="0F228B"/>
-                </a:solidFill>
-                <a:latin typeface="Times New Roman"/>
-                <a:cs typeface="Times New Roman"/>
-              </a:rPr>
-              <a:t> и </a:t>
-            </a:r>
-            <a:r>
-              <a:rPr lang="en-GB" sz="1400" dirty="0" err="1">
-                <a:solidFill>
-                  <a:srgbClr val="0F228B"/>
-                </a:solidFill>
-                <a:latin typeface="Times New Roman"/>
-                <a:cs typeface="Times New Roman"/>
-              </a:rPr>
-              <a:t>пирамидальной</a:t>
-            </a:r>
-            <a:r>
-              <a:rPr lang="en-GB" sz="1400" dirty="0">
-                <a:solidFill>
-                  <a:srgbClr val="0F228B"/>
-                </a:solidFill>
-                <a:latin typeface="Times New Roman"/>
-                <a:cs typeface="Times New Roman"/>
-              </a:rPr>
-              <a:t> </a:t>
-            </a:r>
-            <a:r>
-              <a:rPr lang="en-GB" sz="1400" dirty="0" err="1">
-                <a:solidFill>
-                  <a:srgbClr val="0F228B"/>
-                </a:solidFill>
-                <a:latin typeface="Times New Roman"/>
-                <a:cs typeface="Times New Roman"/>
-              </a:rPr>
-              <a:t>сортировок</a:t>
-            </a:r>
-            <a:r>
-              <a:rPr lang="en-GB" sz="1400" dirty="0">
-                <a:solidFill>
-                  <a:srgbClr val="0F228B"/>
-                </a:solidFill>
-                <a:latin typeface="Times New Roman"/>
-                <a:cs typeface="Times New Roman"/>
-              </a:rPr>
-              <a:t>»</a:t>
-            </a:r>
-            <a:endParaRPr lang="ru-RU" sz="1400" dirty="0"/>
-          </a:p>
-        </p:txBody>
-      </p:sp>
-      <p:sp>
-        <p:nvSpPr>
-          <p:cNvPr id="3" name="Подзаголовок 2">
-            <a:extLst>
-              <a:ext uri="{FF2B5EF4-FFF2-40B4-BE49-F238E27FC236}">
-                <a16:creationId xmlns:a16="http://schemas.microsoft.com/office/drawing/2014/main" id="{2C30E203-7874-D5C6-B397-7A8E3DD8E683}"/>
-              </a:ext>
-            </a:extLst>
-          </p:cNvPr>
-          <p:cNvSpPr>
-            <a:spLocks noGrp="1"/>
-          </p:cNvSpPr>
-          <p:nvPr>
-            <p:ph type="subTitle"/>
-          </p:nvPr>
-        </p:nvSpPr>
-        <p:spPr>
-          <a:xfrm>
-            <a:off x="680760" y="1096390"/>
-            <a:ext cx="8545320" cy="886397"/>
-          </a:xfrm>
-        </p:spPr>
-        <p:txBody>
-          <a:bodyPr/>
-          <a:lstStyle/>
-          <a:p>
-            <a:pPr marL="0" indent="0">
-              <a:buNone/>
-            </a:pPr>
-            <a:r>
-              <a:rPr lang="ru-RU" sz="1600" dirty="0">
-                <a:solidFill>
-                  <a:schemeClr val="tx2"/>
-                </a:solidFill>
-                <a:latin typeface="Times New Roman"/>
-                <a:ea typeface="+mn-lt"/>
-                <a:cs typeface="+mn-lt"/>
-              </a:rPr>
-              <a:t>Возьмем частный случай где n=300000. Тогда количество байт занимаемое этим множеством элементов типа </a:t>
-            </a:r>
-            <a:r>
-              <a:rPr lang="ru-RU" sz="1600" dirty="0" err="1">
-                <a:solidFill>
-                  <a:schemeClr val="tx2"/>
-                </a:solidFill>
-                <a:latin typeface="Times New Roman"/>
-                <a:ea typeface="+mn-lt"/>
-                <a:cs typeface="+mn-lt"/>
-              </a:rPr>
-              <a:t>int</a:t>
-            </a:r>
-            <a:r>
-              <a:rPr lang="ru-RU" sz="1600" dirty="0">
-                <a:solidFill>
-                  <a:schemeClr val="tx2"/>
-                </a:solidFill>
-                <a:latin typeface="Times New Roman"/>
-                <a:ea typeface="+mn-lt"/>
-                <a:cs typeface="+mn-lt"/>
-              </a:rPr>
-              <a:t> будет 1200000 байт или 1,2 мегабайт(МБ), количество шагов будет 5458380. Данный метод может показаться громоздким, но весьма эффективным для такого количества данных.</a:t>
-            </a:r>
-          </a:p>
-        </p:txBody>
-      </p:sp>
-    </p:spTree>
-    <p:extLst>
-      <p:ext uri="{BB962C8B-B14F-4D97-AF65-F5344CB8AC3E}">
-        <p14:creationId xmlns:p14="http://schemas.microsoft.com/office/powerpoint/2010/main" val="4022551170"/>
-      </p:ext>
-    </p:extLst>
-  </p:cSld>
-  <p:clrMapOvr>
-    <a:masterClrMapping/>
-  </p:clrMapOvr>
-</p:sld>
-</file>
-
-<file path=ppt/slides/slide13.xml><?xml version="1.0" encoding="utf-8"?>
-<p:sld xmlns:a="http://schemas.openxmlformats.org/drawingml/2006/main" xmlns:r="http://schemas.openxmlformats.org/officeDocument/2006/relationships" xmlns:p="http://schemas.openxmlformats.org/presentationml/2006/main">
-  <p:cSld>
-    <p:spTree>
-      <p:nvGrpSpPr>
-        <p:cNvPr id="1" name=""/>
-        <p:cNvGrpSpPr/>
-        <p:nvPr/>
-      </p:nvGrpSpPr>
-      <p:grpSpPr>
-        <a:xfrm>
-          <a:off x="0" y="0"/>
-          <a:ext cx="0" cy="0"/>
-          <a:chOff x="0" y="0"/>
-          <a:chExt cx="0" cy="0"/>
-        </a:xfrm>
-      </p:grpSpPr>
-      <p:sp>
-        <p:nvSpPr>
-          <p:cNvPr id="2" name="Заголовок 1">
-            <a:extLst>
-              <a:ext uri="{FF2B5EF4-FFF2-40B4-BE49-F238E27FC236}">
                 <a16:creationId xmlns:a16="http://schemas.microsoft.com/office/drawing/2014/main" id="{8D956CE6-2CCE-8FA1-70D9-FF1A950DA9FD}"/>
               </a:ext>
             </a:extLst>
@@ -5676,7 +5460,7 @@
 </p:sld>
 </file>
 
-<file path=ppt/slides/slide14.xml><?xml version="1.0" encoding="utf-8"?>
+<file path=ppt/slides/slide13.xml><?xml version="1.0" encoding="utf-8"?>
 <p:sld xmlns:a="http://schemas.openxmlformats.org/drawingml/2006/main" xmlns:r="http://schemas.openxmlformats.org/officeDocument/2006/relationships" xmlns:p="http://schemas.openxmlformats.org/presentationml/2006/main">
   <p:cSld>
     <p:spTree>
@@ -6076,7 +5860,7 @@
 </p:sld>
 </file>
 
-<file path=ppt/slides/slide15.xml><?xml version="1.0" encoding="utf-8"?>
+<file path=ppt/slides/slide14.xml><?xml version="1.0" encoding="utf-8"?>
 <p:sld xmlns:a="http://schemas.openxmlformats.org/drawingml/2006/main" xmlns:r="http://schemas.openxmlformats.org/officeDocument/2006/relationships" xmlns:p="http://schemas.openxmlformats.org/presentationml/2006/main">
   <p:cSld>
     <p:spTree>
@@ -6437,7 +6221,7 @@
 </p:sld>
 </file>
 
-<file path=ppt/slides/slide16.xml><?xml version="1.0" encoding="utf-8"?>
+<file path=ppt/slides/slide15.xml><?xml version="1.0" encoding="utf-8"?>
 <p:sld xmlns:a="http://schemas.openxmlformats.org/drawingml/2006/main" xmlns:r="http://schemas.openxmlformats.org/officeDocument/2006/relationships" xmlns:p="http://schemas.openxmlformats.org/presentationml/2006/main">
   <p:cSld>
     <p:spTree>

--- a/Презентация.pptx
+++ b/Презентация.pptx
@@ -5,7 +5,7 @@
     <p:sldMasterId id="2147483648" r:id="rId1"/>
   </p:sldMasterIdLst>
   <p:notesMasterIdLst>
-    <p:notesMasterId r:id="rId17"/>
+    <p:notesMasterId r:id="rId22"/>
   </p:notesMasterIdLst>
   <p:sldIdLst>
     <p:sldId id="256" r:id="rId2"/>
@@ -19,10 +19,15 @@
     <p:sldId id="264" r:id="rId10"/>
     <p:sldId id="265" r:id="rId11"/>
     <p:sldId id="266" r:id="rId12"/>
-    <p:sldId id="268" r:id="rId13"/>
-    <p:sldId id="269" r:id="rId14"/>
-    <p:sldId id="270" r:id="rId15"/>
-    <p:sldId id="271" r:id="rId16"/>
+    <p:sldId id="272" r:id="rId13"/>
+    <p:sldId id="268" r:id="rId14"/>
+    <p:sldId id="269" r:id="rId15"/>
+    <p:sldId id="270" r:id="rId16"/>
+    <p:sldId id="271" r:id="rId17"/>
+    <p:sldId id="275" r:id="rId18"/>
+    <p:sldId id="273" r:id="rId19"/>
+    <p:sldId id="274" r:id="rId20"/>
+    <p:sldId id="276" r:id="rId21"/>
   </p:sldIdLst>
   <p:sldSz cx="9907588" cy="6858000"/>
   <p:notesSz cx="6796088" cy="9925050"/>
@@ -980,6 +985,131 @@
         </p:txBody>
       </p:sp>
     </p:spTree>
+  </p:cSld>
+  <p:clrMapOvr>
+    <a:masterClrMapping/>
+  </p:clrMapOvr>
+</p:notes>
+</file>
+
+<file path=ppt/notesSlides/notesSlide5.xml><?xml version="1.0" encoding="utf-8"?>
+<p:notes xmlns:a="http://schemas.openxmlformats.org/drawingml/2006/main" xmlns:r="http://schemas.openxmlformats.org/officeDocument/2006/relationships" xmlns:p="http://schemas.openxmlformats.org/presentationml/2006/main">
+  <p:cSld>
+    <p:spTree>
+      <p:nvGrpSpPr>
+        <p:cNvPr id="1" name=""/>
+        <p:cNvGrpSpPr/>
+        <p:nvPr/>
+      </p:nvGrpSpPr>
+      <p:grpSpPr>
+        <a:xfrm>
+          <a:off x="0" y="0"/>
+          <a:ext cx="0" cy="0"/>
+          <a:chOff x="0" y="0"/>
+          <a:chExt cx="0" cy="0"/>
+        </a:xfrm>
+      </p:grpSpPr>
+      <p:sp>
+        <p:nvSpPr>
+          <p:cNvPr id="59" name="CustomShape 1"/>
+          <p:cNvSpPr/>
+          <p:nvPr/>
+        </p:nvSpPr>
+        <p:spPr>
+          <a:xfrm>
+            <a:off x="1938240" y="380880"/>
+            <a:ext cx="4272120" cy="2957760"/>
+          </a:xfrm>
+          <a:custGeom>
+            <a:avLst/>
+            <a:gdLst/>
+            <a:ahLst/>
+            <a:cxnLst/>
+            <a:rect l="l" t="t" r="r" b="b"/>
+            <a:pathLst>
+              <a:path w="21600" h="21600">
+                <a:moveTo>
+                  <a:pt x="0" y="0"/>
+                </a:moveTo>
+                <a:lnTo>
+                  <a:pt x="21600" y="0"/>
+                </a:lnTo>
+                <a:lnTo>
+                  <a:pt x="21600" y="21600"/>
+                </a:lnTo>
+                <a:lnTo>
+                  <a:pt x="0" y="21600"/>
+                </a:lnTo>
+                <a:lnTo>
+                  <a:pt x="0" y="0"/>
+                </a:lnTo>
+                <a:close/>
+              </a:path>
+            </a:pathLst>
+          </a:custGeom>
+          <a:solidFill>
+            <a:srgbClr val="FFFFFF"/>
+          </a:solidFill>
+          <a:ln w="9360">
+            <a:solidFill>
+              <a:srgbClr val="000000"/>
+            </a:solidFill>
+            <a:miter/>
+          </a:ln>
+        </p:spPr>
+        <p:style>
+          <a:lnRef idx="0">
+            <a:scrgbClr r="0" g="0" b="0"/>
+          </a:lnRef>
+          <a:fillRef idx="0">
+            <a:scrgbClr r="0" g="0" b="0"/>
+          </a:fillRef>
+          <a:effectRef idx="0">
+            <a:scrgbClr r="0" g="0" b="0"/>
+          </a:effectRef>
+          <a:fontRef idx="minor"/>
+        </p:style>
+      </p:sp>
+      <p:sp>
+        <p:nvSpPr>
+          <p:cNvPr id="60" name="PlaceHolder 2"/>
+          <p:cNvSpPr>
+            <a:spLocks noGrp="1"/>
+          </p:cNvSpPr>
+          <p:nvPr>
+            <p:ph type="body"/>
+          </p:nvPr>
+        </p:nvSpPr>
+        <p:spPr>
+          <a:xfrm>
+            <a:off x="847800" y="3416400"/>
+            <a:ext cx="5564160" cy="5922720"/>
+          </a:xfrm>
+          <a:prstGeom prst="rect">
+            <a:avLst/>
+          </a:prstGeom>
+        </p:spPr>
+        <p:txBody>
+          <a:bodyPr lIns="0" tIns="0" rIns="0" bIns="0" anchor="ctr">
+            <a:spAutoFit/>
+          </a:bodyPr>
+          <a:lstStyle/>
+          <a:p>
+            <a:endParaRPr lang="en-US" sz="1200" b="0" strike="noStrike" spc="-1">
+              <a:solidFill>
+                <a:srgbClr val="000000"/>
+              </a:solidFill>
+              <a:latin typeface="Arial"/>
+            </a:endParaRPr>
+          </a:p>
+        </p:txBody>
+      </p:sp>
+    </p:spTree>
+    <p:extLst>
+      <p:ext uri="{BB962C8B-B14F-4D97-AF65-F5344CB8AC3E}">
+        <p14:creationId xmlns:p14="http://schemas.microsoft.com/office/powerpoint/2010/main" val="681286582"/>
+      </p:ext>
+    </p:extLst>
   </p:cSld>
   <p:clrMapOvr>
     <a:masterClrMapping/>
@@ -4172,15 +4302,15 @@
         </p:nvSpPr>
         <p:spPr>
           <a:xfrm>
-            <a:off x="680760" y="939608"/>
-            <a:ext cx="8545320" cy="2922851"/>
+            <a:off x="680760" y="1844399"/>
+            <a:ext cx="8545320" cy="3169202"/>
           </a:xfrm>
         </p:spPr>
         <p:txBody>
           <a:bodyPr/>
           <a:lstStyle/>
           <a:p>
-            <a:pPr marL="0" indent="0">
+            <a:pPr marL="0" indent="0" algn="ctr">
               <a:buNone/>
             </a:pPr>
             <a:r>
@@ -4194,7 +4324,7 @@
               </a:rPr>
               <a:t>Этап №1.</a:t>
             </a:r>
-            <a:endParaRPr lang="ru-RU" sz="1600" b="1">
+            <a:endParaRPr lang="ru-RU" sz="1600" b="1" dirty="0">
               <a:solidFill>
                 <a:schemeClr val="tx2"/>
               </a:solidFill>
@@ -4219,6 +4349,45 @@
           </a:p>
           <a:p>
             <a:pPr marL="0" indent="0">
+              <a:buNone/>
+            </a:pPr>
+            <a:endParaRPr lang="ru-RU" sz="1600" dirty="0">
+              <a:solidFill>
+                <a:schemeClr val="tx2"/>
+              </a:solidFill>
+              <a:latin typeface="Times New Roman"/>
+              <a:ea typeface="+mn-lt"/>
+              <a:cs typeface="+mn-lt"/>
+            </a:endParaRPr>
+          </a:p>
+          <a:p>
+            <a:pPr marL="0" indent="0">
+              <a:buNone/>
+            </a:pPr>
+            <a:endParaRPr lang="ru-RU" sz="1600" dirty="0">
+              <a:solidFill>
+                <a:schemeClr val="tx2"/>
+              </a:solidFill>
+              <a:latin typeface="Times New Roman"/>
+              <a:ea typeface="+mn-lt"/>
+              <a:cs typeface="+mn-lt"/>
+            </a:endParaRPr>
+          </a:p>
+          <a:p>
+            <a:pPr marL="0" indent="0">
+              <a:buNone/>
+            </a:pPr>
+            <a:endParaRPr lang="ru-RU" sz="1600" dirty="0">
+              <a:solidFill>
+                <a:schemeClr val="tx2"/>
+              </a:solidFill>
+              <a:latin typeface="Times New Roman"/>
+              <a:ea typeface="+mn-lt"/>
+              <a:cs typeface="+mn-lt"/>
+            </a:endParaRPr>
+          </a:p>
+          <a:p>
+            <a:pPr marL="0" indent="0" algn="ctr">
               <a:buNone/>
             </a:pPr>
             <a:r>
@@ -4662,8 +4831,8 @@
         </p:nvSpPr>
         <p:spPr>
           <a:xfrm>
-            <a:off x="680760" y="978440"/>
-            <a:ext cx="8545320" cy="5351209"/>
+            <a:off x="680759" y="2055592"/>
+            <a:ext cx="8725999" cy="3196902"/>
           </a:xfrm>
         </p:spPr>
         <p:txBody>
@@ -4674,6 +4843,997 @@
               <a:buNone/>
             </a:pPr>
             <a:r>
+              <a:rPr lang="en-US" sz="1400" dirty="0">
+                <a:solidFill>
+                  <a:schemeClr val="tx2"/>
+                </a:solidFill>
+                <a:ea typeface="+mn-lt"/>
+                <a:cs typeface="+mn-lt"/>
+              </a:rPr>
+              <a:t>void </a:t>
+            </a:r>
+            <a:r>
+              <a:rPr lang="en-US" sz="1400" dirty="0" err="1">
+                <a:solidFill>
+                  <a:schemeClr val="tx2"/>
+                </a:solidFill>
+                <a:ea typeface="+mn-lt"/>
+                <a:cs typeface="+mn-lt"/>
+              </a:rPr>
+              <a:t>heapify</a:t>
+            </a:r>
+            <a:r>
+              <a:rPr lang="en-US" sz="1400" dirty="0">
+                <a:solidFill>
+                  <a:schemeClr val="tx2"/>
+                </a:solidFill>
+                <a:ea typeface="+mn-lt"/>
+                <a:cs typeface="+mn-lt"/>
+              </a:rPr>
+              <a:t>(int *</a:t>
+            </a:r>
+            <a:r>
+              <a:rPr lang="en-US" sz="1400" dirty="0" err="1">
+                <a:solidFill>
+                  <a:schemeClr val="tx2"/>
+                </a:solidFill>
+                <a:ea typeface="+mn-lt"/>
+                <a:cs typeface="+mn-lt"/>
+              </a:rPr>
+              <a:t>arr</a:t>
+            </a:r>
+            <a:r>
+              <a:rPr lang="en-US" sz="1400" dirty="0">
+                <a:solidFill>
+                  <a:schemeClr val="tx2"/>
+                </a:solidFill>
+                <a:ea typeface="+mn-lt"/>
+                <a:cs typeface="+mn-lt"/>
+              </a:rPr>
+              <a:t>, int n, int </a:t>
+            </a:r>
+            <a:r>
+              <a:rPr lang="en-US" sz="1400" dirty="0" err="1">
+                <a:solidFill>
+                  <a:schemeClr val="tx2"/>
+                </a:solidFill>
+                <a:ea typeface="+mn-lt"/>
+                <a:cs typeface="+mn-lt"/>
+              </a:rPr>
+              <a:t>i</a:t>
+            </a:r>
+            <a:r>
+              <a:rPr lang="en-US" sz="1400" dirty="0">
+                <a:solidFill>
+                  <a:schemeClr val="tx2"/>
+                </a:solidFill>
+                <a:ea typeface="+mn-lt"/>
+                <a:cs typeface="+mn-lt"/>
+              </a:rPr>
+              <a:t>) {</a:t>
+            </a:r>
+          </a:p>
+          <a:p>
+            <a:pPr marL="0" indent="0">
+              <a:buNone/>
+            </a:pPr>
+            <a:r>
+              <a:rPr lang="en-US" sz="1400" dirty="0">
+                <a:solidFill>
+                  <a:schemeClr val="tx2"/>
+                </a:solidFill>
+                <a:ea typeface="+mn-lt"/>
+                <a:cs typeface="+mn-lt"/>
+              </a:rPr>
+              <a:t>    int largest = </a:t>
+            </a:r>
+            <a:r>
+              <a:rPr lang="en-US" sz="1400" dirty="0" err="1">
+                <a:solidFill>
+                  <a:schemeClr val="tx2"/>
+                </a:solidFill>
+                <a:ea typeface="+mn-lt"/>
+                <a:cs typeface="+mn-lt"/>
+              </a:rPr>
+              <a:t>i</a:t>
+            </a:r>
+            <a:r>
+              <a:rPr lang="en-US" sz="1400" dirty="0">
+                <a:solidFill>
+                  <a:schemeClr val="tx2"/>
+                </a:solidFill>
+                <a:ea typeface="+mn-lt"/>
+                <a:cs typeface="+mn-lt"/>
+              </a:rPr>
+              <a:t>;    </a:t>
+            </a:r>
+            <a:r>
+              <a:rPr lang="en-US" sz="1400" i="1" dirty="0">
+                <a:solidFill>
+                  <a:schemeClr val="bg1">
+                    <a:lumMod val="50000"/>
+                  </a:schemeClr>
+                </a:solidFill>
+                <a:ea typeface="+mn-lt"/>
+                <a:cs typeface="+mn-lt"/>
+              </a:rPr>
+              <a:t>//</a:t>
+            </a:r>
+            <a:r>
+              <a:rPr lang="ru-RU" sz="1400" i="1" dirty="0">
+                <a:solidFill>
+                  <a:schemeClr val="bg1">
+                    <a:lumMod val="50000"/>
+                  </a:schemeClr>
+                </a:solidFill>
+                <a:ea typeface="+mn-lt"/>
+                <a:cs typeface="+mn-lt"/>
+              </a:rPr>
+              <a:t>находим корень</a:t>
+            </a:r>
+          </a:p>
+          <a:p>
+            <a:pPr marL="0" indent="0">
+              <a:buNone/>
+            </a:pPr>
+            <a:r>
+              <a:rPr lang="ru-RU" sz="1400" dirty="0">
+                <a:solidFill>
+                  <a:schemeClr val="tx2"/>
+                </a:solidFill>
+                <a:ea typeface="+mn-lt"/>
+                <a:cs typeface="+mn-lt"/>
+              </a:rPr>
+              <a:t>    </a:t>
+            </a:r>
+            <a:r>
+              <a:rPr lang="en-US" sz="1400" dirty="0">
+                <a:solidFill>
+                  <a:schemeClr val="tx2"/>
+                </a:solidFill>
+                <a:ea typeface="+mn-lt"/>
+                <a:cs typeface="+mn-lt"/>
+              </a:rPr>
+              <a:t>int left = 2 * </a:t>
+            </a:r>
+            <a:r>
+              <a:rPr lang="en-US" sz="1400" dirty="0" err="1">
+                <a:solidFill>
+                  <a:schemeClr val="tx2"/>
+                </a:solidFill>
+                <a:ea typeface="+mn-lt"/>
+                <a:cs typeface="+mn-lt"/>
+              </a:rPr>
+              <a:t>i</a:t>
+            </a:r>
+            <a:r>
+              <a:rPr lang="en-US" sz="1400" dirty="0">
+                <a:solidFill>
+                  <a:schemeClr val="tx2"/>
+                </a:solidFill>
+                <a:ea typeface="+mn-lt"/>
+                <a:cs typeface="+mn-lt"/>
+              </a:rPr>
+              <a:t> + 1; </a:t>
+            </a:r>
+            <a:r>
+              <a:rPr lang="en-US" sz="1400" i="1" dirty="0">
+                <a:solidFill>
+                  <a:schemeClr val="bg1">
+                    <a:lumMod val="50000"/>
+                  </a:schemeClr>
+                </a:solidFill>
+                <a:ea typeface="+mn-lt"/>
+                <a:cs typeface="+mn-lt"/>
+              </a:rPr>
+              <a:t>//</a:t>
+            </a:r>
+            <a:r>
+              <a:rPr lang="ru-RU" sz="1400" i="1" dirty="0">
+                <a:solidFill>
+                  <a:schemeClr val="bg1">
+                    <a:lumMod val="50000"/>
+                  </a:schemeClr>
+                </a:solidFill>
+                <a:ea typeface="+mn-lt"/>
+                <a:cs typeface="+mn-lt"/>
+              </a:rPr>
+              <a:t>находим левого и правого ребенка этого корня</a:t>
+            </a:r>
+          </a:p>
+          <a:p>
+            <a:pPr marL="0" indent="0">
+              <a:buNone/>
+            </a:pPr>
+            <a:r>
+              <a:rPr lang="ru-RU" sz="1400" dirty="0">
+                <a:solidFill>
+                  <a:schemeClr val="tx2"/>
+                </a:solidFill>
+                <a:ea typeface="+mn-lt"/>
+                <a:cs typeface="+mn-lt"/>
+              </a:rPr>
+              <a:t>    </a:t>
+            </a:r>
+            <a:r>
+              <a:rPr lang="en-US" sz="1400" dirty="0">
+                <a:solidFill>
+                  <a:schemeClr val="tx2"/>
+                </a:solidFill>
+                <a:ea typeface="+mn-lt"/>
+                <a:cs typeface="+mn-lt"/>
+              </a:rPr>
+              <a:t>int right = 2 * </a:t>
+            </a:r>
+            <a:r>
+              <a:rPr lang="en-US" sz="1400" dirty="0" err="1">
+                <a:solidFill>
+                  <a:schemeClr val="tx2"/>
+                </a:solidFill>
+                <a:ea typeface="+mn-lt"/>
+                <a:cs typeface="+mn-lt"/>
+              </a:rPr>
+              <a:t>i</a:t>
+            </a:r>
+            <a:r>
+              <a:rPr lang="en-US" sz="1400" dirty="0">
+                <a:solidFill>
+                  <a:schemeClr val="tx2"/>
+                </a:solidFill>
+                <a:ea typeface="+mn-lt"/>
+                <a:cs typeface="+mn-lt"/>
+              </a:rPr>
+              <a:t> + 2;</a:t>
+            </a:r>
+          </a:p>
+          <a:p>
+            <a:pPr marL="0" indent="0">
+              <a:buNone/>
+            </a:pPr>
+            <a:endParaRPr lang="en-US" sz="1400" dirty="0">
+              <a:solidFill>
+                <a:schemeClr val="tx2"/>
+              </a:solidFill>
+              <a:ea typeface="+mn-lt"/>
+              <a:cs typeface="+mn-lt"/>
+            </a:endParaRPr>
+          </a:p>
+          <a:p>
+            <a:pPr marL="0" indent="0">
+              <a:buNone/>
+            </a:pPr>
+            <a:r>
+              <a:rPr lang="en-US" sz="1400" dirty="0">
+                <a:solidFill>
+                  <a:schemeClr val="tx2"/>
+                </a:solidFill>
+                <a:ea typeface="+mn-lt"/>
+                <a:cs typeface="+mn-lt"/>
+              </a:rPr>
+              <a:t>    if (left &lt; n &amp;&amp; </a:t>
+            </a:r>
+            <a:r>
+              <a:rPr lang="en-US" sz="1400" dirty="0" err="1">
+                <a:solidFill>
+                  <a:schemeClr val="tx2"/>
+                </a:solidFill>
+                <a:ea typeface="+mn-lt"/>
+                <a:cs typeface="+mn-lt"/>
+              </a:rPr>
+              <a:t>arr</a:t>
+            </a:r>
+            <a:r>
+              <a:rPr lang="en-US" sz="1400" dirty="0">
+                <a:solidFill>
+                  <a:schemeClr val="tx2"/>
+                </a:solidFill>
+                <a:ea typeface="+mn-lt"/>
+                <a:cs typeface="+mn-lt"/>
+              </a:rPr>
+              <a:t>[left] &gt; </a:t>
+            </a:r>
+            <a:r>
+              <a:rPr lang="en-US" sz="1400" dirty="0" err="1">
+                <a:solidFill>
+                  <a:schemeClr val="tx2"/>
+                </a:solidFill>
+                <a:ea typeface="+mn-lt"/>
+                <a:cs typeface="+mn-lt"/>
+              </a:rPr>
+              <a:t>arr</a:t>
+            </a:r>
+            <a:r>
+              <a:rPr lang="en-US" sz="1400" dirty="0">
+                <a:solidFill>
+                  <a:schemeClr val="tx2"/>
+                </a:solidFill>
+                <a:ea typeface="+mn-lt"/>
+                <a:cs typeface="+mn-lt"/>
+              </a:rPr>
+              <a:t>[largest]) </a:t>
+            </a:r>
+            <a:r>
+              <a:rPr lang="en-US" sz="1400" i="1" dirty="0">
+                <a:solidFill>
+                  <a:schemeClr val="bg1">
+                    <a:lumMod val="50000"/>
+                  </a:schemeClr>
+                </a:solidFill>
+                <a:ea typeface="+mn-lt"/>
+                <a:cs typeface="+mn-lt"/>
+              </a:rPr>
+              <a:t>// </a:t>
+            </a:r>
+            <a:r>
+              <a:rPr lang="ru-RU" sz="1400" i="1" dirty="0">
+                <a:solidFill>
+                  <a:schemeClr val="bg1">
+                    <a:lumMod val="50000"/>
+                  </a:schemeClr>
+                </a:solidFill>
+                <a:ea typeface="+mn-lt"/>
+                <a:cs typeface="+mn-lt"/>
+              </a:rPr>
+              <a:t>сравниваем корневой элемент и левый дочерний</a:t>
+            </a:r>
+          </a:p>
+          <a:p>
+            <a:pPr marL="0" indent="0">
+              <a:buNone/>
+            </a:pPr>
+            <a:r>
+              <a:rPr lang="ru-RU" sz="1400" dirty="0">
+                <a:solidFill>
+                  <a:schemeClr val="tx2"/>
+                </a:solidFill>
+                <a:ea typeface="+mn-lt"/>
+                <a:cs typeface="+mn-lt"/>
+              </a:rPr>
+              <a:t>      </a:t>
+            </a:r>
+            <a:r>
+              <a:rPr lang="en-US" sz="1400" dirty="0">
+                <a:solidFill>
+                  <a:schemeClr val="tx2"/>
+                </a:solidFill>
+                <a:ea typeface="+mn-lt"/>
+                <a:cs typeface="+mn-lt"/>
+              </a:rPr>
+              <a:t>largest = left; </a:t>
+            </a:r>
+            <a:r>
+              <a:rPr lang="en-US" sz="1400" i="1" dirty="0">
+                <a:solidFill>
+                  <a:schemeClr val="bg1">
+                    <a:lumMod val="50000"/>
+                  </a:schemeClr>
+                </a:solidFill>
+                <a:ea typeface="+mn-lt"/>
+                <a:cs typeface="+mn-lt"/>
+              </a:rPr>
+              <a:t>// </a:t>
+            </a:r>
+            <a:r>
+              <a:rPr lang="ru-RU" sz="1400" dirty="0">
+                <a:solidFill>
+                  <a:schemeClr val="bg1">
+                    <a:lumMod val="50000"/>
+                  </a:schemeClr>
+                </a:solidFill>
+                <a:ea typeface="+mn-lt"/>
+                <a:cs typeface="+mn-lt"/>
+              </a:rPr>
+              <a:t>если дочерний больше корневого, присваиваем индекс дочернего как наибольший</a:t>
+            </a:r>
+          </a:p>
+          <a:p>
+            <a:pPr marL="0" indent="0">
+              <a:buNone/>
+            </a:pPr>
+            <a:endParaRPr lang="ru-RU" sz="1400" dirty="0">
+              <a:solidFill>
+                <a:schemeClr val="tx2"/>
+              </a:solidFill>
+              <a:ea typeface="+mn-lt"/>
+              <a:cs typeface="+mn-lt"/>
+            </a:endParaRPr>
+          </a:p>
+          <a:p>
+            <a:pPr marL="0" indent="0">
+              <a:buNone/>
+            </a:pPr>
+            <a:r>
+              <a:rPr lang="ru-RU" sz="1400" dirty="0">
+                <a:solidFill>
+                  <a:schemeClr val="tx2"/>
+                </a:solidFill>
+                <a:ea typeface="+mn-lt"/>
+                <a:cs typeface="+mn-lt"/>
+              </a:rPr>
+              <a:t>    </a:t>
+            </a:r>
+            <a:r>
+              <a:rPr lang="en-US" sz="1400" dirty="0">
+                <a:solidFill>
+                  <a:schemeClr val="tx2"/>
+                </a:solidFill>
+                <a:ea typeface="+mn-lt"/>
+                <a:cs typeface="+mn-lt"/>
+              </a:rPr>
+              <a:t>if (right &lt; n &amp;&amp; </a:t>
+            </a:r>
+            <a:r>
+              <a:rPr lang="en-US" sz="1400" dirty="0" err="1">
+                <a:solidFill>
+                  <a:schemeClr val="tx2"/>
+                </a:solidFill>
+                <a:ea typeface="+mn-lt"/>
+                <a:cs typeface="+mn-lt"/>
+              </a:rPr>
+              <a:t>arr</a:t>
+            </a:r>
+            <a:r>
+              <a:rPr lang="en-US" sz="1400" dirty="0">
+                <a:solidFill>
+                  <a:schemeClr val="tx2"/>
+                </a:solidFill>
+                <a:ea typeface="+mn-lt"/>
+                <a:cs typeface="+mn-lt"/>
+              </a:rPr>
+              <a:t>[right] &gt; </a:t>
+            </a:r>
+            <a:r>
+              <a:rPr lang="en-US" sz="1400" dirty="0" err="1">
+                <a:solidFill>
+                  <a:schemeClr val="tx2"/>
+                </a:solidFill>
+                <a:ea typeface="+mn-lt"/>
+                <a:cs typeface="+mn-lt"/>
+              </a:rPr>
+              <a:t>arr</a:t>
+            </a:r>
+            <a:r>
+              <a:rPr lang="en-US" sz="1400" dirty="0">
+                <a:solidFill>
+                  <a:schemeClr val="tx2"/>
+                </a:solidFill>
+                <a:ea typeface="+mn-lt"/>
+                <a:cs typeface="+mn-lt"/>
+              </a:rPr>
+              <a:t>[largest]) </a:t>
+            </a:r>
+            <a:r>
+              <a:rPr lang="en-US" sz="1400" i="1" dirty="0">
+                <a:solidFill>
+                  <a:schemeClr val="bg1">
+                    <a:lumMod val="50000"/>
+                  </a:schemeClr>
+                </a:solidFill>
+                <a:ea typeface="+mn-lt"/>
+                <a:cs typeface="+mn-lt"/>
+              </a:rPr>
+              <a:t>// </a:t>
+            </a:r>
+            <a:r>
+              <a:rPr lang="ru-RU" sz="1400" i="1" dirty="0">
+                <a:solidFill>
+                  <a:schemeClr val="bg1">
+                    <a:lumMod val="50000"/>
+                  </a:schemeClr>
+                </a:solidFill>
+                <a:ea typeface="+mn-lt"/>
+                <a:cs typeface="+mn-lt"/>
+              </a:rPr>
+              <a:t>сравниваем корневой элемент и правый дочерний</a:t>
+            </a:r>
+          </a:p>
+          <a:p>
+            <a:pPr marL="0" indent="0">
+              <a:buNone/>
+            </a:pPr>
+            <a:r>
+              <a:rPr lang="ru-RU" sz="1400" dirty="0">
+                <a:solidFill>
+                  <a:schemeClr val="tx2"/>
+                </a:solidFill>
+                <a:ea typeface="+mn-lt"/>
+                <a:cs typeface="+mn-lt"/>
+              </a:rPr>
+              <a:t>      </a:t>
+            </a:r>
+            <a:r>
+              <a:rPr lang="en-US" sz="1400" dirty="0">
+                <a:solidFill>
+                  <a:schemeClr val="tx2"/>
+                </a:solidFill>
+                <a:ea typeface="+mn-lt"/>
+                <a:cs typeface="+mn-lt"/>
+              </a:rPr>
+              <a:t>largest = right; </a:t>
+            </a:r>
+            <a:r>
+              <a:rPr lang="en-US" sz="1400" i="1" dirty="0">
+                <a:solidFill>
+                  <a:schemeClr val="bg1">
+                    <a:lumMod val="50000"/>
+                  </a:schemeClr>
+                </a:solidFill>
+                <a:ea typeface="+mn-lt"/>
+                <a:cs typeface="+mn-lt"/>
+              </a:rPr>
+              <a:t>// </a:t>
+            </a:r>
+            <a:r>
+              <a:rPr lang="ru-RU" sz="1400" i="1" dirty="0">
+                <a:solidFill>
+                  <a:schemeClr val="bg1">
+                    <a:lumMod val="50000"/>
+                  </a:schemeClr>
+                </a:solidFill>
+                <a:ea typeface="+mn-lt"/>
+                <a:cs typeface="+mn-lt"/>
+              </a:rPr>
+              <a:t>если дочерний больше корневого, присваиваем индекс дочернего как наибольший</a:t>
+            </a:r>
+          </a:p>
+          <a:p>
+            <a:pPr marL="0" indent="0">
+              <a:buNone/>
+            </a:pPr>
+            <a:endParaRPr lang="ru-RU" sz="1400" dirty="0">
+              <a:solidFill>
+                <a:schemeClr val="tx2"/>
+              </a:solidFill>
+              <a:ea typeface="+mn-lt"/>
+              <a:cs typeface="+mn-lt"/>
+            </a:endParaRPr>
+          </a:p>
+          <a:p>
+            <a:pPr marL="0" indent="0">
+              <a:buNone/>
+            </a:pPr>
+            <a:r>
+              <a:rPr lang="ru-RU" sz="1400" dirty="0">
+                <a:solidFill>
+                  <a:schemeClr val="tx2"/>
+                </a:solidFill>
+                <a:ea typeface="+mn-lt"/>
+                <a:cs typeface="+mn-lt"/>
+              </a:rPr>
+              <a:t>    </a:t>
+            </a:r>
+            <a:r>
+              <a:rPr lang="en-US" sz="1400" dirty="0">
+                <a:solidFill>
+                  <a:schemeClr val="tx2"/>
+                </a:solidFill>
+                <a:ea typeface="+mn-lt"/>
+                <a:cs typeface="+mn-lt"/>
+              </a:rPr>
+              <a:t>if (largest != </a:t>
+            </a:r>
+            <a:r>
+              <a:rPr lang="en-US" sz="1400" dirty="0" err="1">
+                <a:solidFill>
+                  <a:schemeClr val="tx2"/>
+                </a:solidFill>
+                <a:ea typeface="+mn-lt"/>
+                <a:cs typeface="+mn-lt"/>
+              </a:rPr>
+              <a:t>i</a:t>
+            </a:r>
+            <a:r>
+              <a:rPr lang="en-US" sz="1400" dirty="0">
+                <a:solidFill>
+                  <a:schemeClr val="tx2"/>
+                </a:solidFill>
+                <a:ea typeface="+mn-lt"/>
+                <a:cs typeface="+mn-lt"/>
+              </a:rPr>
+              <a:t>) {</a:t>
+            </a:r>
+            <a:r>
+              <a:rPr lang="ru-RU" sz="1400" dirty="0">
+                <a:solidFill>
+                  <a:schemeClr val="tx2"/>
+                </a:solidFill>
+                <a:ea typeface="+mn-lt"/>
+                <a:cs typeface="+mn-lt"/>
+              </a:rPr>
+              <a:t> </a:t>
+            </a:r>
+            <a:r>
+              <a:rPr lang="en-US" sz="1400" i="1" dirty="0">
+                <a:solidFill>
+                  <a:schemeClr val="bg1">
+                    <a:lumMod val="50000"/>
+                  </a:schemeClr>
+                </a:solidFill>
+                <a:ea typeface="+mn-lt"/>
+                <a:cs typeface="+mn-lt"/>
+              </a:rPr>
+              <a:t>/</a:t>
+            </a:r>
+            <a:r>
+              <a:rPr lang="ru-RU" sz="1400" i="1" dirty="0">
+                <a:solidFill>
+                  <a:schemeClr val="bg1">
+                    <a:lumMod val="50000"/>
+                  </a:schemeClr>
+                </a:solidFill>
+                <a:ea typeface="+mn-lt"/>
+                <a:cs typeface="+mn-lt"/>
+              </a:rPr>
+              <a:t>если индекс поменялся, тогда меняем элементы, дочерний становится корневым</a:t>
+            </a:r>
+          </a:p>
+          <a:p>
+            <a:pPr marL="0" indent="0">
+              <a:buNone/>
+            </a:pPr>
+            <a:r>
+              <a:rPr lang="ru-RU" sz="1400" dirty="0">
+                <a:solidFill>
+                  <a:schemeClr val="tx2"/>
+                </a:solidFill>
+                <a:ea typeface="+mn-lt"/>
+                <a:cs typeface="+mn-lt"/>
+              </a:rPr>
+              <a:t>      </a:t>
+            </a:r>
+            <a:r>
+              <a:rPr lang="en-US" sz="1400" dirty="0">
+                <a:solidFill>
+                  <a:schemeClr val="tx2"/>
+                </a:solidFill>
+                <a:ea typeface="+mn-lt"/>
+                <a:cs typeface="+mn-lt"/>
+              </a:rPr>
+              <a:t>SWAP(</a:t>
+            </a:r>
+            <a:r>
+              <a:rPr lang="en-US" sz="1400" dirty="0" err="1">
+                <a:solidFill>
+                  <a:schemeClr val="tx2"/>
+                </a:solidFill>
+                <a:ea typeface="+mn-lt"/>
+                <a:cs typeface="+mn-lt"/>
+              </a:rPr>
+              <a:t>arr</a:t>
+            </a:r>
+            <a:r>
+              <a:rPr lang="en-US" sz="1400" dirty="0">
+                <a:solidFill>
+                  <a:schemeClr val="tx2"/>
+                </a:solidFill>
+                <a:ea typeface="+mn-lt"/>
+                <a:cs typeface="+mn-lt"/>
+              </a:rPr>
+              <a:t>, </a:t>
+            </a:r>
+            <a:r>
+              <a:rPr lang="en-US" sz="1400" dirty="0" err="1">
+                <a:solidFill>
+                  <a:schemeClr val="tx2"/>
+                </a:solidFill>
+                <a:ea typeface="+mn-lt"/>
+                <a:cs typeface="+mn-lt"/>
+              </a:rPr>
+              <a:t>i</a:t>
+            </a:r>
+            <a:r>
+              <a:rPr lang="en-US" sz="1400" dirty="0">
+                <a:solidFill>
+                  <a:schemeClr val="tx2"/>
+                </a:solidFill>
+                <a:ea typeface="+mn-lt"/>
+                <a:cs typeface="+mn-lt"/>
+              </a:rPr>
+              <a:t>, largest);</a:t>
+            </a:r>
+          </a:p>
+          <a:p>
+            <a:pPr marL="0" indent="0">
+              <a:buNone/>
+            </a:pPr>
+            <a:r>
+              <a:rPr lang="en-US" sz="1400" dirty="0">
+                <a:solidFill>
+                  <a:schemeClr val="tx2"/>
+                </a:solidFill>
+                <a:ea typeface="+mn-lt"/>
+                <a:cs typeface="+mn-lt"/>
+              </a:rPr>
+              <a:t>      </a:t>
+            </a:r>
+            <a:r>
+              <a:rPr lang="en-US" sz="1400" dirty="0" err="1">
+                <a:solidFill>
+                  <a:schemeClr val="tx2"/>
+                </a:solidFill>
+                <a:ea typeface="+mn-lt"/>
+                <a:cs typeface="+mn-lt"/>
+              </a:rPr>
+              <a:t>heapify</a:t>
+            </a:r>
+            <a:r>
+              <a:rPr lang="en-US" sz="1400" dirty="0">
+                <a:solidFill>
+                  <a:schemeClr val="tx2"/>
+                </a:solidFill>
+                <a:ea typeface="+mn-lt"/>
+                <a:cs typeface="+mn-lt"/>
+              </a:rPr>
+              <a:t>(</a:t>
+            </a:r>
+            <a:r>
+              <a:rPr lang="en-US" sz="1400" dirty="0" err="1">
+                <a:solidFill>
+                  <a:schemeClr val="tx2"/>
+                </a:solidFill>
+                <a:ea typeface="+mn-lt"/>
+                <a:cs typeface="+mn-lt"/>
+              </a:rPr>
+              <a:t>arr</a:t>
+            </a:r>
+            <a:r>
+              <a:rPr lang="en-US" sz="1400" dirty="0">
+                <a:solidFill>
+                  <a:schemeClr val="tx2"/>
+                </a:solidFill>
+                <a:ea typeface="+mn-lt"/>
+                <a:cs typeface="+mn-lt"/>
+              </a:rPr>
+              <a:t>, n, largest); </a:t>
+            </a:r>
+            <a:r>
+              <a:rPr lang="ru-RU" sz="1400" dirty="0">
+                <a:solidFill>
+                  <a:schemeClr val="tx2"/>
+                </a:solidFill>
+                <a:ea typeface="+mn-lt"/>
+                <a:cs typeface="+mn-lt"/>
+              </a:rPr>
+              <a:t> </a:t>
+            </a:r>
+            <a:r>
+              <a:rPr lang="en-US" sz="1400" i="1" dirty="0">
+                <a:solidFill>
+                  <a:schemeClr val="bg1">
+                    <a:lumMod val="50000"/>
+                  </a:schemeClr>
+                </a:solidFill>
+                <a:ea typeface="+mn-lt"/>
+                <a:cs typeface="+mn-lt"/>
+              </a:rPr>
+              <a:t>//</a:t>
+            </a:r>
+            <a:r>
+              <a:rPr lang="ru-RU" sz="1400" i="1" dirty="0">
+                <a:solidFill>
+                  <a:schemeClr val="bg1">
+                    <a:lumMod val="50000"/>
+                  </a:schemeClr>
+                </a:solidFill>
+                <a:ea typeface="+mn-lt"/>
+                <a:cs typeface="+mn-lt"/>
+              </a:rPr>
+              <a:t>и еще раз вызываем эту функцию для поддерева</a:t>
+            </a:r>
+          </a:p>
+          <a:p>
+            <a:pPr marL="0" indent="0">
+              <a:buNone/>
+            </a:pPr>
+            <a:r>
+              <a:rPr lang="ru-RU" sz="1400" dirty="0">
+                <a:solidFill>
+                  <a:schemeClr val="tx2"/>
+                </a:solidFill>
+                <a:ea typeface="+mn-lt"/>
+                <a:cs typeface="+mn-lt"/>
+              </a:rPr>
+              <a:t>    }</a:t>
+            </a:r>
+          </a:p>
+          <a:p>
+            <a:pPr marL="0" indent="0">
+              <a:buNone/>
+            </a:pPr>
+            <a:r>
+              <a:rPr lang="ru-RU" sz="1400" dirty="0">
+                <a:solidFill>
+                  <a:schemeClr val="tx2"/>
+                </a:solidFill>
+                <a:ea typeface="+mn-lt"/>
+                <a:cs typeface="+mn-lt"/>
+              </a:rPr>
+              <a:t>}</a:t>
+            </a:r>
+            <a:endParaRPr lang="ru-RU" sz="1400" dirty="0"/>
+          </a:p>
+        </p:txBody>
+      </p:sp>
+    </p:spTree>
+    <p:extLst>
+      <p:ext uri="{BB962C8B-B14F-4D97-AF65-F5344CB8AC3E}">
+        <p14:creationId xmlns:p14="http://schemas.microsoft.com/office/powerpoint/2010/main" val="768702282"/>
+      </p:ext>
+    </p:extLst>
+  </p:cSld>
+  <p:clrMapOvr>
+    <a:masterClrMapping/>
+  </p:clrMapOvr>
+</p:sld>
+</file>
+
+<file path=ppt/slides/slide13.xml><?xml version="1.0" encoding="utf-8"?>
+<p:sld xmlns:a="http://schemas.openxmlformats.org/drawingml/2006/main" xmlns:r="http://schemas.openxmlformats.org/officeDocument/2006/relationships" xmlns:p="http://schemas.openxmlformats.org/presentationml/2006/main">
+  <p:cSld>
+    <p:spTree>
+      <p:nvGrpSpPr>
+        <p:cNvPr id="1" name=""/>
+        <p:cNvGrpSpPr/>
+        <p:nvPr/>
+      </p:nvGrpSpPr>
+      <p:grpSpPr>
+        <a:xfrm>
+          <a:off x="0" y="0"/>
+          <a:ext cx="0" cy="0"/>
+          <a:chOff x="0" y="0"/>
+          <a:chExt cx="0" cy="0"/>
+        </a:xfrm>
+      </p:grpSpPr>
+      <p:sp>
+        <p:nvSpPr>
+          <p:cNvPr id="2" name="Заголовок 1">
+            <a:extLst>
+              <a:ext uri="{FF2B5EF4-FFF2-40B4-BE49-F238E27FC236}">
+                <a16:creationId xmlns:a16="http://schemas.microsoft.com/office/drawing/2014/main" id="{8D956CE6-2CCE-8FA1-70D9-FF1A950DA9FD}"/>
+              </a:ext>
+            </a:extLst>
+          </p:cNvPr>
+          <p:cNvSpPr>
+            <a:spLocks noGrp="1"/>
+          </p:cNvSpPr>
+          <p:nvPr>
+            <p:ph type="title"/>
+          </p:nvPr>
+        </p:nvSpPr>
+        <p:spPr>
+          <a:xfrm>
+            <a:off x="680760" y="268275"/>
+            <a:ext cx="8545320" cy="288413"/>
+          </a:xfrm>
+        </p:spPr>
+        <p:txBody>
+          <a:bodyPr/>
+          <a:lstStyle/>
+          <a:p>
+            <a:r>
+              <a:rPr lang="en-GB" sz="1400" dirty="0">
+                <a:solidFill>
+                  <a:srgbClr val="0F228B"/>
+                </a:solidFill>
+                <a:latin typeface="Times New Roman"/>
+                <a:cs typeface="Times New Roman"/>
+              </a:rPr>
+              <a:t>«</a:t>
+            </a:r>
+            <a:r>
+              <a:rPr lang="en-GB" sz="1400" dirty="0" err="1">
+                <a:solidFill>
+                  <a:srgbClr val="0F228B"/>
+                </a:solidFill>
+                <a:latin typeface="Times New Roman"/>
+                <a:cs typeface="Times New Roman"/>
+              </a:rPr>
+              <a:t>Исследование</a:t>
+            </a:r>
+            <a:r>
+              <a:rPr lang="en-GB" sz="1400" dirty="0">
+                <a:solidFill>
+                  <a:srgbClr val="0F228B"/>
+                </a:solidFill>
+                <a:latin typeface="Times New Roman"/>
+                <a:cs typeface="Times New Roman"/>
+              </a:rPr>
+              <a:t> </a:t>
+            </a:r>
+            <a:r>
+              <a:rPr lang="en-GB" sz="1400" dirty="0" err="1">
+                <a:solidFill>
+                  <a:srgbClr val="0F228B"/>
+                </a:solidFill>
+                <a:latin typeface="Times New Roman"/>
+                <a:cs typeface="Times New Roman"/>
+              </a:rPr>
+              <a:t>пузырьковой</a:t>
+            </a:r>
+            <a:r>
+              <a:rPr lang="en-GB" sz="1400" dirty="0">
+                <a:solidFill>
+                  <a:srgbClr val="0F228B"/>
+                </a:solidFill>
+                <a:latin typeface="Times New Roman"/>
+                <a:cs typeface="Times New Roman"/>
+              </a:rPr>
+              <a:t> и </a:t>
+            </a:r>
+            <a:r>
+              <a:rPr lang="en-GB" sz="1400" dirty="0" err="1">
+                <a:solidFill>
+                  <a:srgbClr val="0F228B"/>
+                </a:solidFill>
+                <a:latin typeface="Times New Roman"/>
+                <a:cs typeface="Times New Roman"/>
+              </a:rPr>
+              <a:t>пирамидальной</a:t>
+            </a:r>
+            <a:r>
+              <a:rPr lang="en-GB" sz="1400" dirty="0">
+                <a:solidFill>
+                  <a:srgbClr val="0F228B"/>
+                </a:solidFill>
+                <a:latin typeface="Times New Roman"/>
+                <a:cs typeface="Times New Roman"/>
+              </a:rPr>
+              <a:t> </a:t>
+            </a:r>
+            <a:r>
+              <a:rPr lang="en-GB" sz="1400" dirty="0" err="1">
+                <a:solidFill>
+                  <a:srgbClr val="0F228B"/>
+                </a:solidFill>
+                <a:latin typeface="Times New Roman"/>
+                <a:cs typeface="Times New Roman"/>
+              </a:rPr>
+              <a:t>сортировок</a:t>
+            </a:r>
+            <a:r>
+              <a:rPr lang="en-GB" sz="1400" dirty="0">
+                <a:solidFill>
+                  <a:srgbClr val="0F228B"/>
+                </a:solidFill>
+                <a:latin typeface="Times New Roman"/>
+                <a:cs typeface="Times New Roman"/>
+              </a:rPr>
+              <a:t>»</a:t>
+            </a:r>
+            <a:endParaRPr lang="ru-RU" sz="1400" dirty="0"/>
+          </a:p>
+        </p:txBody>
+      </p:sp>
+      <p:sp>
+        <p:nvSpPr>
+          <p:cNvPr id="3" name="Подзаголовок 2">
+            <a:extLst>
+              <a:ext uri="{FF2B5EF4-FFF2-40B4-BE49-F238E27FC236}">
+                <a16:creationId xmlns:a16="http://schemas.microsoft.com/office/drawing/2014/main" id="{1194AFC6-2E6B-5CD0-189D-880B37C5173A}"/>
+              </a:ext>
+            </a:extLst>
+          </p:cNvPr>
+          <p:cNvSpPr>
+            <a:spLocks noGrp="1"/>
+          </p:cNvSpPr>
+          <p:nvPr>
+            <p:ph type="subTitle"/>
+          </p:nvPr>
+        </p:nvSpPr>
+        <p:spPr>
+          <a:xfrm>
+            <a:off x="680760" y="2055592"/>
+            <a:ext cx="8545320" cy="3196902"/>
+          </a:xfrm>
+        </p:spPr>
+        <p:txBody>
+          <a:bodyPr/>
+          <a:lstStyle/>
+          <a:p>
+            <a:pPr marL="0" indent="0">
+              <a:buNone/>
+            </a:pPr>
+            <a:r>
               <a:rPr lang="ru-RU" sz="1400" dirty="0" err="1">
                 <a:solidFill>
                   <a:schemeClr val="tx2"/>
@@ -4773,7 +5933,7 @@
               </a:rPr>
               <a:t> n) {</a:t>
             </a:r>
-            <a:endParaRPr lang="ru-RU" sz="1400">
+            <a:endParaRPr lang="ru-RU" sz="1400" dirty="0">
               <a:solidFill>
                 <a:schemeClr val="tx2"/>
               </a:solidFill>
@@ -4851,11 +6011,25 @@
                 <a:ea typeface="+mn-lt"/>
                 <a:cs typeface="+mn-lt"/>
               </a:rPr>
-              <a:t>();                // засекаем начальное время старта сортировки</a:t>
-            </a:r>
-            <a:endParaRPr lang="ru-RU" sz="1400">
+              <a:t>();               </a:t>
+            </a:r>
+            <a:r>
+              <a:rPr lang="ru-RU" sz="1400" i="1" dirty="0">
+                <a:solidFill>
+                  <a:schemeClr val="bg1">
+                    <a:lumMod val="50000"/>
+                  </a:schemeClr>
+                </a:solidFill>
+                <a:ea typeface="+mn-lt"/>
+                <a:cs typeface="+mn-lt"/>
+              </a:rPr>
+              <a:t> // засекаем начальное время старта сортировки</a:t>
+            </a:r>
+            <a:endParaRPr lang="ru-RU" sz="1400" i="1" dirty="0">
               <a:solidFill>
-                <a:schemeClr val="tx2"/>
+                <a:schemeClr val="bg1">
+                  <a:lumMod val="50000"/>
+                </a:schemeClr>
               </a:solidFill>
             </a:endParaRPr>
           </a:p>
@@ -4885,7 +6059,7 @@
               <a:t>   </a:t>
             </a:r>
             <a:r>
-              <a:rPr lang="ru-RU" sz="1400" err="1">
+              <a:rPr lang="ru-RU" sz="1400" dirty="0" err="1">
                 <a:solidFill>
                   <a:schemeClr val="tx2"/>
                 </a:solidFill>
@@ -4907,7 +6081,7 @@
               <a:t> (</a:t>
             </a:r>
             <a:r>
-              <a:rPr lang="ru-RU" sz="1400" err="1">
+              <a:rPr lang="ru-RU" sz="1400" dirty="0" err="1">
                 <a:solidFill>
                   <a:schemeClr val="tx2"/>
                 </a:solidFill>
@@ -4926,12 +6100,27 @@
                 <a:ea typeface="+mn-lt"/>
                 <a:cs typeface="+mn-lt"/>
               </a:rPr>
-              <a:t> i = n / 2 - 1; i &gt;= 0; i--)   // создаем бинарное дерево, где главный корневой элемент - </a:t>
-            </a:r>
-            <a:r>
-              <a:rPr lang="ru-RU" sz="1400" err="1">
-                <a:solidFill>
-                  <a:schemeClr val="tx2"/>
+              <a:t> i = n / 2 - 1; i &gt;= 0; i--)   </a:t>
+            </a:r>
+            <a:r>
+              <a:rPr lang="ru-RU" sz="1400" i="1" dirty="0">
+                <a:solidFill>
+                  <a:schemeClr val="bg1">
+                    <a:lumMod val="50000"/>
+                  </a:schemeClr>
+                </a:solidFill>
+                <a:latin typeface="Times New Roman"/>
+                <a:ea typeface="+mn-lt"/>
+                <a:cs typeface="+mn-lt"/>
+              </a:rPr>
+              <a:t>// создаем бинарное дерево, где главный корневой элемент - </a:t>
+            </a:r>
+            <a:r>
+              <a:rPr lang="ru-RU" sz="1400" i="1" dirty="0" err="1">
+                <a:solidFill>
+                  <a:schemeClr val="bg1">
+                    <a:lumMod val="50000"/>
+                  </a:schemeClr>
                 </a:solidFill>
                 <a:latin typeface="Times New Roman"/>
                 <a:ea typeface="+mn-lt"/>
@@ -4940,6 +6129,32 @@
               <a:t>макисмальный</a:t>
             </a:r>
             <a:r>
+              <a:rPr lang="ru-RU" sz="1400" i="1" dirty="0">
+                <a:solidFill>
+                  <a:schemeClr val="bg1">
+                    <a:lumMod val="50000"/>
+                  </a:schemeClr>
+                </a:solidFill>
+                <a:latin typeface="Times New Roman"/>
+                <a:ea typeface="+mn-lt"/>
+                <a:cs typeface="+mn-lt"/>
+              </a:rPr>
+              <a:t>, а каждый дочерний меньше своего корневого.</a:t>
+            </a:r>
+            <a:endParaRPr lang="ru-RU" sz="1400" i="1" dirty="0">
+              <a:solidFill>
+                <a:schemeClr val="bg1">
+                  <a:lumMod val="50000"/>
+                </a:schemeClr>
+              </a:solidFill>
+              <a:latin typeface="Times New Roman"/>
+            </a:endParaRPr>
+          </a:p>
+          <a:p>
+            <a:pPr marL="0" indent="0">
+              <a:buNone/>
+            </a:pPr>
+            <a:r>
               <a:rPr lang="ru-RU" sz="1400" dirty="0">
                 <a:solidFill>
                   <a:schemeClr val="tx2"/>
@@ -4948,9 +6163,134 @@
                 <a:ea typeface="+mn-lt"/>
                 <a:cs typeface="+mn-lt"/>
               </a:rPr>
-              <a:t>, а каждый дочерний меньше своего корневого.</a:t>
-            </a:r>
-            <a:endParaRPr lang="ru-RU" sz="1400">
+              <a:t>      </a:t>
+            </a:r>
+            <a:r>
+              <a:rPr lang="ru-RU" sz="1400" dirty="0" err="1">
+                <a:solidFill>
+                  <a:schemeClr val="tx2"/>
+                </a:solidFill>
+                <a:latin typeface="Times New Roman"/>
+                <a:ea typeface="+mn-lt"/>
+                <a:cs typeface="+mn-lt"/>
+              </a:rPr>
+              <a:t>heapify</a:t>
+            </a:r>
+            <a:r>
+              <a:rPr lang="ru-RU" sz="1400" dirty="0">
+                <a:solidFill>
+                  <a:schemeClr val="tx2"/>
+                </a:solidFill>
+                <a:latin typeface="Times New Roman"/>
+                <a:ea typeface="+mn-lt"/>
+                <a:cs typeface="+mn-lt"/>
+              </a:rPr>
+              <a:t>(</a:t>
+            </a:r>
+            <a:r>
+              <a:rPr lang="ru-RU" sz="1400" dirty="0" err="1">
+                <a:solidFill>
+                  <a:schemeClr val="tx2"/>
+                </a:solidFill>
+                <a:latin typeface="Times New Roman"/>
+                <a:ea typeface="+mn-lt"/>
+                <a:cs typeface="+mn-lt"/>
+              </a:rPr>
+              <a:t>arr</a:t>
+            </a:r>
+            <a:r>
+              <a:rPr lang="ru-RU" sz="1400" dirty="0">
+                <a:solidFill>
+                  <a:schemeClr val="tx2"/>
+                </a:solidFill>
+                <a:latin typeface="Times New Roman"/>
+                <a:ea typeface="+mn-lt"/>
+                <a:cs typeface="+mn-lt"/>
+              </a:rPr>
+              <a:t>, n, i);                  </a:t>
+            </a:r>
+            <a:r>
+              <a:rPr lang="ru-RU" sz="1400" i="1" dirty="0">
+                <a:solidFill>
+                  <a:schemeClr val="bg1">
+                    <a:lumMod val="50000"/>
+                  </a:schemeClr>
+                </a:solidFill>
+                <a:latin typeface="Times New Roman"/>
+                <a:ea typeface="+mn-lt"/>
+                <a:cs typeface="+mn-lt"/>
+              </a:rPr>
+              <a:t>// n/2-1 -это все корневые элементы в дереве.</a:t>
+            </a:r>
+            <a:endParaRPr lang="ru-RU" sz="1400" i="1" dirty="0">
+              <a:solidFill>
+                <a:schemeClr val="bg1">
+                  <a:lumMod val="50000"/>
+                </a:schemeClr>
+              </a:solidFill>
+              <a:latin typeface="Times New Roman"/>
+            </a:endParaRPr>
+          </a:p>
+          <a:p>
+            <a:pPr marL="0" indent="0">
+              <a:buNone/>
+            </a:pPr>
+            <a:r>
+              <a:rPr lang="ru-RU" sz="1400" dirty="0">
+                <a:solidFill>
+                  <a:schemeClr val="tx2"/>
+                </a:solidFill>
+                <a:latin typeface="Times New Roman"/>
+                <a:ea typeface="+mn-lt"/>
+                <a:cs typeface="+mn-lt"/>
+              </a:rPr>
+              <a:t>    </a:t>
+            </a:r>
+            <a:r>
+              <a:rPr lang="ru-RU" sz="1400" dirty="0" err="1">
+                <a:solidFill>
+                  <a:schemeClr val="tx2"/>
+                </a:solidFill>
+                <a:latin typeface="Times New Roman"/>
+                <a:ea typeface="+mn-lt"/>
+                <a:cs typeface="+mn-lt"/>
+              </a:rPr>
+              <a:t>for</a:t>
+            </a:r>
+            <a:r>
+              <a:rPr lang="ru-RU" sz="1400" dirty="0">
+                <a:solidFill>
+                  <a:schemeClr val="tx2"/>
+                </a:solidFill>
+                <a:latin typeface="Times New Roman"/>
+                <a:ea typeface="+mn-lt"/>
+                <a:cs typeface="+mn-lt"/>
+              </a:rPr>
+              <a:t> (</a:t>
+            </a:r>
+            <a:r>
+              <a:rPr lang="ru-RU" sz="1400" dirty="0" err="1">
+                <a:solidFill>
+                  <a:schemeClr val="tx2"/>
+                </a:solidFill>
+                <a:latin typeface="Times New Roman"/>
+                <a:ea typeface="+mn-lt"/>
+                <a:cs typeface="+mn-lt"/>
+              </a:rPr>
+              <a:t>int</a:t>
+            </a:r>
+            <a:r>
+              <a:rPr lang="ru-RU" sz="1400" dirty="0">
+                <a:solidFill>
+                  <a:schemeClr val="tx2"/>
+                </a:solidFill>
+                <a:latin typeface="Times New Roman"/>
+                <a:ea typeface="+mn-lt"/>
+                <a:cs typeface="+mn-lt"/>
+              </a:rPr>
+              <a:t> i = n - 1; i &gt;= 0; i--) {</a:t>
+            </a:r>
+            <a:endParaRPr lang="ru-RU" sz="1400" dirty="0">
               <a:solidFill>
                 <a:schemeClr val="tx2"/>
               </a:solidFill>
@@ -4970,10 +6310,169 @@
                 <a:ea typeface="+mn-lt"/>
                 <a:cs typeface="+mn-lt"/>
               </a:rPr>
+              <a:t>      SWAP(</a:t>
+            </a:r>
+            <a:r>
+              <a:rPr lang="ru-RU" sz="1400" dirty="0" err="1">
+                <a:solidFill>
+                  <a:schemeClr val="tx2"/>
+                </a:solidFill>
+                <a:latin typeface="Times New Roman"/>
+                <a:ea typeface="+mn-lt"/>
+                <a:cs typeface="+mn-lt"/>
+              </a:rPr>
+              <a:t>arr</a:t>
+            </a:r>
+            <a:r>
+              <a:rPr lang="ru-RU" sz="1400" dirty="0">
+                <a:solidFill>
+                  <a:schemeClr val="tx2"/>
+                </a:solidFill>
+                <a:latin typeface="Times New Roman"/>
+                <a:ea typeface="+mn-lt"/>
+                <a:cs typeface="+mn-lt"/>
+              </a:rPr>
+              <a:t>, 0, i);         </a:t>
+            </a:r>
+            <a:r>
+              <a:rPr lang="ru-RU" sz="1400" dirty="0">
+                <a:solidFill>
+                  <a:schemeClr val="bg1">
+                    <a:lumMod val="50000"/>
+                  </a:schemeClr>
+                </a:solidFill>
+                <a:latin typeface="Times New Roman"/>
+                <a:ea typeface="+mn-lt"/>
+                <a:cs typeface="+mn-lt"/>
+              </a:rPr>
+              <a:t>/*по созданному бинарному дереву проходимся с конца, меняя главный корневой элемент на последнее место, то </a:t>
+            </a:r>
+            <a:r>
+              <a:rPr lang="ru-RU" sz="1400" dirty="0" err="1">
+                <a:solidFill>
+                  <a:schemeClr val="bg1">
+                    <a:lumMod val="50000"/>
+                  </a:schemeClr>
+                </a:solidFill>
+                <a:latin typeface="Times New Roman"/>
+                <a:ea typeface="+mn-lt"/>
+                <a:cs typeface="+mn-lt"/>
+              </a:rPr>
+              <a:t>естьставя</a:t>
+            </a:r>
+            <a:r>
+              <a:rPr lang="ru-RU" sz="1400" dirty="0">
+                <a:solidFill>
+                  <a:schemeClr val="bg1">
+                    <a:lumMod val="50000"/>
+                  </a:schemeClr>
+                </a:solidFill>
+                <a:latin typeface="Times New Roman"/>
+                <a:ea typeface="+mn-lt"/>
+                <a:cs typeface="+mn-lt"/>
+              </a:rPr>
+              <a:t> максимальный элемент в конец массива, затем проводим реорганизацию бинарного дерева,</a:t>
+            </a:r>
+            <a:r>
+              <a:rPr lang="ru-RU" sz="1400" dirty="0">
+                <a:solidFill>
+                  <a:schemeClr val="bg1">
+                    <a:lumMod val="50000"/>
+                  </a:schemeClr>
+                </a:solidFill>
+                <a:latin typeface="Times New Roman"/>
+              </a:rPr>
+              <a:t> </a:t>
+            </a:r>
+            <a:r>
+              <a:rPr lang="ru-RU" sz="1400" dirty="0">
+                <a:solidFill>
+                  <a:schemeClr val="bg1">
+                    <a:lumMod val="50000"/>
+                  </a:schemeClr>
+                </a:solidFill>
+                <a:latin typeface="Times New Roman"/>
+                <a:ea typeface="+mn-lt"/>
+                <a:cs typeface="+mn-lt"/>
+              </a:rPr>
+              <a:t>снова ставя максимальный элемент на место главного корня, уже не </a:t>
+            </a:r>
+            <a:r>
+              <a:rPr lang="ru-RU" sz="1400" dirty="0" err="1">
+                <a:solidFill>
+                  <a:schemeClr val="bg1">
+                    <a:lumMod val="50000"/>
+                  </a:schemeClr>
+                </a:solidFill>
+                <a:latin typeface="Times New Roman"/>
+                <a:ea typeface="+mn-lt"/>
+                <a:cs typeface="+mn-lt"/>
+              </a:rPr>
+              <a:t>учитвая</a:t>
+            </a:r>
+            <a:r>
+              <a:rPr lang="ru-RU" sz="1400" dirty="0">
+                <a:solidFill>
+                  <a:schemeClr val="bg1">
+                    <a:lumMod val="50000"/>
+                  </a:schemeClr>
+                </a:solidFill>
+                <a:latin typeface="Times New Roman"/>
+                <a:ea typeface="+mn-lt"/>
+                <a:cs typeface="+mn-lt"/>
+              </a:rPr>
+              <a:t> последний элемент,</a:t>
+            </a:r>
+            <a:r>
+              <a:rPr lang="ru-RU" sz="1400" dirty="0">
+                <a:solidFill>
+                  <a:schemeClr val="bg1">
+                    <a:lumMod val="50000"/>
+                  </a:schemeClr>
+                </a:solidFill>
+                <a:latin typeface="Times New Roman"/>
+              </a:rPr>
+              <a:t> </a:t>
+            </a:r>
+            <a:r>
+              <a:rPr lang="ru-RU" sz="1400" dirty="0">
+                <a:solidFill>
+                  <a:schemeClr val="bg1">
+                    <a:lumMod val="50000"/>
+                  </a:schemeClr>
+                </a:solidFill>
+                <a:latin typeface="Times New Roman"/>
+                <a:ea typeface="+mn-lt"/>
+                <a:cs typeface="+mn-lt"/>
+              </a:rPr>
+              <a:t>и затем снова меняем уже предпоследний элемент с корневым, и так пока не пройдемся по всему массиву*/</a:t>
+            </a:r>
+            <a:endParaRPr lang="ru-RU" sz="1400" dirty="0">
+              <a:solidFill>
+                <a:schemeClr val="bg1">
+                  <a:lumMod val="50000"/>
+                </a:schemeClr>
+              </a:solidFill>
+              <a:latin typeface="Times New Roman"/>
+            </a:endParaRPr>
+          </a:p>
+          <a:p>
+            <a:pPr marL="0" indent="0">
+              <a:buNone/>
+            </a:pPr>
+            <a:r>
+              <a:rPr lang="ru-RU" sz="1400" dirty="0">
+                <a:solidFill>
+                  <a:schemeClr val="tx2"/>
+                </a:solidFill>
+                <a:latin typeface="Times New Roman"/>
+                <a:ea typeface="+mn-lt"/>
+                <a:cs typeface="+mn-lt"/>
+              </a:rPr>
               <a:t>      </a:t>
             </a:r>
             <a:r>
-              <a:rPr lang="ru-RU" sz="1400" err="1">
+              <a:rPr lang="ru-RU" sz="1400" dirty="0" err="1">
                 <a:solidFill>
                   <a:schemeClr val="tx2"/>
                 </a:solidFill>
@@ -4995,7 +6494,7 @@
               <a:t>(</a:t>
             </a:r>
             <a:r>
-              <a:rPr lang="ru-RU" sz="1400" err="1">
+              <a:rPr lang="ru-RU" sz="1400" dirty="0" err="1">
                 <a:solidFill>
                   <a:schemeClr val="tx2"/>
                 </a:solidFill>
@@ -5014,9 +6513,9 @@
                 <a:ea typeface="+mn-lt"/>
                 <a:cs typeface="+mn-lt"/>
               </a:rPr>
-              <a:t>, n, i);                  // n/2-1 -это все корневые элементы в дереве.</a:t>
-            </a:r>
-            <a:endParaRPr lang="ru-RU" sz="1400">
+              <a:t>, i, 0);</a:t>
+            </a:r>
+            <a:endParaRPr lang="ru-RU" sz="1400" dirty="0">
               <a:solidFill>
                 <a:schemeClr val="tx2"/>
               </a:solidFill>
@@ -5036,53 +6535,9 @@
                 <a:ea typeface="+mn-lt"/>
                 <a:cs typeface="+mn-lt"/>
               </a:rPr>
-              <a:t>    </a:t>
-            </a:r>
-            <a:r>
-              <a:rPr lang="ru-RU" sz="1400" err="1">
-                <a:solidFill>
-                  <a:schemeClr val="tx2"/>
-                </a:solidFill>
-                <a:latin typeface="Times New Roman"/>
-                <a:ea typeface="+mn-lt"/>
-                <a:cs typeface="+mn-lt"/>
-              </a:rPr>
-              <a:t>for</a:t>
-            </a:r>
-            <a:r>
-              <a:rPr lang="ru-RU" sz="1400" dirty="0">
-                <a:solidFill>
-                  <a:schemeClr val="tx2"/>
-                </a:solidFill>
-                <a:latin typeface="Times New Roman"/>
-                <a:ea typeface="+mn-lt"/>
-                <a:cs typeface="+mn-lt"/>
-              </a:rPr>
-              <a:t> (</a:t>
-            </a:r>
-            <a:r>
-              <a:rPr lang="ru-RU" sz="1400" err="1">
-                <a:solidFill>
-                  <a:schemeClr val="tx2"/>
-                </a:solidFill>
-                <a:latin typeface="Times New Roman"/>
-                <a:ea typeface="+mn-lt"/>
-                <a:cs typeface="+mn-lt"/>
-              </a:rPr>
-              <a:t>int</a:t>
-            </a:r>
-            <a:r>
-              <a:rPr lang="ru-RU" sz="1400" dirty="0">
-                <a:solidFill>
-                  <a:schemeClr val="tx2"/>
-                </a:solidFill>
-                <a:latin typeface="Times New Roman"/>
-                <a:ea typeface="+mn-lt"/>
-                <a:cs typeface="+mn-lt"/>
-              </a:rPr>
-              <a:t> i = n - 1; i &gt;= 0; i--) {</a:t>
-            </a:r>
-            <a:endParaRPr lang="ru-RU" sz="1400">
+              <a:t>    }</a:t>
+            </a:r>
+            <a:endParaRPr lang="ru-RU" sz="1400" dirty="0">
               <a:solidFill>
                 <a:schemeClr val="tx2"/>
               </a:solidFill>
@@ -5102,18 +6557,18 @@
                 <a:ea typeface="+mn-lt"/>
                 <a:cs typeface="+mn-lt"/>
               </a:rPr>
-              <a:t>      SWAP(</a:t>
-            </a:r>
-            <a:r>
-              <a:rPr lang="ru-RU" sz="1400" err="1">
-                <a:solidFill>
-                  <a:schemeClr val="tx2"/>
-                </a:solidFill>
-                <a:latin typeface="Times New Roman"/>
-                <a:ea typeface="+mn-lt"/>
-                <a:cs typeface="+mn-lt"/>
-              </a:rPr>
-              <a:t>arr</a:t>
+              <a:t>    </a:t>
+            </a:r>
+            <a:r>
+              <a:rPr lang="ru-RU" sz="1400" dirty="0" err="1">
+                <a:solidFill>
+                  <a:schemeClr val="tx2"/>
+                </a:solidFill>
+                <a:latin typeface="Times New Roman"/>
+                <a:ea typeface="+mn-lt"/>
+                <a:cs typeface="+mn-lt"/>
+              </a:rPr>
+              <a:t>return</a:t>
             </a:r>
             <a:r>
               <a:rPr lang="ru-RU" sz="1400" dirty="0">
@@ -5124,297 +6579,96 @@
                 <a:ea typeface="+mn-lt"/>
                 <a:cs typeface="+mn-lt"/>
               </a:rPr>
-              <a:t>, 0, i);         //по созданному бинарному дереву проходимся с конца, меняя главный корневой элемент на последнее место, то есть</a:t>
-            </a:r>
-            <a:endParaRPr lang="ru-RU" sz="1400">
+              <a:t> ((</a:t>
+            </a:r>
+            <a:r>
+              <a:rPr lang="ru-RU" sz="1400" dirty="0" err="1">
+                <a:solidFill>
+                  <a:schemeClr val="tx2"/>
+                </a:solidFill>
+                <a:latin typeface="Times New Roman"/>
+                <a:ea typeface="+mn-lt"/>
+                <a:cs typeface="+mn-lt"/>
+              </a:rPr>
+              <a:t>clock</a:t>
+            </a:r>
+            <a:r>
+              <a:rPr lang="ru-RU" sz="1400" dirty="0">
+                <a:solidFill>
+                  <a:schemeClr val="tx2"/>
+                </a:solidFill>
+                <a:latin typeface="Times New Roman"/>
+                <a:ea typeface="+mn-lt"/>
+                <a:cs typeface="+mn-lt"/>
+              </a:rPr>
+              <a:t>()-</a:t>
+            </a:r>
+            <a:r>
+              <a:rPr lang="ru-RU" sz="1400" dirty="0" err="1">
+                <a:solidFill>
+                  <a:schemeClr val="tx2"/>
+                </a:solidFill>
+                <a:latin typeface="Times New Roman"/>
+                <a:ea typeface="+mn-lt"/>
+                <a:cs typeface="+mn-lt"/>
+              </a:rPr>
+              <a:t>start</a:t>
+            </a:r>
+            <a:r>
+              <a:rPr lang="ru-RU" sz="1400" dirty="0">
+                <a:solidFill>
+                  <a:schemeClr val="tx2"/>
+                </a:solidFill>
+                <a:latin typeface="Times New Roman"/>
+                <a:ea typeface="+mn-lt"/>
+                <a:cs typeface="+mn-lt"/>
+              </a:rPr>
+              <a:t>)*1.0)/CLOCKS_PER_SEC; </a:t>
+            </a:r>
+            <a:r>
+              <a:rPr lang="ru-RU" sz="1400" i="1" dirty="0">
+                <a:solidFill>
+                  <a:schemeClr val="bg1">
+                    <a:lumMod val="50000"/>
+                  </a:schemeClr>
+                </a:solidFill>
+                <a:latin typeface="Times New Roman"/>
+                <a:ea typeface="+mn-lt"/>
+                <a:cs typeface="+mn-lt"/>
+              </a:rPr>
+              <a:t>// </a:t>
+            </a:r>
+            <a:r>
+              <a:rPr lang="ru-RU" sz="1400" i="1" dirty="0" err="1">
+                <a:solidFill>
+                  <a:schemeClr val="bg1">
+                    <a:lumMod val="50000"/>
+                  </a:schemeClr>
+                </a:solidFill>
+                <a:latin typeface="Times New Roman"/>
+                <a:ea typeface="+mn-lt"/>
+                <a:cs typeface="+mn-lt"/>
+              </a:rPr>
+              <a:t>закничиваем</a:t>
+            </a:r>
+            <a:r>
+              <a:rPr lang="ru-RU" sz="1400" i="1" dirty="0">
+                <a:solidFill>
+                  <a:schemeClr val="bg1">
+                    <a:lumMod val="50000"/>
+                  </a:schemeClr>
+                </a:solidFill>
+                <a:latin typeface="Times New Roman"/>
+                <a:ea typeface="+mn-lt"/>
+                <a:cs typeface="+mn-lt"/>
+              </a:rPr>
+              <a:t> измерение времени нашей сортировки</a:t>
+            </a:r>
+            <a:endParaRPr lang="ru-RU" sz="1400" i="1" dirty="0">
               <a:solidFill>
-                <a:schemeClr val="tx2"/>
-              </a:solidFill>
-              <a:latin typeface="Times New Roman"/>
-            </a:endParaRPr>
-          </a:p>
-          <a:p>
-            <a:pPr marL="0" indent="0">
-              <a:buNone/>
-            </a:pPr>
-            <a:r>
-              <a:rPr lang="ru-RU" sz="1400" dirty="0">
-                <a:solidFill>
-                  <a:schemeClr val="tx2"/>
-                </a:solidFill>
-                <a:latin typeface="Times New Roman"/>
-                <a:ea typeface="+mn-lt"/>
-                <a:cs typeface="+mn-lt"/>
-              </a:rPr>
-              <a:t>                                    //ставя максимальный элемент в конец массива, затем проводим реорганизацию бинарного дерева,</a:t>
-            </a:r>
-            <a:endParaRPr lang="ru-RU" sz="1400">
-              <a:solidFill>
-                <a:schemeClr val="tx2"/>
-              </a:solidFill>
-              <a:latin typeface="Times New Roman"/>
-            </a:endParaRPr>
-          </a:p>
-          <a:p>
-            <a:pPr marL="0" indent="0">
-              <a:buNone/>
-            </a:pPr>
-            <a:r>
-              <a:rPr lang="ru-RU" sz="1400" dirty="0">
-                <a:solidFill>
-                  <a:schemeClr val="tx2"/>
-                </a:solidFill>
-                <a:latin typeface="Times New Roman"/>
-                <a:ea typeface="+mn-lt"/>
-                <a:cs typeface="+mn-lt"/>
-              </a:rPr>
-              <a:t>                                    //снова ставя максимальный элемент на место главного корня, уже не </a:t>
-            </a:r>
-            <a:r>
-              <a:rPr lang="ru-RU" sz="1400" dirty="0" err="1">
-                <a:solidFill>
-                  <a:schemeClr val="tx2"/>
-                </a:solidFill>
-                <a:latin typeface="Times New Roman"/>
-                <a:ea typeface="+mn-lt"/>
-                <a:cs typeface="+mn-lt"/>
-              </a:rPr>
-              <a:t>учитвая</a:t>
-            </a:r>
-            <a:r>
-              <a:rPr lang="ru-RU" sz="1400" dirty="0">
-                <a:solidFill>
-                  <a:schemeClr val="tx2"/>
-                </a:solidFill>
-                <a:latin typeface="Times New Roman"/>
-                <a:ea typeface="+mn-lt"/>
-                <a:cs typeface="+mn-lt"/>
-              </a:rPr>
-              <a:t> последний элемент,</a:t>
-            </a:r>
-            <a:endParaRPr lang="ru-RU" sz="1400">
-              <a:solidFill>
-                <a:schemeClr val="tx2"/>
-              </a:solidFill>
-              <a:latin typeface="Times New Roman"/>
-            </a:endParaRPr>
-          </a:p>
-          <a:p>
-            <a:pPr marL="0" indent="0">
-              <a:buNone/>
-            </a:pPr>
-            <a:r>
-              <a:rPr lang="ru-RU" sz="1400" dirty="0">
-                <a:solidFill>
-                  <a:schemeClr val="tx2"/>
-                </a:solidFill>
-                <a:latin typeface="Times New Roman"/>
-                <a:ea typeface="+mn-lt"/>
-                <a:cs typeface="+mn-lt"/>
-              </a:rPr>
-              <a:t>                                    //и затем снова меняем уже предпоследний элемент с корневым, и так пока не пройдемся по всему массиву</a:t>
-            </a:r>
-            <a:endParaRPr lang="ru-RU" sz="1400">
-              <a:solidFill>
-                <a:schemeClr val="tx2"/>
-              </a:solidFill>
-              <a:latin typeface="Times New Roman"/>
-            </a:endParaRPr>
-          </a:p>
-          <a:p>
-            <a:pPr marL="0" indent="0">
-              <a:buNone/>
-            </a:pPr>
-            <a:r>
-              <a:rPr lang="ru-RU" sz="1400" dirty="0">
-                <a:solidFill>
-                  <a:schemeClr val="tx2"/>
-                </a:solidFill>
-                <a:latin typeface="Times New Roman"/>
-                <a:ea typeface="+mn-lt"/>
-                <a:cs typeface="+mn-lt"/>
-              </a:rPr>
-              <a:t>      </a:t>
-            </a:r>
-            <a:r>
-              <a:rPr lang="ru-RU" sz="1400" err="1">
-                <a:solidFill>
-                  <a:schemeClr val="tx2"/>
-                </a:solidFill>
-                <a:latin typeface="Times New Roman"/>
-                <a:ea typeface="+mn-lt"/>
-                <a:cs typeface="+mn-lt"/>
-              </a:rPr>
-              <a:t>heapify</a:t>
-            </a:r>
-            <a:r>
-              <a:rPr lang="ru-RU" sz="1400" dirty="0">
-                <a:solidFill>
-                  <a:schemeClr val="tx2"/>
-                </a:solidFill>
-                <a:latin typeface="Times New Roman"/>
-                <a:ea typeface="+mn-lt"/>
-                <a:cs typeface="+mn-lt"/>
-              </a:rPr>
-              <a:t>(</a:t>
-            </a:r>
-            <a:r>
-              <a:rPr lang="ru-RU" sz="1400" err="1">
-                <a:solidFill>
-                  <a:schemeClr val="tx2"/>
-                </a:solidFill>
-                <a:latin typeface="Times New Roman"/>
-                <a:ea typeface="+mn-lt"/>
-                <a:cs typeface="+mn-lt"/>
-              </a:rPr>
-              <a:t>arr</a:t>
-            </a:r>
-            <a:r>
-              <a:rPr lang="ru-RU" sz="1400" dirty="0">
-                <a:solidFill>
-                  <a:schemeClr val="tx2"/>
-                </a:solidFill>
-                <a:latin typeface="Times New Roman"/>
-                <a:ea typeface="+mn-lt"/>
-                <a:cs typeface="+mn-lt"/>
-              </a:rPr>
-              <a:t>, i, 0);</a:t>
-            </a:r>
-            <a:endParaRPr lang="ru-RU" sz="1400">
-              <a:solidFill>
-                <a:schemeClr val="tx2"/>
-              </a:solidFill>
-              <a:latin typeface="Times New Roman"/>
-            </a:endParaRPr>
-          </a:p>
-          <a:p>
-            <a:pPr marL="0" indent="0">
-              <a:buNone/>
-            </a:pPr>
-            <a:r>
-              <a:rPr lang="ru-RU" sz="1400" dirty="0">
-                <a:solidFill>
-                  <a:schemeClr val="tx2"/>
-                </a:solidFill>
-                <a:latin typeface="Times New Roman"/>
-                <a:ea typeface="+mn-lt"/>
-                <a:cs typeface="+mn-lt"/>
-              </a:rPr>
-              <a:t>    }</a:t>
-            </a:r>
-            <a:endParaRPr lang="ru-RU" sz="1400">
-              <a:solidFill>
-                <a:schemeClr val="tx2"/>
-              </a:solidFill>
-              <a:latin typeface="Times New Roman"/>
-            </a:endParaRPr>
-          </a:p>
-          <a:p>
-            <a:pPr marL="0" indent="0">
-              <a:buNone/>
-            </a:pPr>
-            <a:r>
-              <a:rPr lang="ru-RU" sz="1400" dirty="0">
-                <a:solidFill>
-                  <a:schemeClr val="tx2"/>
-                </a:solidFill>
-                <a:latin typeface="Times New Roman"/>
-                <a:ea typeface="+mn-lt"/>
-                <a:cs typeface="+mn-lt"/>
-              </a:rPr>
-              <a:t>    </a:t>
-            </a:r>
-            <a:r>
-              <a:rPr lang="ru-RU" sz="1400" err="1">
-                <a:solidFill>
-                  <a:schemeClr val="tx2"/>
-                </a:solidFill>
-                <a:latin typeface="Times New Roman"/>
-                <a:ea typeface="+mn-lt"/>
-                <a:cs typeface="+mn-lt"/>
-              </a:rPr>
-              <a:t>return</a:t>
-            </a:r>
-            <a:r>
-              <a:rPr lang="ru-RU" sz="1400" dirty="0">
-                <a:solidFill>
-                  <a:schemeClr val="tx2"/>
-                </a:solidFill>
-                <a:latin typeface="Times New Roman"/>
-                <a:ea typeface="+mn-lt"/>
-                <a:cs typeface="+mn-lt"/>
-              </a:rPr>
-              <a:t> ((</a:t>
-            </a:r>
-            <a:r>
-              <a:rPr lang="ru-RU" sz="1400" err="1">
-                <a:solidFill>
-                  <a:schemeClr val="tx2"/>
-                </a:solidFill>
-                <a:latin typeface="Times New Roman"/>
-                <a:ea typeface="+mn-lt"/>
-                <a:cs typeface="+mn-lt"/>
-              </a:rPr>
-              <a:t>clock</a:t>
-            </a:r>
-            <a:r>
-              <a:rPr lang="ru-RU" sz="1400" dirty="0">
-                <a:solidFill>
-                  <a:schemeClr val="tx2"/>
-                </a:solidFill>
-                <a:latin typeface="Times New Roman"/>
-                <a:ea typeface="+mn-lt"/>
-                <a:cs typeface="+mn-lt"/>
-              </a:rPr>
-              <a:t>()-</a:t>
-            </a:r>
-            <a:r>
-              <a:rPr lang="ru-RU" sz="1400" err="1">
-                <a:solidFill>
-                  <a:schemeClr val="tx2"/>
-                </a:solidFill>
-                <a:latin typeface="Times New Roman"/>
-                <a:ea typeface="+mn-lt"/>
-                <a:cs typeface="+mn-lt"/>
-              </a:rPr>
-              <a:t>start</a:t>
-            </a:r>
-            <a:r>
-              <a:rPr lang="ru-RU" sz="1400" dirty="0">
-                <a:solidFill>
-                  <a:schemeClr val="tx2"/>
-                </a:solidFill>
-                <a:latin typeface="Times New Roman"/>
-                <a:ea typeface="+mn-lt"/>
-                <a:cs typeface="+mn-lt"/>
-              </a:rPr>
-              <a:t>)*1.0)/CLOCKS_PER_SEC; // </a:t>
-            </a:r>
-            <a:r>
-              <a:rPr lang="ru-RU" sz="1400" err="1">
-                <a:solidFill>
-                  <a:schemeClr val="tx2"/>
-                </a:solidFill>
-                <a:latin typeface="Times New Roman"/>
-                <a:ea typeface="+mn-lt"/>
-                <a:cs typeface="+mn-lt"/>
-              </a:rPr>
-              <a:t>закничиваем</a:t>
-            </a:r>
-            <a:r>
-              <a:rPr lang="ru-RU" sz="1400" dirty="0">
-                <a:solidFill>
-                  <a:schemeClr val="tx2"/>
-                </a:solidFill>
-                <a:latin typeface="Times New Roman"/>
-                <a:ea typeface="+mn-lt"/>
-                <a:cs typeface="+mn-lt"/>
-              </a:rPr>
-              <a:t> измерение времени нашей сортировки</a:t>
-            </a:r>
-            <a:endParaRPr lang="ru-RU" sz="1400">
-              <a:solidFill>
-                <a:schemeClr val="tx2"/>
+                <a:schemeClr val="bg1">
+                  <a:lumMod val="50000"/>
+                </a:schemeClr>
               </a:solidFill>
               <a:latin typeface="Times New Roman"/>
             </a:endParaRPr>
@@ -5460,7 +6714,7 @@
 </p:sld>
 </file>
 
-<file path=ppt/slides/slide13.xml><?xml version="1.0" encoding="utf-8"?>
+<file path=ppt/slides/slide14.xml><?xml version="1.0" encoding="utf-8"?>
 <p:sld xmlns:a="http://schemas.openxmlformats.org/drawingml/2006/main" xmlns:r="http://schemas.openxmlformats.org/officeDocument/2006/relationships" xmlns:p="http://schemas.openxmlformats.org/presentationml/2006/main">
   <p:cSld>
     <p:spTree>
@@ -5666,30 +6920,30 @@
           <p:nvPr>
             <p:extLst>
               <p:ext uri="{D42A27DB-BD31-4B8C-83A1-F6EECF244321}">
-                <p14:modId xmlns:p14="http://schemas.microsoft.com/office/powerpoint/2010/main" val="1423480304"/>
+                <p14:modId xmlns:p14="http://schemas.microsoft.com/office/powerpoint/2010/main" val="3954406905"/>
               </p:ext>
             </p:extLst>
           </p:nvPr>
         </p:nvGraphicFramePr>
         <p:xfrm>
-          <a:off x="1978095" y="1382444"/>
-          <a:ext cx="5884227" cy="2651760"/>
+          <a:off x="680761" y="1382444"/>
+          <a:ext cx="8545320" cy="4209058"/>
         </p:xfrm>
         <a:graphic>
           <a:graphicData uri="http://schemas.openxmlformats.org/drawingml/2006/table">
             <a:tbl>
               <a:tblPr firstRow="1" bandRow="1">
-                <a:tableStyleId>{5C22544A-7EE6-4342-B048-85BDC9FD1C3A}</a:tableStyleId>
+                <a:tableStyleId>{3B4B98B0-60AC-42C2-AFA5-B58CD77FA1E5}</a:tableStyleId>
               </a:tblPr>
               <a:tblGrid>
-                <a:gridCol w="2950729">
+                <a:gridCol w="4285172">
                   <a:extLst>
                     <a:ext uri="{9D8B030D-6E8A-4147-A177-3AD203B41FA5}">
                       <a16:colId xmlns:a16="http://schemas.microsoft.com/office/drawing/2014/main" val="3142401324"/>
                     </a:ext>
                   </a:extLst>
                 </a:gridCol>
-                <a:gridCol w="2933498">
+                <a:gridCol w="4260148">
                   <a:extLst>
                     <a:ext uri="{9D8B030D-6E8A-4147-A177-3AD203B41FA5}">
                       <a16:colId xmlns:a16="http://schemas.microsoft.com/office/drawing/2014/main" val="1889744699"/>
@@ -5697,7 +6951,7 @@
                   </a:extLst>
                 </a:gridCol>
               </a:tblGrid>
-              <a:tr h="305603">
+              <a:tr h="448973">
                 <a:tc>
                   <a:txBody>
                     <a:bodyPr/>
@@ -5732,50 +6986,38 @@
                   </a:ext>
                 </a:extLst>
               </a:tr>
-              <a:tr h="0">
+              <a:tr h="1440391">
                 <a:tc>
                   <a:txBody>
                     <a:bodyPr/>
                     <a:lstStyle/>
                     <a:p>
-                      <a:pPr marL="285750" indent="-285750">
+                      <a:pPr marL="0" indent="0" algn="ctr">
                         <a:buFont typeface="Arial"/>
-                        <a:buChar char="•"/>
+                        <a:buNone/>
                       </a:pPr>
                       <a:r>
                         <a:rPr lang="ru-RU" dirty="0">
                           <a:solidFill>
                             <a:schemeClr val="tx2"/>
                           </a:solidFill>
-                          <a:latin typeface="Times New Roman"/>
                         </a:rPr>
-                        <a:t>самая простая в реализации.</a:t>
-                      </a:r>
-                    </a:p>
-                    <a:p>
-                      <a:pPr marL="285750" lvl="0" indent="-285750">
-                        <a:buFont typeface="Arial"/>
-                        <a:buChar char="•"/>
-                      </a:pPr>
-                      <a:r>
-                        <a:rPr lang="ru-RU" dirty="0">
-                          <a:solidFill>
-                            <a:schemeClr val="tx2"/>
-                          </a:solidFill>
-                          <a:latin typeface="Times New Roman"/>
-                        </a:rPr>
-                        <a:t>не требуется дополнительных массивов.</a:t>
+                        <a:t>Наиболее проста в реализации.</a:t>
                       </a:r>
                     </a:p>
                   </a:txBody>
-                  <a:tcPr/>
+                  <a:tcPr>
+                    <a:lnB>
+                      <a:noFill/>
+                    </a:lnB>
+                  </a:tcPr>
                 </a:tc>
                 <a:tc>
                   <a:txBody>
                     <a:bodyPr/>
                     <a:lstStyle/>
                     <a:p>
-                      <a:pPr marL="285750" lvl="0" indent="-285750" algn="l">
+                      <a:pPr marL="0" lvl="0" indent="0" algn="ctr">
                         <a:lnSpc>
                           <a:spcPct val="100000"/>
                         </a:lnSpc>
@@ -5786,26 +7028,46 @@
                           <a:spcPts val="0"/>
                         </a:spcAft>
                         <a:buFont typeface="Arial"/>
-                        <a:buChar char="•"/>
+                        <a:buNone/>
                       </a:pPr>
                       <a:r>
-                        <a:rPr lang="ru-RU" sz="1800" b="0" i="0" u="none" strike="noStrike" noProof="0" dirty="0">
+                        <a:rPr lang="ru-RU" sz="1800" kern="1200" dirty="0">
                           <a:solidFill>
                             <a:schemeClr val="tx2"/>
                           </a:solidFill>
-                          <a:latin typeface="Times New Roman"/>
+                          <a:effectLst/>
+                          <a:latin typeface="+mn-lt"/>
+                          <a:ea typeface="+mn-ea"/>
+                          <a:cs typeface="+mn-cs"/>
                         </a:rPr>
-                        <a:t>отсутствие потребности в памяти под стек.</a:t>
+                        <a:t>Стабильность метода. Среднее число пересылок (n log2(n))/2, и отклонения от этого значения сравнительно малы.</a:t>
                       </a:r>
                       <a:endParaRPr lang="ru-RU" dirty="0">
                         <a:solidFill>
                           <a:schemeClr val="tx2"/>
                         </a:solidFill>
-                        <a:latin typeface="Times New Roman"/>
                       </a:endParaRPr>
                     </a:p>
+                  </a:txBody>
+                  <a:tcPr>
+                    <a:lnB>
+                      <a:noFill/>
+                    </a:lnB>
+                  </a:tcPr>
+                </a:tc>
+                <a:extLst>
+                  <a:ext uri="{0D108BD9-81ED-4DB2-BD59-A6C34878D82A}">
+                    <a16:rowId xmlns:a16="http://schemas.microsoft.com/office/drawing/2014/main" val="3220517151"/>
+                  </a:ext>
+                </a:extLst>
+              </a:tr>
+              <a:tr h="1159847">
+                <a:tc rowSpan="2">
+                  <a:txBody>
+                    <a:bodyPr/>
+                    <a:lstStyle/>
                     <a:p>
-                      <a:pPr marL="285750" lvl="0" indent="-285750" algn="l">
+                      <a:pPr marL="0" marR="0" lvl="0" indent="0" algn="ctr" defTabSz="914400" rtl="0" eaLnBrk="1" fontAlgn="auto" latinLnBrk="0" hangingPunct="1">
                         <a:lnSpc>
                           <a:spcPct val="100000"/>
                         </a:lnSpc>
@@ -5815,31 +7077,175 @@
                         <a:spcAft>
                           <a:spcPts val="0"/>
                         </a:spcAft>
-                        <a:buFont typeface="Arial"/>
-                        <a:buChar char="•"/>
+                        <a:buClrTx/>
+                        <a:buSzTx/>
+                        <a:buFontTx/>
+                        <a:buNone/>
+                        <a:tabLst/>
+                        <a:defRPr/>
                       </a:pPr>
                       <a:r>
-                        <a:rPr lang="ru-RU" sz="1800" b="0" i="0" u="none" strike="noStrike" noProof="0" dirty="0">
+                        <a:rPr lang="ru-RU" sz="1800" kern="1200" dirty="0">
                           <a:solidFill>
                             <a:schemeClr val="tx2"/>
                           </a:solidFill>
-                          <a:latin typeface="Times New Roman"/>
+                          <a:effectLst/>
+                          <a:latin typeface="+mn-lt"/>
+                          <a:ea typeface="+mn-ea"/>
+                          <a:cs typeface="+mn-cs"/>
                         </a:rPr>
-                        <a:t>отсутствие деградации при неудачных наборах данных — быстрая сортировка легко деградирует до O(n²).</a:t>
+                        <a:t>Пузырьковая сортировка не использует дополнительной памяти для своей работы.</a:t>
                       </a:r>
+                      <a:endParaRPr lang="ru-RU" dirty="0">
+                        <a:solidFill>
+                          <a:schemeClr val="tx2"/>
+                        </a:solidFill>
+                      </a:endParaRPr>
                     </a:p>
+                  </a:txBody>
+                  <a:tcPr>
+                    <a:lnL>
+                      <a:noFill/>
+                    </a:lnL>
+                    <a:lnR>
+                      <a:noFill/>
+                    </a:lnR>
+                    <a:lnT>
+                      <a:noFill/>
+                    </a:lnT>
+                    <a:lnB w="12700" cmpd="sng">
+                      <a:noFill/>
+                    </a:lnB>
+                    <a:lnTlToBr w="12700" cmpd="sng">
+                      <a:noFill/>
+                      <a:prstDash val="solid"/>
+                    </a:lnTlToBr>
+                    <a:lnBlToTr w="12700" cmpd="sng">
+                      <a:noFill/>
+                      <a:prstDash val="solid"/>
+                    </a:lnBlToTr>
+                  </a:tcPr>
+                </a:tc>
+                <a:tc>
+                  <a:txBody>
+                    <a:bodyPr/>
+                    <a:lstStyle/>
                     <a:p>
-                      <a:pPr lvl="0">
+                      <a:pPr lvl="0" algn="ctr">
                         <a:buNone/>
                       </a:pPr>
-                      <a:endParaRPr lang="ru-RU" dirty="0"/>
+                      <a:r>
+                        <a:rPr lang="ru-RU" sz="1800" kern="1200" dirty="0">
+                          <a:solidFill>
+                            <a:schemeClr val="tx2"/>
+                          </a:solidFill>
+                          <a:effectLst/>
+                          <a:latin typeface="+mn-lt"/>
+                          <a:ea typeface="+mn-ea"/>
+                          <a:cs typeface="+mn-cs"/>
+                        </a:rPr>
+                        <a:t>Пирамидальная сортировка не использует дополнительной памяти для своей работы.</a:t>
+                      </a:r>
+                      <a:endParaRPr lang="ru-RU" dirty="0">
+                        <a:solidFill>
+                          <a:schemeClr val="tx2"/>
+                        </a:solidFill>
+                      </a:endParaRPr>
+                    </a:p>
+                  </a:txBody>
+                  <a:tcPr>
+                    <a:lnL>
+                      <a:noFill/>
+                    </a:lnL>
+                    <a:lnR>
+                      <a:noFill/>
+                    </a:lnR>
+                    <a:lnT>
+                      <a:noFill/>
+                    </a:lnT>
+                    <a:lnB>
+                      <a:noFill/>
+                    </a:lnB>
+                    <a:lnTlToBr w="12700" cmpd="sng">
+                      <a:noFill/>
+                      <a:prstDash val="solid"/>
+                    </a:lnTlToBr>
+                    <a:lnBlToTr w="12700" cmpd="sng">
+                      <a:noFill/>
+                      <a:prstDash val="solid"/>
+                    </a:lnBlToTr>
+                  </a:tcPr>
+                </a:tc>
+                <a:extLst>
+                  <a:ext uri="{0D108BD9-81ED-4DB2-BD59-A6C34878D82A}">
+                    <a16:rowId xmlns:a16="http://schemas.microsoft.com/office/drawing/2014/main" val="1264765068"/>
+                  </a:ext>
+                </a:extLst>
+              </a:tr>
+              <a:tr h="1159847">
+                <a:tc vMerge="1">
+                  <a:txBody>
+                    <a:bodyPr/>
+                    <a:lstStyle/>
+                    <a:p>
+                      <a:endParaRPr lang="ru-RU"/>
                     </a:p>
                   </a:txBody>
                   <a:tcPr/>
                 </a:tc>
+                <a:tc>
+                  <a:txBody>
+                    <a:bodyPr/>
+                    <a:lstStyle/>
+                    <a:p>
+                      <a:pPr lvl="0" algn="ctr">
+                        <a:buNone/>
+                      </a:pPr>
+                      <a:r>
+                        <a:rPr lang="ru-RU" sz="1800" kern="1200" dirty="0">
+                          <a:solidFill>
+                            <a:schemeClr val="tx2"/>
+                          </a:solidFill>
+                          <a:effectLst/>
+                          <a:latin typeface="+mn-lt"/>
+                          <a:ea typeface="+mn-ea"/>
+                          <a:cs typeface="+mn-cs"/>
+                        </a:rPr>
+                        <a:t>Позволяет узнать сколько точно можно получить шагов в худшем варианте. n*log2(n).</a:t>
+                      </a:r>
+                      <a:endParaRPr lang="ru-RU" dirty="0">
+                        <a:solidFill>
+                          <a:schemeClr val="tx2"/>
+                        </a:solidFill>
+                      </a:endParaRPr>
+                    </a:p>
+                  </a:txBody>
+                  <a:tcPr>
+                    <a:lnL>
+                      <a:noFill/>
+                    </a:lnL>
+                    <a:lnR>
+                      <a:noFill/>
+                    </a:lnR>
+                    <a:lnT>
+                      <a:noFill/>
+                    </a:lnT>
+                    <a:lnB w="12700" cmpd="sng">
+                      <a:noFill/>
+                    </a:lnB>
+                    <a:lnTlToBr w="12700" cmpd="sng">
+                      <a:noFill/>
+                      <a:prstDash val="solid"/>
+                    </a:lnTlToBr>
+                    <a:lnBlToTr w="12700" cmpd="sng">
+                      <a:noFill/>
+                      <a:prstDash val="solid"/>
+                    </a:lnBlToTr>
+                  </a:tcPr>
+                </a:tc>
                 <a:extLst>
                   <a:ext uri="{0D108BD9-81ED-4DB2-BD59-A6C34878D82A}">
-                    <a16:rowId xmlns:a16="http://schemas.microsoft.com/office/drawing/2014/main" val="3220517151"/>
+                    <a16:rowId xmlns:a16="http://schemas.microsoft.com/office/drawing/2014/main" val="761518898"/>
                   </a:ext>
                 </a:extLst>
               </a:tr>
@@ -5860,7 +7266,7 @@
 </p:sld>
 </file>
 
-<file path=ppt/slides/slide14.xml><?xml version="1.0" encoding="utf-8"?>
+<file path=ppt/slides/slide15.xml><?xml version="1.0" encoding="utf-8"?>
 <p:sld xmlns:a="http://schemas.openxmlformats.org/drawingml/2006/main" xmlns:r="http://schemas.openxmlformats.org/officeDocument/2006/relationships" xmlns:p="http://schemas.openxmlformats.org/presentationml/2006/main">
   <p:cSld>
     <p:spTree>
@@ -6066,30 +7472,30 @@
           <p:nvPr>
             <p:extLst>
               <p:ext uri="{D42A27DB-BD31-4B8C-83A1-F6EECF244321}">
-                <p14:modId xmlns:p14="http://schemas.microsoft.com/office/powerpoint/2010/main" val="409275412"/>
+                <p14:modId xmlns:p14="http://schemas.microsoft.com/office/powerpoint/2010/main" val="62376318"/>
               </p:ext>
             </p:extLst>
           </p:nvPr>
         </p:nvGraphicFramePr>
         <p:xfrm>
-          <a:off x="1955705" y="1505508"/>
-          <a:ext cx="5884228" cy="2108200"/>
+          <a:off x="680759" y="1505507"/>
+          <a:ext cx="8545320" cy="4266774"/>
         </p:xfrm>
         <a:graphic>
           <a:graphicData uri="http://schemas.openxmlformats.org/drawingml/2006/table">
             <a:tbl>
               <a:tblPr firstRow="1" bandRow="1">
-                <a:tableStyleId>{5C22544A-7EE6-4342-B048-85BDC9FD1C3A}</a:tableStyleId>
+                <a:tableStyleId>{3B4B98B0-60AC-42C2-AFA5-B58CD77FA1E5}</a:tableStyleId>
               </a:tblPr>
               <a:tblGrid>
-                <a:gridCol w="2942114">
+                <a:gridCol w="4272660">
                   <a:extLst>
                     <a:ext uri="{9D8B030D-6E8A-4147-A177-3AD203B41FA5}">
                       <a16:colId xmlns:a16="http://schemas.microsoft.com/office/drawing/2014/main" val="1666428153"/>
                     </a:ext>
                   </a:extLst>
                 </a:gridCol>
-                <a:gridCol w="2942114">
+                <a:gridCol w="4272660">
                   <a:extLst>
                     <a:ext uri="{9D8B030D-6E8A-4147-A177-3AD203B41FA5}">
                       <a16:colId xmlns:a16="http://schemas.microsoft.com/office/drawing/2014/main" val="1501589476"/>
@@ -6097,7 +7503,7 @@
                   </a:extLst>
                 </a:gridCol>
               </a:tblGrid>
-              <a:tr h="370840">
+              <a:tr h="563248">
                 <a:tc>
                   <a:txBody>
                     <a:bodyPr/>
@@ -6132,61 +7538,55 @@
                   </a:ext>
                 </a:extLst>
               </a:tr>
-              <a:tr h="370840">
+              <a:tr h="1326086">
                 <a:tc>
                   <a:txBody>
                     <a:bodyPr/>
                     <a:lstStyle/>
                     <a:p>
-                      <a:pPr marL="285750" indent="-285750">
+                      <a:pPr marL="0" indent="0" algn="ctr">
                         <a:buFont typeface="Arial"/>
-                        <a:buChar char="•"/>
+                        <a:buNone/>
                       </a:pPr>
                       <a:r>
                         <a:rPr lang="ru-RU" dirty="0">
                           <a:solidFill>
                             <a:schemeClr val="tx2"/>
                           </a:solidFill>
-                          <a:latin typeface="Times New Roman"/>
                         </a:rPr>
-                        <a:t>Время алгоритма пропорционально квадрату количества элементов.</a:t>
+                        <a:t>Слишком большое время работы </a:t>
                       </a:r>
-                    </a:p>
-                    <a:p>
-                      <a:pPr marL="285750" lvl="0" indent="-285750">
-                        <a:buFont typeface="Arial"/>
-                        <a:buChar char="•"/>
-                      </a:pPr>
-                      <a:r>
-                        <a:rPr lang="ru-RU" dirty="0">
-                          <a:solidFill>
-                            <a:schemeClr val="tx2"/>
-                          </a:solidFill>
-                          <a:latin typeface="Times New Roman"/>
-                        </a:rPr>
-                        <a:t>Эффективна только для небольших массивов.</a:t>
-                      </a:r>
+                      <a:endParaRPr lang="ru-RU" dirty="0">
+                        <a:solidFill>
+                          <a:schemeClr val="tx2"/>
+                        </a:solidFill>
+                        <a:latin typeface="Times New Roman"/>
+                      </a:endParaRPr>
                     </a:p>
                   </a:txBody>
-                  <a:tcPr/>
+                  <a:tcPr>
+                    <a:lnB>
+                      <a:noFill/>
+                    </a:lnB>
+                  </a:tcPr>
                 </a:tc>
                 <a:tc>
                   <a:txBody>
                     <a:bodyPr/>
                     <a:lstStyle/>
                     <a:p>
-                      <a:pPr marL="285750" lvl="0" indent="-285750">
+                      <a:pPr marL="0" lvl="0" indent="0" algn="ctr">
                         <a:buFont typeface="Arial"/>
-                        <a:buChar char="•"/>
+                        <a:buNone/>
                       </a:pPr>
                       <a:r>
-                        <a:rPr lang="ru-RU" sz="1800" b="0" i="0" u="none" strike="noStrike" noProof="0" dirty="0">
+                        <a:rPr lang="ru-RU" sz="1800" kern="1200" dirty="0">
                           <a:solidFill>
                             <a:schemeClr val="tx2"/>
                           </a:solidFill>
-                          <a:latin typeface="Times New Roman"/>
+                          <a:effectLst/>
                         </a:rPr>
-                        <a:t>неустойчивость быстрой сортировки, то есть одинаковые ключи могут идти не в том порядке, в котором они были во входном файле.</a:t>
+                        <a:t>Пирамидальная сортировка неустойчива (ей приходится менять порядок заданных сортируемых элементов).</a:t>
                       </a:r>
                       <a:endParaRPr lang="ru-RU" dirty="0">
                         <a:solidFill>
@@ -6201,6 +7601,194 @@
                 <a:extLst>
                   <a:ext uri="{0D108BD9-81ED-4DB2-BD59-A6C34878D82A}">
                     <a16:rowId xmlns:a16="http://schemas.microsoft.com/office/drawing/2014/main" val="3734051269"/>
+                  </a:ext>
+                </a:extLst>
+              </a:tr>
+              <a:tr h="659695">
+                <a:tc rowSpan="2">
+                  <a:txBody>
+                    <a:bodyPr/>
+                    <a:lstStyle/>
+                    <a:p>
+                      <a:pPr marL="0" marR="0" lvl="0" indent="0" algn="ctr" defTabSz="914400" rtl="0" eaLnBrk="1" fontAlgn="auto" latinLnBrk="0" hangingPunct="1">
+                        <a:lnSpc>
+                          <a:spcPct val="100000"/>
+                        </a:lnSpc>
+                        <a:spcBef>
+                          <a:spcPts val="0"/>
+                        </a:spcBef>
+                        <a:spcAft>
+                          <a:spcPts val="0"/>
+                        </a:spcAft>
+                        <a:buClrTx/>
+                        <a:buSzTx/>
+                        <a:buFont typeface="Arial"/>
+                        <a:buNone/>
+                        <a:tabLst/>
+                        <a:defRPr/>
+                      </a:pPr>
+                      <a:r>
+                        <a:rPr lang="ru-RU" dirty="0">
+                          <a:solidFill>
+                            <a:schemeClr val="tx2"/>
+                          </a:solidFill>
+                        </a:rPr>
+                        <a:t>Эффективна только для небольших массивов.</a:t>
+                      </a:r>
+                      <a:endParaRPr lang="ru-RU" dirty="0">
+                        <a:solidFill>
+                          <a:schemeClr val="tx2"/>
+                        </a:solidFill>
+                        <a:latin typeface="Times New Roman"/>
+                      </a:endParaRPr>
+                    </a:p>
+                  </a:txBody>
+                  <a:tcPr>
+                    <a:lnL>
+                      <a:noFill/>
+                    </a:lnL>
+                    <a:lnR>
+                      <a:noFill/>
+                    </a:lnR>
+                    <a:lnT>
+                      <a:noFill/>
+                    </a:lnT>
+                    <a:lnB w="12700" cmpd="sng">
+                      <a:noFill/>
+                    </a:lnB>
+                    <a:lnTlToBr w="12700" cmpd="sng">
+                      <a:noFill/>
+                      <a:prstDash val="solid"/>
+                    </a:lnTlToBr>
+                    <a:lnBlToTr w="12700" cmpd="sng">
+                      <a:noFill/>
+                      <a:prstDash val="solid"/>
+                    </a:lnBlToTr>
+                  </a:tcPr>
+                </a:tc>
+                <a:tc>
+                  <a:txBody>
+                    <a:bodyPr/>
+                    <a:lstStyle/>
+                    <a:p>
+                      <a:pPr marL="0" marR="0" lvl="0" indent="0" algn="ctr" defTabSz="914400" rtl="0" eaLnBrk="1" fontAlgn="auto" latinLnBrk="0" hangingPunct="1">
+                        <a:lnSpc>
+                          <a:spcPct val="100000"/>
+                        </a:lnSpc>
+                        <a:spcBef>
+                          <a:spcPts val="0"/>
+                        </a:spcBef>
+                        <a:spcAft>
+                          <a:spcPts val="0"/>
+                        </a:spcAft>
+                        <a:buClrTx/>
+                        <a:buSzTx/>
+                        <a:buFont typeface="Arial"/>
+                        <a:buNone/>
+                        <a:tabLst/>
+                        <a:defRPr/>
+                      </a:pPr>
+                      <a:r>
+                        <a:rPr lang="ru-RU" sz="1800" kern="1200" dirty="0">
+                          <a:solidFill>
+                            <a:schemeClr val="tx2"/>
+                          </a:solidFill>
+                          <a:effectLst/>
+                        </a:rPr>
+                        <a:t>Из-за сложности, метод имеет выигрышную позицию только при больших значениях n (n&gt;2000).</a:t>
+                      </a:r>
+                    </a:p>
+                    <a:p>
+                      <a:pPr marL="0" lvl="0" indent="0" algn="ctr">
+                        <a:buFont typeface="Arial"/>
+                        <a:buNone/>
+                      </a:pPr>
+                      <a:endParaRPr lang="ru-RU" dirty="0">
+                        <a:solidFill>
+                          <a:schemeClr val="tx2"/>
+                        </a:solidFill>
+                        <a:latin typeface="Times New Roman"/>
+                      </a:endParaRPr>
+                    </a:p>
+                  </a:txBody>
+                  <a:tcPr>
+                    <a:lnL>
+                      <a:noFill/>
+                    </a:lnL>
+                    <a:lnB>
+                      <a:noFill/>
+                    </a:lnB>
+                  </a:tcPr>
+                </a:tc>
+                <a:extLst>
+                  <a:ext uri="{0D108BD9-81ED-4DB2-BD59-A6C34878D82A}">
+                    <a16:rowId xmlns:a16="http://schemas.microsoft.com/office/drawing/2014/main" val="130738267"/>
+                  </a:ext>
+                </a:extLst>
+              </a:tr>
+              <a:tr h="531469">
+                <a:tc vMerge="1">
+                  <a:txBody>
+                    <a:bodyPr/>
+                    <a:lstStyle/>
+                    <a:p>
+                      <a:endParaRPr lang="ru-RU"/>
+                    </a:p>
+                  </a:txBody>
+                  <a:tcPr/>
+                </a:tc>
+                <a:tc>
+                  <a:txBody>
+                    <a:bodyPr/>
+                    <a:lstStyle/>
+                    <a:p>
+                      <a:pPr marL="0" lvl="0" indent="0" algn="ctr">
+                        <a:buFont typeface="Arial"/>
+                        <a:buNone/>
+                      </a:pPr>
+                      <a:r>
+                        <a:rPr lang="ru-RU" sz="1800" kern="1200" dirty="0">
+                          <a:solidFill>
+                            <a:schemeClr val="tx2"/>
+                          </a:solidFill>
+                          <a:effectLst/>
+                        </a:rPr>
+                        <a:t>Методу требуется напрямую обращаться к элементам памяти. Из-за чего работа со связанными списками невозможна.</a:t>
+                      </a:r>
+                      <a:endParaRPr lang="ru-RU" dirty="0">
+                        <a:solidFill>
+                          <a:schemeClr val="tx2"/>
+                        </a:solidFill>
+                        <a:latin typeface="Times New Roman"/>
+                      </a:endParaRPr>
+                    </a:p>
+                  </a:txBody>
+                  <a:tcPr>
+                    <a:lnL>
+                      <a:noFill/>
+                    </a:lnL>
+                    <a:lnR>
+                      <a:noFill/>
+                    </a:lnR>
+                    <a:lnT>
+                      <a:noFill/>
+                    </a:lnT>
+                    <a:lnB w="12700" cmpd="sng">
+                      <a:noFill/>
+                    </a:lnB>
+                    <a:lnTlToBr w="12700" cmpd="sng">
+                      <a:noFill/>
+                      <a:prstDash val="solid"/>
+                    </a:lnTlToBr>
+                    <a:lnBlToTr w="12700" cmpd="sng">
+                      <a:noFill/>
+                      <a:prstDash val="solid"/>
+                    </a:lnBlToTr>
+                  </a:tcPr>
+                </a:tc>
+                <a:extLst>
+                  <a:ext uri="{0D108BD9-81ED-4DB2-BD59-A6C34878D82A}">
+                    <a16:rowId xmlns:a16="http://schemas.microsoft.com/office/drawing/2014/main" val="3072134681"/>
                   </a:ext>
                 </a:extLst>
               </a:tr>
@@ -6221,7 +7809,7 @@
 </p:sld>
 </file>
 
-<file path=ppt/slides/slide15.xml><?xml version="1.0" encoding="utf-8"?>
+<file path=ppt/slides/slide16.xml><?xml version="1.0" encoding="utf-8"?>
 <p:sld xmlns:a="http://schemas.openxmlformats.org/drawingml/2006/main" xmlns:r="http://schemas.openxmlformats.org/officeDocument/2006/relationships" xmlns:p="http://schemas.openxmlformats.org/presentationml/2006/main">
   <p:cSld>
     <p:spTree>
@@ -6380,18 +7968,2606 @@
         </p:blipFill>
         <p:spPr>
           <a:xfrm>
-            <a:off x="2497857" y="884933"/>
-            <a:ext cx="4916849" cy="3465930"/>
+            <a:off x="1697000" y="1427811"/>
+            <a:ext cx="6512838" cy="4590957"/>
           </a:xfrm>
           <a:prstGeom prst="rect">
             <a:avLst/>
           </a:prstGeom>
         </p:spPr>
       </p:pic>
+      <p:sp>
+        <p:nvSpPr>
+          <p:cNvPr id="3" name="TextBox 2">
+            <a:extLst>
+              <a:ext uri="{FF2B5EF4-FFF2-40B4-BE49-F238E27FC236}">
+                <a16:creationId xmlns:a16="http://schemas.microsoft.com/office/drawing/2014/main" id="{8D4B9FE6-9190-424F-9B73-D56B10CEC2CB}"/>
+              </a:ext>
+            </a:extLst>
+          </p:cNvPr>
+          <p:cNvSpPr txBox="1"/>
+          <p:nvPr/>
+        </p:nvSpPr>
+        <p:spPr>
+          <a:xfrm>
+            <a:off x="1007275" y="948855"/>
+            <a:ext cx="7892289" cy="369332"/>
+          </a:xfrm>
+          <a:prstGeom prst="rect">
+            <a:avLst/>
+          </a:prstGeom>
+          <a:noFill/>
+        </p:spPr>
+        <p:txBody>
+          <a:bodyPr wrap="none" rtlCol="0">
+            <a:spAutoFit/>
+          </a:bodyPr>
+          <a:lstStyle/>
+          <a:p>
+            <a:r>
+              <a:rPr lang="ru-RU" dirty="0"/>
+              <a:t>Графики зависимости времени работы алгоритмов от размера массива</a:t>
+            </a:r>
+          </a:p>
+        </p:txBody>
+      </p:sp>
     </p:spTree>
     <p:extLst>
       <p:ext uri="{BB962C8B-B14F-4D97-AF65-F5344CB8AC3E}">
         <p14:creationId xmlns:p14="http://schemas.microsoft.com/office/powerpoint/2010/main" val="920751454"/>
+      </p:ext>
+    </p:extLst>
+  </p:cSld>
+  <p:clrMapOvr>
+    <a:masterClrMapping/>
+  </p:clrMapOvr>
+</p:sld>
+</file>
+
+<file path=ppt/slides/slide17.xml><?xml version="1.0" encoding="utf-8"?>
+<p:sld xmlns:a="http://schemas.openxmlformats.org/drawingml/2006/main" xmlns:r="http://schemas.openxmlformats.org/officeDocument/2006/relationships" xmlns:p="http://schemas.openxmlformats.org/presentationml/2006/main">
+  <p:cSld>
+    <p:spTree>
+      <p:nvGrpSpPr>
+        <p:cNvPr id="1" name=""/>
+        <p:cNvGrpSpPr/>
+        <p:nvPr/>
+      </p:nvGrpSpPr>
+      <p:grpSpPr>
+        <a:xfrm>
+          <a:off x="0" y="0"/>
+          <a:ext cx="0" cy="0"/>
+          <a:chOff x="0" y="0"/>
+          <a:chExt cx="0" cy="0"/>
+        </a:xfrm>
+      </p:grpSpPr>
+      <p:sp>
+        <p:nvSpPr>
+          <p:cNvPr id="2" name="Заголовок 1">
+            <a:extLst>
+              <a:ext uri="{FF2B5EF4-FFF2-40B4-BE49-F238E27FC236}">
+                <a16:creationId xmlns:a16="http://schemas.microsoft.com/office/drawing/2014/main" id="{D5AC4AC6-4F93-0C67-E94A-9D03F4C42BA1}"/>
+              </a:ext>
+            </a:extLst>
+          </p:cNvPr>
+          <p:cNvSpPr>
+            <a:spLocks noGrp="1"/>
+          </p:cNvSpPr>
+          <p:nvPr>
+            <p:ph type="title"/>
+          </p:nvPr>
+        </p:nvSpPr>
+        <p:spPr>
+          <a:xfrm>
+            <a:off x="680760" y="279462"/>
+            <a:ext cx="8545320" cy="288413"/>
+          </a:xfrm>
+        </p:spPr>
+        <p:txBody>
+          <a:bodyPr/>
+          <a:lstStyle/>
+          <a:p>
+            <a:r>
+              <a:rPr lang="en-GB" sz="1400" dirty="0">
+                <a:solidFill>
+                  <a:srgbClr val="0F228B"/>
+                </a:solidFill>
+                <a:latin typeface="Times New Roman"/>
+                <a:cs typeface="Times New Roman"/>
+              </a:rPr>
+              <a:t>«</a:t>
+            </a:r>
+            <a:r>
+              <a:rPr lang="en-GB" sz="1400" dirty="0" err="1">
+                <a:solidFill>
+                  <a:srgbClr val="0F228B"/>
+                </a:solidFill>
+                <a:latin typeface="Times New Roman"/>
+                <a:cs typeface="Times New Roman"/>
+              </a:rPr>
+              <a:t>Исследование</a:t>
+            </a:r>
+            <a:r>
+              <a:rPr lang="en-GB" sz="1400" dirty="0">
+                <a:solidFill>
+                  <a:srgbClr val="0F228B"/>
+                </a:solidFill>
+                <a:latin typeface="Times New Roman"/>
+                <a:cs typeface="Times New Roman"/>
+              </a:rPr>
+              <a:t> </a:t>
+            </a:r>
+            <a:r>
+              <a:rPr lang="en-GB" sz="1400" dirty="0" err="1">
+                <a:solidFill>
+                  <a:srgbClr val="0F228B"/>
+                </a:solidFill>
+                <a:latin typeface="Times New Roman"/>
+                <a:cs typeface="Times New Roman"/>
+              </a:rPr>
+              <a:t>пузырьковой</a:t>
+            </a:r>
+            <a:r>
+              <a:rPr lang="en-GB" sz="1400" dirty="0">
+                <a:solidFill>
+                  <a:srgbClr val="0F228B"/>
+                </a:solidFill>
+                <a:latin typeface="Times New Roman"/>
+                <a:cs typeface="Times New Roman"/>
+              </a:rPr>
+              <a:t> и </a:t>
+            </a:r>
+            <a:r>
+              <a:rPr lang="en-GB" sz="1400" dirty="0" err="1">
+                <a:solidFill>
+                  <a:srgbClr val="0F228B"/>
+                </a:solidFill>
+                <a:latin typeface="Times New Roman"/>
+                <a:cs typeface="Times New Roman"/>
+              </a:rPr>
+              <a:t>пирамидальной</a:t>
+            </a:r>
+            <a:r>
+              <a:rPr lang="en-GB" sz="1400" dirty="0">
+                <a:solidFill>
+                  <a:srgbClr val="0F228B"/>
+                </a:solidFill>
+                <a:latin typeface="Times New Roman"/>
+                <a:cs typeface="Times New Roman"/>
+              </a:rPr>
+              <a:t> </a:t>
+            </a:r>
+            <a:r>
+              <a:rPr lang="en-GB" sz="1400" dirty="0" err="1">
+                <a:solidFill>
+                  <a:srgbClr val="0F228B"/>
+                </a:solidFill>
+                <a:latin typeface="Times New Roman"/>
+                <a:cs typeface="Times New Roman"/>
+              </a:rPr>
+              <a:t>сортировок</a:t>
+            </a:r>
+            <a:r>
+              <a:rPr lang="en-GB" sz="1400" dirty="0">
+                <a:solidFill>
+                  <a:srgbClr val="0F228B"/>
+                </a:solidFill>
+                <a:latin typeface="Times New Roman"/>
+                <a:cs typeface="Times New Roman"/>
+              </a:rPr>
+              <a:t>»</a:t>
+            </a:r>
+            <a:endParaRPr lang="ru-RU" sz="1400" dirty="0"/>
+          </a:p>
+        </p:txBody>
+      </p:sp>
+      <p:sp>
+        <p:nvSpPr>
+          <p:cNvPr id="3" name="Подзаголовок 2">
+            <a:extLst>
+              <a:ext uri="{FF2B5EF4-FFF2-40B4-BE49-F238E27FC236}">
+                <a16:creationId xmlns:a16="http://schemas.microsoft.com/office/drawing/2014/main" id="{99702CDE-90E8-B28F-512F-651C4D2BFD0D}"/>
+              </a:ext>
+            </a:extLst>
+          </p:cNvPr>
+          <p:cNvSpPr>
+            <a:spLocks noGrp="1"/>
+          </p:cNvSpPr>
+          <p:nvPr>
+            <p:ph type="subTitle"/>
+          </p:nvPr>
+        </p:nvSpPr>
+        <p:spPr>
+          <a:xfrm>
+            <a:off x="680760" y="1190178"/>
+            <a:ext cx="8545320" cy="553998"/>
+          </a:xfrm>
+        </p:spPr>
+        <p:txBody>
+          <a:bodyPr lIns="0" tIns="0" rIns="0" bIns="0" anchor="t">
+            <a:spAutoFit/>
+          </a:bodyPr>
+          <a:lstStyle/>
+          <a:p>
+            <a:pPr marL="0" indent="0" algn="ctr">
+              <a:buNone/>
+            </a:pPr>
+            <a:r>
+              <a:rPr lang="ru-RU" sz="2000" b="1" dirty="0">
+                <a:solidFill>
+                  <a:schemeClr val="tx2"/>
+                </a:solidFill>
+                <a:latin typeface="Times New Roman"/>
+              </a:rPr>
+              <a:t>Сравнение алгоритмов сортировки</a:t>
+            </a:r>
+          </a:p>
+          <a:p>
+            <a:pPr marL="0" indent="0" algn="ctr">
+              <a:buNone/>
+            </a:pPr>
+            <a:endParaRPr lang="ru-RU" sz="2000" b="1" dirty="0">
+              <a:solidFill>
+                <a:schemeClr val="tx2"/>
+              </a:solidFill>
+              <a:latin typeface="Times New Roman"/>
+            </a:endParaRPr>
+          </a:p>
+        </p:txBody>
+      </p:sp>
+      <p:graphicFrame>
+        <p:nvGraphicFramePr>
+          <p:cNvPr id="4" name="Таблица 4">
+            <a:extLst>
+              <a:ext uri="{FF2B5EF4-FFF2-40B4-BE49-F238E27FC236}">
+                <a16:creationId xmlns:a16="http://schemas.microsoft.com/office/drawing/2014/main" id="{AAAA4FA7-43CD-82EE-9A71-2E94A4CA5995}"/>
+              </a:ext>
+            </a:extLst>
+          </p:cNvPr>
+          <p:cNvGraphicFramePr>
+            <a:graphicFrameLocks noGrp="1"/>
+          </p:cNvGraphicFramePr>
+          <p:nvPr>
+            <p:extLst>
+              <p:ext uri="{D42A27DB-BD31-4B8C-83A1-F6EECF244321}">
+                <p14:modId xmlns:p14="http://schemas.microsoft.com/office/powerpoint/2010/main" val="4228013290"/>
+              </p:ext>
+            </p:extLst>
+          </p:nvPr>
+        </p:nvGraphicFramePr>
+        <p:xfrm>
+          <a:off x="680760" y="2329024"/>
+          <a:ext cx="8545320" cy="3061799"/>
+        </p:xfrm>
+        <a:graphic>
+          <a:graphicData uri="http://schemas.openxmlformats.org/drawingml/2006/table">
+            <a:tbl>
+              <a:tblPr firstRow="1" bandRow="1">
+                <a:tableStyleId>{BC89EF96-8CEA-46FF-86C4-4CE0E7609802}</a:tableStyleId>
+              </a:tblPr>
+              <a:tblGrid>
+                <a:gridCol w="2136330">
+                  <a:extLst>
+                    <a:ext uri="{9D8B030D-6E8A-4147-A177-3AD203B41FA5}">
+                      <a16:colId xmlns:a16="http://schemas.microsoft.com/office/drawing/2014/main" val="1666428153"/>
+                    </a:ext>
+                  </a:extLst>
+                </a:gridCol>
+                <a:gridCol w="3289421">
+                  <a:extLst>
+                    <a:ext uri="{9D8B030D-6E8A-4147-A177-3AD203B41FA5}">
+                      <a16:colId xmlns:a16="http://schemas.microsoft.com/office/drawing/2014/main" val="3790392797"/>
+                    </a:ext>
+                  </a:extLst>
+                </a:gridCol>
+                <a:gridCol w="3119569">
+                  <a:extLst>
+                    <a:ext uri="{9D8B030D-6E8A-4147-A177-3AD203B41FA5}">
+                      <a16:colId xmlns:a16="http://schemas.microsoft.com/office/drawing/2014/main" val="1501589476"/>
+                    </a:ext>
+                  </a:extLst>
+                </a:gridCol>
+              </a:tblGrid>
+              <a:tr h="1020304">
+                <a:tc>
+                  <a:txBody>
+                    <a:bodyPr/>
+                    <a:lstStyle/>
+                    <a:p>
+                      <a:pPr algn="ctr"/>
+                      <a:endParaRPr lang="ru-RU" dirty="0"/>
+                    </a:p>
+                    <a:p>
+                      <a:pPr algn="ctr"/>
+                      <a:r>
+                        <a:rPr lang="en-US" dirty="0"/>
+                        <a:t>N=300000</a:t>
+                      </a:r>
+                      <a:endParaRPr lang="ru-RU" dirty="0"/>
+                    </a:p>
+                  </a:txBody>
+                  <a:tcPr/>
+                </a:tc>
+                <a:tc>
+                  <a:txBody>
+                    <a:bodyPr/>
+                    <a:lstStyle/>
+                    <a:p>
+                      <a:pPr marL="0" marR="0" lvl="0" indent="0" algn="ctr" defTabSz="914400" rtl="0" eaLnBrk="1" fontAlgn="auto" latinLnBrk="0" hangingPunct="1">
+                        <a:lnSpc>
+                          <a:spcPct val="100000"/>
+                        </a:lnSpc>
+                        <a:spcBef>
+                          <a:spcPts val="0"/>
+                        </a:spcBef>
+                        <a:spcAft>
+                          <a:spcPts val="0"/>
+                        </a:spcAft>
+                        <a:buClrTx/>
+                        <a:buSzTx/>
+                        <a:buFontTx/>
+                        <a:buNone/>
+                        <a:tabLst/>
+                        <a:defRPr/>
+                      </a:pPr>
+                      <a:endParaRPr lang="ru-RU" dirty="0"/>
+                    </a:p>
+                    <a:p>
+                      <a:pPr marL="0" marR="0" lvl="0" indent="0" algn="ctr" defTabSz="914400" rtl="0" eaLnBrk="1" fontAlgn="auto" latinLnBrk="0" hangingPunct="1">
+                        <a:lnSpc>
+                          <a:spcPct val="100000"/>
+                        </a:lnSpc>
+                        <a:spcBef>
+                          <a:spcPts val="0"/>
+                        </a:spcBef>
+                        <a:spcAft>
+                          <a:spcPts val="0"/>
+                        </a:spcAft>
+                        <a:buClrTx/>
+                        <a:buSzTx/>
+                        <a:buFontTx/>
+                        <a:buNone/>
+                        <a:tabLst/>
+                        <a:defRPr/>
+                      </a:pPr>
+                      <a:r>
+                        <a:rPr lang="ru-RU" dirty="0"/>
+                        <a:t>Пузырьковая</a:t>
+                      </a:r>
+                    </a:p>
+                    <a:p>
+                      <a:pPr algn="ctr"/>
+                      <a:endParaRPr lang="ru-RU" dirty="0"/>
+                    </a:p>
+                  </a:txBody>
+                  <a:tcPr/>
+                </a:tc>
+                <a:tc>
+                  <a:txBody>
+                    <a:bodyPr/>
+                    <a:lstStyle/>
+                    <a:p>
+                      <a:pPr algn="ctr"/>
+                      <a:endParaRPr lang="ru-RU" dirty="0"/>
+                    </a:p>
+                    <a:p>
+                      <a:pPr algn="ctr"/>
+                      <a:r>
+                        <a:rPr lang="ru-RU" dirty="0"/>
+                        <a:t>Пирамидальная</a:t>
+                      </a:r>
+                    </a:p>
+                  </a:txBody>
+                  <a:tcPr/>
+                </a:tc>
+                <a:extLst>
+                  <a:ext uri="{0D108BD9-81ED-4DB2-BD59-A6C34878D82A}">
+                    <a16:rowId xmlns:a16="http://schemas.microsoft.com/office/drawing/2014/main" val="3724082932"/>
+                  </a:ext>
+                </a:extLst>
+              </a:tr>
+              <a:tr h="993854">
+                <a:tc>
+                  <a:txBody>
+                    <a:bodyPr/>
+                    <a:lstStyle/>
+                    <a:p>
+                      <a:pPr algn="ctr"/>
+                      <a:endParaRPr lang="ru-RU" dirty="0"/>
+                    </a:p>
+                    <a:p>
+                      <a:pPr algn="ctr"/>
+                      <a:r>
+                        <a:rPr lang="ru-RU" dirty="0"/>
+                        <a:t>Время работы</a:t>
+                      </a:r>
+                    </a:p>
+                  </a:txBody>
+                  <a:tcPr/>
+                </a:tc>
+                <a:tc>
+                  <a:txBody>
+                    <a:bodyPr/>
+                    <a:lstStyle/>
+                    <a:p>
+                      <a:pPr algn="ctr"/>
+                      <a:endParaRPr lang="ru-RU" dirty="0"/>
+                    </a:p>
+                    <a:p>
+                      <a:pPr algn="ctr"/>
+                      <a:r>
+                        <a:rPr lang="ru-RU" dirty="0"/>
+                        <a:t>325,65 с</a:t>
+                      </a:r>
+                    </a:p>
+                  </a:txBody>
+                  <a:tcPr/>
+                </a:tc>
+                <a:tc>
+                  <a:txBody>
+                    <a:bodyPr/>
+                    <a:lstStyle/>
+                    <a:p>
+                      <a:pPr algn="ctr"/>
+                      <a:endParaRPr lang="ru-RU" dirty="0"/>
+                    </a:p>
+                    <a:p>
+                      <a:pPr algn="ctr"/>
+                      <a:r>
+                        <a:rPr lang="ru-RU" dirty="0"/>
+                        <a:t>0,08 с</a:t>
+                      </a:r>
+                    </a:p>
+                  </a:txBody>
+                  <a:tcPr/>
+                </a:tc>
+                <a:extLst>
+                  <a:ext uri="{0D108BD9-81ED-4DB2-BD59-A6C34878D82A}">
+                    <a16:rowId xmlns:a16="http://schemas.microsoft.com/office/drawing/2014/main" val="3087069305"/>
+                  </a:ext>
+                </a:extLst>
+              </a:tr>
+              <a:tr h="1047641">
+                <a:tc>
+                  <a:txBody>
+                    <a:bodyPr/>
+                    <a:lstStyle/>
+                    <a:p>
+                      <a:pPr algn="ctr"/>
+                      <a:endParaRPr lang="ru-RU" dirty="0"/>
+                    </a:p>
+                    <a:p>
+                      <a:pPr algn="ctr"/>
+                      <a:r>
+                        <a:rPr lang="ru-RU" dirty="0"/>
+                        <a:t>Используемая память</a:t>
+                      </a:r>
+                    </a:p>
+                  </a:txBody>
+                  <a:tcPr/>
+                </a:tc>
+                <a:tc>
+                  <a:txBody>
+                    <a:bodyPr/>
+                    <a:lstStyle/>
+                    <a:p>
+                      <a:pPr algn="ctr"/>
+                      <a:endParaRPr lang="ru-RU" dirty="0"/>
+                    </a:p>
+                    <a:p>
+                      <a:pPr algn="ctr"/>
+                      <a:r>
+                        <a:rPr lang="ru-RU" dirty="0"/>
+                        <a:t>1,2 Мбайт</a:t>
+                      </a:r>
+                    </a:p>
+                  </a:txBody>
+                  <a:tcPr/>
+                </a:tc>
+                <a:tc>
+                  <a:txBody>
+                    <a:bodyPr/>
+                    <a:lstStyle/>
+                    <a:p>
+                      <a:pPr algn="ctr"/>
+                      <a:endParaRPr lang="ru-RU" dirty="0"/>
+                    </a:p>
+                    <a:p>
+                      <a:pPr algn="ctr"/>
+                      <a:r>
+                        <a:rPr lang="ru-RU" dirty="0"/>
+                        <a:t>1,2 Мбайт</a:t>
+                      </a:r>
+                    </a:p>
+                  </a:txBody>
+                  <a:tcPr/>
+                </a:tc>
+                <a:extLst>
+                  <a:ext uri="{0D108BD9-81ED-4DB2-BD59-A6C34878D82A}">
+                    <a16:rowId xmlns:a16="http://schemas.microsoft.com/office/drawing/2014/main" val="3471084868"/>
+                  </a:ext>
+                </a:extLst>
+              </a:tr>
+            </a:tbl>
+          </a:graphicData>
+        </a:graphic>
+      </p:graphicFrame>
+    </p:spTree>
+    <p:extLst>
+      <p:ext uri="{BB962C8B-B14F-4D97-AF65-F5344CB8AC3E}">
+        <p14:creationId xmlns:p14="http://schemas.microsoft.com/office/powerpoint/2010/main" val="1940681557"/>
+      </p:ext>
+    </p:extLst>
+  </p:cSld>
+  <p:clrMapOvr>
+    <a:masterClrMapping/>
+  </p:clrMapOvr>
+</p:sld>
+</file>
+
+<file path=ppt/slides/slide18.xml><?xml version="1.0" encoding="utf-8"?>
+<p:sld xmlns:a="http://schemas.openxmlformats.org/drawingml/2006/main" xmlns:r="http://schemas.openxmlformats.org/officeDocument/2006/relationships" xmlns:p="http://schemas.openxmlformats.org/presentationml/2006/main">
+  <p:cSld>
+    <p:spTree>
+      <p:nvGrpSpPr>
+        <p:cNvPr id="1" name=""/>
+        <p:cNvGrpSpPr/>
+        <p:nvPr/>
+      </p:nvGrpSpPr>
+      <p:grpSpPr>
+        <a:xfrm>
+          <a:off x="0" y="0"/>
+          <a:ext cx="0" cy="0"/>
+          <a:chOff x="0" y="0"/>
+          <a:chExt cx="0" cy="0"/>
+        </a:xfrm>
+      </p:grpSpPr>
+      <p:sp>
+        <p:nvSpPr>
+          <p:cNvPr id="2" name="Заголовок 1">
+            <a:extLst>
+              <a:ext uri="{FF2B5EF4-FFF2-40B4-BE49-F238E27FC236}">
+                <a16:creationId xmlns:a16="http://schemas.microsoft.com/office/drawing/2014/main" id="{8D956CE6-2CCE-8FA1-70D9-FF1A950DA9FD}"/>
+              </a:ext>
+            </a:extLst>
+          </p:cNvPr>
+          <p:cNvSpPr>
+            <a:spLocks noGrp="1"/>
+          </p:cNvSpPr>
+          <p:nvPr>
+            <p:ph type="title"/>
+          </p:nvPr>
+        </p:nvSpPr>
+        <p:spPr>
+          <a:xfrm>
+            <a:off x="680760" y="268275"/>
+            <a:ext cx="8545320" cy="288413"/>
+          </a:xfrm>
+        </p:spPr>
+        <p:txBody>
+          <a:bodyPr/>
+          <a:lstStyle/>
+          <a:p>
+            <a:r>
+              <a:rPr lang="en-GB" sz="1400" dirty="0">
+                <a:solidFill>
+                  <a:srgbClr val="0F228B"/>
+                </a:solidFill>
+                <a:latin typeface="Times New Roman"/>
+                <a:cs typeface="Times New Roman"/>
+              </a:rPr>
+              <a:t>«</a:t>
+            </a:r>
+            <a:r>
+              <a:rPr lang="en-GB" sz="1400" dirty="0" err="1">
+                <a:solidFill>
+                  <a:srgbClr val="0F228B"/>
+                </a:solidFill>
+                <a:latin typeface="Times New Roman"/>
+                <a:cs typeface="Times New Roman"/>
+              </a:rPr>
+              <a:t>Исследование</a:t>
+            </a:r>
+            <a:r>
+              <a:rPr lang="en-GB" sz="1400" dirty="0">
+                <a:solidFill>
+                  <a:srgbClr val="0F228B"/>
+                </a:solidFill>
+                <a:latin typeface="Times New Roman"/>
+                <a:cs typeface="Times New Roman"/>
+              </a:rPr>
+              <a:t> </a:t>
+            </a:r>
+            <a:r>
+              <a:rPr lang="en-GB" sz="1400" dirty="0" err="1">
+                <a:solidFill>
+                  <a:srgbClr val="0F228B"/>
+                </a:solidFill>
+                <a:latin typeface="Times New Roman"/>
+                <a:cs typeface="Times New Roman"/>
+              </a:rPr>
+              <a:t>пузырьковой</a:t>
+            </a:r>
+            <a:r>
+              <a:rPr lang="en-GB" sz="1400" dirty="0">
+                <a:solidFill>
+                  <a:srgbClr val="0F228B"/>
+                </a:solidFill>
+                <a:latin typeface="Times New Roman"/>
+                <a:cs typeface="Times New Roman"/>
+              </a:rPr>
+              <a:t> и </a:t>
+            </a:r>
+            <a:r>
+              <a:rPr lang="en-GB" sz="1400" dirty="0" err="1">
+                <a:solidFill>
+                  <a:srgbClr val="0F228B"/>
+                </a:solidFill>
+                <a:latin typeface="Times New Roman"/>
+                <a:cs typeface="Times New Roman"/>
+              </a:rPr>
+              <a:t>пирамидальной</a:t>
+            </a:r>
+            <a:r>
+              <a:rPr lang="en-GB" sz="1400" dirty="0">
+                <a:solidFill>
+                  <a:srgbClr val="0F228B"/>
+                </a:solidFill>
+                <a:latin typeface="Times New Roman"/>
+                <a:cs typeface="Times New Roman"/>
+              </a:rPr>
+              <a:t> </a:t>
+            </a:r>
+            <a:r>
+              <a:rPr lang="en-GB" sz="1400" dirty="0" err="1">
+                <a:solidFill>
+                  <a:srgbClr val="0F228B"/>
+                </a:solidFill>
+                <a:latin typeface="Times New Roman"/>
+                <a:cs typeface="Times New Roman"/>
+              </a:rPr>
+              <a:t>сортировок</a:t>
+            </a:r>
+            <a:r>
+              <a:rPr lang="en-GB" sz="1400" dirty="0">
+                <a:solidFill>
+                  <a:srgbClr val="0F228B"/>
+                </a:solidFill>
+                <a:latin typeface="Times New Roman"/>
+                <a:cs typeface="Times New Roman"/>
+              </a:rPr>
+              <a:t>»</a:t>
+            </a:r>
+            <a:endParaRPr lang="ru-RU" sz="1400" dirty="0"/>
+          </a:p>
+        </p:txBody>
+      </p:sp>
+      <p:sp>
+        <p:nvSpPr>
+          <p:cNvPr id="3" name="Подзаголовок 2">
+            <a:extLst>
+              <a:ext uri="{FF2B5EF4-FFF2-40B4-BE49-F238E27FC236}">
+                <a16:creationId xmlns:a16="http://schemas.microsoft.com/office/drawing/2014/main" id="{1194AFC6-2E6B-5CD0-189D-880B37C5173A}"/>
+              </a:ext>
+            </a:extLst>
+          </p:cNvPr>
+          <p:cNvSpPr>
+            <a:spLocks noGrp="1"/>
+          </p:cNvSpPr>
+          <p:nvPr>
+            <p:ph type="subTitle"/>
+          </p:nvPr>
+        </p:nvSpPr>
+        <p:spPr>
+          <a:xfrm>
+            <a:off x="680759" y="1279994"/>
+            <a:ext cx="8725999" cy="4748096"/>
+          </a:xfrm>
+        </p:spPr>
+        <p:txBody>
+          <a:bodyPr/>
+          <a:lstStyle/>
+          <a:p>
+            <a:pPr marL="0" indent="0">
+              <a:buNone/>
+            </a:pPr>
+            <a:r>
+              <a:rPr lang="en-US" sz="1400" dirty="0">
+                <a:solidFill>
+                  <a:schemeClr val="tx2"/>
+                </a:solidFill>
+              </a:rPr>
+              <a:t>#include &lt;</a:t>
+            </a:r>
+            <a:r>
+              <a:rPr lang="en-US" sz="1400" dirty="0" err="1">
+                <a:solidFill>
+                  <a:schemeClr val="tx2"/>
+                </a:solidFill>
+              </a:rPr>
+              <a:t>stdio.h</a:t>
+            </a:r>
+            <a:r>
+              <a:rPr lang="en-US" sz="1400" dirty="0">
+                <a:solidFill>
+                  <a:schemeClr val="tx2"/>
+                </a:solidFill>
+              </a:rPr>
+              <a:t>&gt;</a:t>
+            </a:r>
+          </a:p>
+          <a:p>
+            <a:pPr marL="0" indent="0">
+              <a:buNone/>
+            </a:pPr>
+            <a:r>
+              <a:rPr lang="en-US" sz="1400" dirty="0">
+                <a:solidFill>
+                  <a:schemeClr val="tx2"/>
+                </a:solidFill>
+              </a:rPr>
+              <a:t>#include &lt;</a:t>
+            </a:r>
+            <a:r>
+              <a:rPr lang="en-US" sz="1400" dirty="0" err="1">
+                <a:solidFill>
+                  <a:schemeClr val="tx2"/>
+                </a:solidFill>
+              </a:rPr>
+              <a:t>stdlib.h</a:t>
+            </a:r>
+            <a:r>
+              <a:rPr lang="en-US" sz="1400" dirty="0">
+                <a:solidFill>
+                  <a:schemeClr val="tx2"/>
+                </a:solidFill>
+              </a:rPr>
+              <a:t>&gt;</a:t>
+            </a:r>
+          </a:p>
+          <a:p>
+            <a:pPr marL="0" indent="0">
+              <a:buNone/>
+            </a:pPr>
+            <a:r>
+              <a:rPr lang="en-US" sz="1400" dirty="0">
+                <a:solidFill>
+                  <a:schemeClr val="tx2"/>
+                </a:solidFill>
+              </a:rPr>
+              <a:t>#include &lt;</a:t>
+            </a:r>
+            <a:r>
+              <a:rPr lang="en-US" sz="1400" dirty="0" err="1">
+                <a:solidFill>
+                  <a:schemeClr val="tx2"/>
+                </a:solidFill>
+              </a:rPr>
+              <a:t>time.h</a:t>
+            </a:r>
+            <a:r>
+              <a:rPr lang="en-US" sz="1400" dirty="0">
+                <a:solidFill>
+                  <a:schemeClr val="tx2"/>
+                </a:solidFill>
+              </a:rPr>
+              <a:t>&gt;</a:t>
+            </a:r>
+          </a:p>
+          <a:p>
+            <a:pPr marL="0" indent="0">
+              <a:buNone/>
+            </a:pPr>
+            <a:endParaRPr lang="en-US" sz="1400" dirty="0">
+              <a:solidFill>
+                <a:schemeClr val="tx2"/>
+              </a:solidFill>
+            </a:endParaRPr>
+          </a:p>
+          <a:p>
+            <a:pPr marL="0" indent="0">
+              <a:buNone/>
+            </a:pPr>
+            <a:r>
+              <a:rPr lang="en-US" sz="1400" dirty="0">
+                <a:solidFill>
+                  <a:schemeClr val="tx2"/>
+                </a:solidFill>
+              </a:rPr>
+              <a:t>#define MIN_SIZE 100000</a:t>
+            </a:r>
+          </a:p>
+          <a:p>
+            <a:pPr marL="0" indent="0">
+              <a:buNone/>
+            </a:pPr>
+            <a:r>
+              <a:rPr lang="en-US" sz="1400" dirty="0">
+                <a:solidFill>
+                  <a:schemeClr val="tx2"/>
+                </a:solidFill>
+              </a:rPr>
+              <a:t>#define MAX_SIZE 100000</a:t>
+            </a:r>
+          </a:p>
+          <a:p>
+            <a:pPr marL="0" indent="0">
+              <a:buNone/>
+            </a:pPr>
+            <a:r>
+              <a:rPr lang="en-US" sz="1400" dirty="0">
+                <a:solidFill>
+                  <a:schemeClr val="tx2"/>
+                </a:solidFill>
+              </a:rPr>
+              <a:t>#define STEP 50</a:t>
+            </a:r>
+          </a:p>
+          <a:p>
+            <a:pPr marL="0" indent="0">
+              <a:buNone/>
+            </a:pPr>
+            <a:r>
+              <a:rPr lang="en-US" sz="1400" dirty="0">
+                <a:solidFill>
+                  <a:schemeClr val="tx2"/>
+                </a:solidFill>
+              </a:rPr>
+              <a:t>#define BOOL 0</a:t>
+            </a:r>
+          </a:p>
+          <a:p>
+            <a:pPr marL="0" indent="0">
+              <a:buNone/>
+            </a:pPr>
+            <a:endParaRPr lang="en-US" sz="1400" dirty="0">
+              <a:solidFill>
+                <a:schemeClr val="tx2"/>
+              </a:solidFill>
+            </a:endParaRPr>
+          </a:p>
+          <a:p>
+            <a:pPr marL="0" indent="0">
+              <a:buNone/>
+            </a:pPr>
+            <a:r>
+              <a:rPr lang="en-US" sz="1400" dirty="0">
+                <a:solidFill>
+                  <a:schemeClr val="tx2"/>
+                </a:solidFill>
+              </a:rPr>
+              <a:t>void generation(int *array1, int *array2, int </a:t>
+            </a:r>
+            <a:r>
+              <a:rPr lang="en-US" sz="1400" dirty="0" err="1">
+                <a:solidFill>
+                  <a:schemeClr val="tx2"/>
+                </a:solidFill>
+              </a:rPr>
+              <a:t>len</a:t>
+            </a:r>
+            <a:r>
+              <a:rPr lang="en-US" sz="1400" dirty="0">
+                <a:solidFill>
+                  <a:schemeClr val="tx2"/>
+                </a:solidFill>
+              </a:rPr>
+              <a:t>){</a:t>
+            </a:r>
+            <a:r>
+              <a:rPr lang="en-US" sz="1400" i="1" dirty="0">
+                <a:solidFill>
+                  <a:schemeClr val="bg1">
+                    <a:lumMod val="50000"/>
+                  </a:schemeClr>
+                </a:solidFill>
+              </a:rPr>
+              <a:t> //</a:t>
+            </a:r>
+            <a:r>
+              <a:rPr lang="ru-RU" sz="1400" i="1" dirty="0">
+                <a:solidFill>
+                  <a:schemeClr val="bg1">
+                    <a:lumMod val="50000"/>
+                  </a:schemeClr>
+                </a:solidFill>
+              </a:rPr>
+              <a:t>функция, заполняющая два переданных массива, </a:t>
+            </a:r>
+            <a:r>
+              <a:rPr lang="ru-RU" sz="1400" i="1" dirty="0" err="1">
+                <a:solidFill>
+                  <a:schemeClr val="bg1">
+                    <a:lumMod val="50000"/>
+                  </a:schemeClr>
+                </a:solidFill>
+              </a:rPr>
+              <a:t>рандомными</a:t>
+            </a:r>
+            <a:r>
+              <a:rPr lang="ru-RU" sz="1400" i="1" dirty="0">
+                <a:solidFill>
+                  <a:schemeClr val="bg1">
+                    <a:lumMod val="50000"/>
+                  </a:schemeClr>
+                </a:solidFill>
+              </a:rPr>
+              <a:t>, но одинаковыми числами</a:t>
+            </a:r>
+          </a:p>
+          <a:p>
+            <a:pPr marL="0" indent="0">
+              <a:buNone/>
+            </a:pPr>
+            <a:r>
+              <a:rPr lang="ru-RU" sz="1400" dirty="0">
+                <a:solidFill>
+                  <a:schemeClr val="tx2"/>
+                </a:solidFill>
+              </a:rPr>
+              <a:t>    </a:t>
+            </a:r>
+            <a:r>
+              <a:rPr lang="en-US" sz="1400" dirty="0">
+                <a:solidFill>
+                  <a:schemeClr val="tx2"/>
+                </a:solidFill>
+              </a:rPr>
+              <a:t>int </a:t>
+            </a:r>
+            <a:r>
+              <a:rPr lang="en-US" sz="1400" dirty="0" err="1">
+                <a:solidFill>
+                  <a:schemeClr val="tx2"/>
+                </a:solidFill>
+              </a:rPr>
+              <a:t>i</a:t>
+            </a:r>
+            <a:r>
+              <a:rPr lang="en-US" sz="1400" dirty="0">
+                <a:solidFill>
+                  <a:schemeClr val="tx2"/>
+                </a:solidFill>
+              </a:rPr>
+              <a:t>, g;</a:t>
+            </a:r>
+          </a:p>
+          <a:p>
+            <a:pPr marL="0" indent="0">
+              <a:buNone/>
+            </a:pPr>
+            <a:r>
+              <a:rPr lang="en-US" sz="1400" dirty="0">
+                <a:solidFill>
+                  <a:schemeClr val="tx2"/>
+                </a:solidFill>
+              </a:rPr>
+              <a:t>    for(</a:t>
+            </a:r>
+            <a:r>
+              <a:rPr lang="en-US" sz="1400" dirty="0" err="1">
+                <a:solidFill>
+                  <a:schemeClr val="tx2"/>
+                </a:solidFill>
+              </a:rPr>
+              <a:t>i</a:t>
+            </a:r>
+            <a:r>
+              <a:rPr lang="en-US" sz="1400" dirty="0">
+                <a:solidFill>
+                  <a:schemeClr val="tx2"/>
+                </a:solidFill>
+              </a:rPr>
+              <a:t>=0; </a:t>
+            </a:r>
+            <a:r>
+              <a:rPr lang="en-US" sz="1400" dirty="0" err="1">
+                <a:solidFill>
+                  <a:schemeClr val="tx2"/>
+                </a:solidFill>
+              </a:rPr>
+              <a:t>i</a:t>
+            </a:r>
+            <a:r>
+              <a:rPr lang="en-US" sz="1400" dirty="0">
+                <a:solidFill>
+                  <a:schemeClr val="tx2"/>
+                </a:solidFill>
+              </a:rPr>
+              <a:t>&lt;</a:t>
+            </a:r>
+            <a:r>
+              <a:rPr lang="en-US" sz="1400" dirty="0" err="1">
+                <a:solidFill>
+                  <a:schemeClr val="tx2"/>
+                </a:solidFill>
+              </a:rPr>
+              <a:t>len</a:t>
+            </a:r>
+            <a:r>
+              <a:rPr lang="en-US" sz="1400" dirty="0">
+                <a:solidFill>
+                  <a:schemeClr val="tx2"/>
+                </a:solidFill>
+              </a:rPr>
+              <a:t>; </a:t>
+            </a:r>
+            <a:r>
+              <a:rPr lang="en-US" sz="1400" dirty="0" err="1">
+                <a:solidFill>
+                  <a:schemeClr val="tx2"/>
+                </a:solidFill>
+              </a:rPr>
+              <a:t>i</a:t>
+            </a:r>
+            <a:r>
+              <a:rPr lang="en-US" sz="1400" dirty="0">
+                <a:solidFill>
+                  <a:schemeClr val="tx2"/>
+                </a:solidFill>
+              </a:rPr>
+              <a:t>++){</a:t>
+            </a:r>
+          </a:p>
+          <a:p>
+            <a:pPr marL="0" indent="0">
+              <a:buNone/>
+            </a:pPr>
+            <a:r>
+              <a:rPr lang="en-US" sz="1400" dirty="0">
+                <a:solidFill>
+                  <a:schemeClr val="tx2"/>
+                </a:solidFill>
+              </a:rPr>
+              <a:t>        g=rand()%201;</a:t>
+            </a:r>
+          </a:p>
+          <a:p>
+            <a:pPr marL="0" indent="0">
+              <a:buNone/>
+            </a:pPr>
+            <a:r>
+              <a:rPr lang="en-US" sz="1400" dirty="0">
+                <a:solidFill>
+                  <a:schemeClr val="tx2"/>
+                </a:solidFill>
+              </a:rPr>
+              <a:t>        array1[</a:t>
+            </a:r>
+            <a:r>
+              <a:rPr lang="en-US" sz="1400" dirty="0" err="1">
+                <a:solidFill>
+                  <a:schemeClr val="tx2"/>
+                </a:solidFill>
+              </a:rPr>
+              <a:t>i</a:t>
+            </a:r>
+            <a:r>
+              <a:rPr lang="en-US" sz="1400" dirty="0">
+                <a:solidFill>
+                  <a:schemeClr val="tx2"/>
+                </a:solidFill>
+              </a:rPr>
+              <a:t>]=g;</a:t>
+            </a:r>
+          </a:p>
+          <a:p>
+            <a:pPr marL="0" indent="0">
+              <a:buNone/>
+            </a:pPr>
+            <a:r>
+              <a:rPr lang="en-US" sz="1400" dirty="0">
+                <a:solidFill>
+                  <a:schemeClr val="tx2"/>
+                </a:solidFill>
+              </a:rPr>
+              <a:t>        array2[</a:t>
+            </a:r>
+            <a:r>
+              <a:rPr lang="en-US" sz="1400" dirty="0" err="1">
+                <a:solidFill>
+                  <a:schemeClr val="tx2"/>
+                </a:solidFill>
+              </a:rPr>
+              <a:t>i</a:t>
+            </a:r>
+            <a:r>
+              <a:rPr lang="en-US" sz="1400" dirty="0">
+                <a:solidFill>
+                  <a:schemeClr val="tx2"/>
+                </a:solidFill>
+              </a:rPr>
+              <a:t>]=g;</a:t>
+            </a:r>
+          </a:p>
+          <a:p>
+            <a:pPr marL="0" indent="0">
+              <a:buNone/>
+            </a:pPr>
+            <a:r>
+              <a:rPr lang="en-US" sz="1400" dirty="0">
+                <a:solidFill>
+                  <a:schemeClr val="tx2"/>
+                </a:solidFill>
+              </a:rPr>
+              <a:t>    }</a:t>
+            </a:r>
+          </a:p>
+          <a:p>
+            <a:pPr marL="0" indent="0">
+              <a:buNone/>
+            </a:pPr>
+            <a:r>
+              <a:rPr lang="en-US" sz="1400" dirty="0">
+                <a:solidFill>
+                  <a:schemeClr val="tx2"/>
+                </a:solidFill>
+              </a:rPr>
+              <a:t>}</a:t>
+            </a:r>
+          </a:p>
+          <a:p>
+            <a:pPr marL="0" indent="0">
+              <a:buNone/>
+            </a:pPr>
+            <a:endParaRPr lang="en-US" sz="1400" dirty="0">
+              <a:solidFill>
+                <a:schemeClr val="tx2"/>
+              </a:solidFill>
+            </a:endParaRPr>
+          </a:p>
+          <a:p>
+            <a:pPr marL="0" indent="0">
+              <a:buNone/>
+            </a:pPr>
+            <a:r>
+              <a:rPr lang="en-US" sz="1400" dirty="0">
+                <a:solidFill>
+                  <a:schemeClr val="tx2"/>
+                </a:solidFill>
+              </a:rPr>
+              <a:t>void SWAP(int *array, int x, int y){</a:t>
+            </a:r>
+          </a:p>
+          <a:p>
+            <a:pPr marL="0" indent="0">
+              <a:buNone/>
+            </a:pPr>
+            <a:r>
+              <a:rPr lang="en-US" sz="1400" dirty="0">
+                <a:solidFill>
+                  <a:schemeClr val="tx2"/>
+                </a:solidFill>
+              </a:rPr>
+              <a:t>    int z=array[x];</a:t>
+            </a:r>
+          </a:p>
+          <a:p>
+            <a:pPr marL="0" indent="0">
+              <a:buNone/>
+            </a:pPr>
+            <a:r>
+              <a:rPr lang="en-US" sz="1400" dirty="0">
+                <a:solidFill>
+                  <a:schemeClr val="tx2"/>
+                </a:solidFill>
+              </a:rPr>
+              <a:t>    array[x]=array[y];</a:t>
+            </a:r>
+          </a:p>
+          <a:p>
+            <a:pPr marL="0" indent="0">
+              <a:buNone/>
+            </a:pPr>
+            <a:r>
+              <a:rPr lang="en-US" sz="1400" dirty="0">
+                <a:solidFill>
+                  <a:schemeClr val="tx2"/>
+                </a:solidFill>
+              </a:rPr>
+              <a:t>    array[y]=z;</a:t>
+            </a:r>
+          </a:p>
+          <a:p>
+            <a:pPr marL="0" indent="0">
+              <a:buNone/>
+            </a:pPr>
+            <a:r>
+              <a:rPr lang="en-US" sz="1400" dirty="0">
+                <a:solidFill>
+                  <a:schemeClr val="tx2"/>
+                </a:solidFill>
+              </a:rPr>
+              <a:t>}</a:t>
+            </a:r>
+          </a:p>
+        </p:txBody>
+      </p:sp>
+    </p:spTree>
+    <p:extLst>
+      <p:ext uri="{BB962C8B-B14F-4D97-AF65-F5344CB8AC3E}">
+        <p14:creationId xmlns:p14="http://schemas.microsoft.com/office/powerpoint/2010/main" val="2924519568"/>
+      </p:ext>
+    </p:extLst>
+  </p:cSld>
+  <p:clrMapOvr>
+    <a:masterClrMapping/>
+  </p:clrMapOvr>
+</p:sld>
+</file>
+
+<file path=ppt/slides/slide19.xml><?xml version="1.0" encoding="utf-8"?>
+<p:sld xmlns:a="http://schemas.openxmlformats.org/drawingml/2006/main" xmlns:r="http://schemas.openxmlformats.org/officeDocument/2006/relationships" xmlns:p="http://schemas.openxmlformats.org/presentationml/2006/main">
+  <p:cSld>
+    <p:spTree>
+      <p:nvGrpSpPr>
+        <p:cNvPr id="1" name=""/>
+        <p:cNvGrpSpPr/>
+        <p:nvPr/>
+      </p:nvGrpSpPr>
+      <p:grpSpPr>
+        <a:xfrm>
+          <a:off x="0" y="0"/>
+          <a:ext cx="0" cy="0"/>
+          <a:chOff x="0" y="0"/>
+          <a:chExt cx="0" cy="0"/>
+        </a:xfrm>
+      </p:grpSpPr>
+      <p:sp>
+        <p:nvSpPr>
+          <p:cNvPr id="2" name="Заголовок 1">
+            <a:extLst>
+              <a:ext uri="{FF2B5EF4-FFF2-40B4-BE49-F238E27FC236}">
+                <a16:creationId xmlns:a16="http://schemas.microsoft.com/office/drawing/2014/main" id="{8D956CE6-2CCE-8FA1-70D9-FF1A950DA9FD}"/>
+              </a:ext>
+            </a:extLst>
+          </p:cNvPr>
+          <p:cNvSpPr>
+            <a:spLocks noGrp="1"/>
+          </p:cNvSpPr>
+          <p:nvPr>
+            <p:ph type="title"/>
+          </p:nvPr>
+        </p:nvSpPr>
+        <p:spPr>
+          <a:xfrm>
+            <a:off x="680760" y="268275"/>
+            <a:ext cx="8545320" cy="288413"/>
+          </a:xfrm>
+        </p:spPr>
+        <p:txBody>
+          <a:bodyPr/>
+          <a:lstStyle/>
+          <a:p>
+            <a:r>
+              <a:rPr lang="en-GB" sz="1400" dirty="0">
+                <a:solidFill>
+                  <a:srgbClr val="0F228B"/>
+                </a:solidFill>
+                <a:latin typeface="Times New Roman"/>
+                <a:cs typeface="Times New Roman"/>
+              </a:rPr>
+              <a:t>«</a:t>
+            </a:r>
+            <a:r>
+              <a:rPr lang="en-GB" sz="1400" dirty="0" err="1">
+                <a:solidFill>
+                  <a:srgbClr val="0F228B"/>
+                </a:solidFill>
+                <a:latin typeface="Times New Roman"/>
+                <a:cs typeface="Times New Roman"/>
+              </a:rPr>
+              <a:t>Исследование</a:t>
+            </a:r>
+            <a:r>
+              <a:rPr lang="en-GB" sz="1400" dirty="0">
+                <a:solidFill>
+                  <a:srgbClr val="0F228B"/>
+                </a:solidFill>
+                <a:latin typeface="Times New Roman"/>
+                <a:cs typeface="Times New Roman"/>
+              </a:rPr>
+              <a:t> </a:t>
+            </a:r>
+            <a:r>
+              <a:rPr lang="en-GB" sz="1400" dirty="0" err="1">
+                <a:solidFill>
+                  <a:srgbClr val="0F228B"/>
+                </a:solidFill>
+                <a:latin typeface="Times New Roman"/>
+                <a:cs typeface="Times New Roman"/>
+              </a:rPr>
+              <a:t>пузырьковой</a:t>
+            </a:r>
+            <a:r>
+              <a:rPr lang="en-GB" sz="1400" dirty="0">
+                <a:solidFill>
+                  <a:srgbClr val="0F228B"/>
+                </a:solidFill>
+                <a:latin typeface="Times New Roman"/>
+                <a:cs typeface="Times New Roman"/>
+              </a:rPr>
+              <a:t> и </a:t>
+            </a:r>
+            <a:r>
+              <a:rPr lang="en-GB" sz="1400" dirty="0" err="1">
+                <a:solidFill>
+                  <a:srgbClr val="0F228B"/>
+                </a:solidFill>
+                <a:latin typeface="Times New Roman"/>
+                <a:cs typeface="Times New Roman"/>
+              </a:rPr>
+              <a:t>пирамидальной</a:t>
+            </a:r>
+            <a:r>
+              <a:rPr lang="en-GB" sz="1400" dirty="0">
+                <a:solidFill>
+                  <a:srgbClr val="0F228B"/>
+                </a:solidFill>
+                <a:latin typeface="Times New Roman"/>
+                <a:cs typeface="Times New Roman"/>
+              </a:rPr>
+              <a:t> </a:t>
+            </a:r>
+            <a:r>
+              <a:rPr lang="en-GB" sz="1400" dirty="0" err="1">
+                <a:solidFill>
+                  <a:srgbClr val="0F228B"/>
+                </a:solidFill>
+                <a:latin typeface="Times New Roman"/>
+                <a:cs typeface="Times New Roman"/>
+              </a:rPr>
+              <a:t>сортировок</a:t>
+            </a:r>
+            <a:r>
+              <a:rPr lang="en-GB" sz="1400" dirty="0">
+                <a:solidFill>
+                  <a:srgbClr val="0F228B"/>
+                </a:solidFill>
+                <a:latin typeface="Times New Roman"/>
+                <a:cs typeface="Times New Roman"/>
+              </a:rPr>
+              <a:t>»</a:t>
+            </a:r>
+            <a:endParaRPr lang="ru-RU" sz="1400" dirty="0"/>
+          </a:p>
+        </p:txBody>
+      </p:sp>
+      <p:sp>
+        <p:nvSpPr>
+          <p:cNvPr id="3" name="Подзаголовок 2">
+            <a:extLst>
+              <a:ext uri="{FF2B5EF4-FFF2-40B4-BE49-F238E27FC236}">
+                <a16:creationId xmlns:a16="http://schemas.microsoft.com/office/drawing/2014/main" id="{1194AFC6-2E6B-5CD0-189D-880B37C5173A}"/>
+              </a:ext>
+            </a:extLst>
+          </p:cNvPr>
+          <p:cNvSpPr>
+            <a:spLocks noGrp="1"/>
+          </p:cNvSpPr>
+          <p:nvPr>
+            <p:ph type="subTitle"/>
+          </p:nvPr>
+        </p:nvSpPr>
+        <p:spPr>
+          <a:xfrm>
+            <a:off x="680759" y="892199"/>
+            <a:ext cx="8725999" cy="5523693"/>
+          </a:xfrm>
+        </p:spPr>
+        <p:txBody>
+          <a:bodyPr/>
+          <a:lstStyle/>
+          <a:p>
+            <a:pPr marL="0" indent="0">
+              <a:buNone/>
+            </a:pPr>
+            <a:r>
+              <a:rPr lang="en-US" sz="1400" dirty="0">
+                <a:solidFill>
+                  <a:schemeClr val="tx2"/>
+                </a:solidFill>
+                <a:ea typeface="+mn-lt"/>
+                <a:cs typeface="+mn-lt"/>
+              </a:rPr>
+              <a:t>int main(){</a:t>
+            </a:r>
+          </a:p>
+          <a:p>
+            <a:pPr marL="0" indent="0">
+              <a:buNone/>
+            </a:pPr>
+            <a:r>
+              <a:rPr lang="en-US" sz="1400" dirty="0">
+                <a:solidFill>
+                  <a:schemeClr val="tx2"/>
+                </a:solidFill>
+                <a:ea typeface="+mn-lt"/>
+                <a:cs typeface="+mn-lt"/>
+              </a:rPr>
+              <a:t>    FILE *file;</a:t>
+            </a:r>
+          </a:p>
+          <a:p>
+            <a:pPr marL="0" indent="0">
+              <a:buNone/>
+            </a:pPr>
+            <a:r>
+              <a:rPr lang="en-US" sz="1400" dirty="0">
+                <a:solidFill>
+                  <a:schemeClr val="tx2"/>
+                </a:solidFill>
+                <a:ea typeface="+mn-lt"/>
+                <a:cs typeface="+mn-lt"/>
+              </a:rPr>
+              <a:t>    file=</a:t>
+            </a:r>
+            <a:r>
+              <a:rPr lang="en-US" sz="1400" dirty="0" err="1">
+                <a:solidFill>
+                  <a:schemeClr val="tx2"/>
+                </a:solidFill>
+                <a:ea typeface="+mn-lt"/>
+                <a:cs typeface="+mn-lt"/>
+              </a:rPr>
+              <a:t>fopen</a:t>
+            </a:r>
+            <a:r>
+              <a:rPr lang="en-US" sz="1400" dirty="0">
+                <a:solidFill>
+                  <a:schemeClr val="tx2"/>
+                </a:solidFill>
+                <a:ea typeface="+mn-lt"/>
+                <a:cs typeface="+mn-lt"/>
+              </a:rPr>
+              <a:t>("file.txt", "w"); </a:t>
+            </a:r>
+            <a:r>
+              <a:rPr lang="en-US" sz="1400" i="1" dirty="0">
+                <a:solidFill>
+                  <a:schemeClr val="bg1">
+                    <a:lumMod val="50000"/>
+                  </a:schemeClr>
+                </a:solidFill>
+                <a:ea typeface="+mn-lt"/>
+                <a:cs typeface="+mn-lt"/>
+              </a:rPr>
+              <a:t>//</a:t>
+            </a:r>
+            <a:r>
+              <a:rPr lang="ru-RU" sz="1400" i="1" dirty="0">
+                <a:solidFill>
+                  <a:schemeClr val="bg1">
+                    <a:lumMod val="50000"/>
+                  </a:schemeClr>
+                </a:solidFill>
+                <a:ea typeface="+mn-lt"/>
+                <a:cs typeface="+mn-lt"/>
+              </a:rPr>
+              <a:t>открытие файла для записи в него</a:t>
+            </a:r>
+          </a:p>
+          <a:p>
+            <a:pPr marL="0" indent="0">
+              <a:buNone/>
+            </a:pPr>
+            <a:r>
+              <a:rPr lang="ru-RU" sz="1400" dirty="0">
+                <a:solidFill>
+                  <a:schemeClr val="tx2"/>
+                </a:solidFill>
+                <a:ea typeface="+mn-lt"/>
+                <a:cs typeface="+mn-lt"/>
+              </a:rPr>
+              <a:t>    </a:t>
+            </a:r>
+            <a:r>
+              <a:rPr lang="en-US" sz="1400" dirty="0">
+                <a:solidFill>
+                  <a:schemeClr val="tx2"/>
+                </a:solidFill>
+                <a:ea typeface="+mn-lt"/>
+                <a:cs typeface="+mn-lt"/>
+              </a:rPr>
+              <a:t>int length;</a:t>
+            </a:r>
+          </a:p>
+          <a:p>
+            <a:pPr marL="0" indent="0">
+              <a:buNone/>
+            </a:pPr>
+            <a:r>
+              <a:rPr lang="en-US" sz="1400" dirty="0">
+                <a:solidFill>
+                  <a:schemeClr val="tx2"/>
+                </a:solidFill>
+                <a:ea typeface="+mn-lt"/>
+                <a:cs typeface="+mn-lt"/>
+              </a:rPr>
+              <a:t>    float </a:t>
+            </a:r>
+            <a:r>
+              <a:rPr lang="en-US" sz="1400" dirty="0" err="1">
+                <a:solidFill>
+                  <a:schemeClr val="tx2"/>
+                </a:solidFill>
+                <a:ea typeface="+mn-lt"/>
+                <a:cs typeface="+mn-lt"/>
+              </a:rPr>
+              <a:t>timeBubble</a:t>
+            </a:r>
+            <a:r>
+              <a:rPr lang="en-US" sz="1400" dirty="0">
+                <a:solidFill>
+                  <a:schemeClr val="tx2"/>
+                </a:solidFill>
+                <a:ea typeface="+mn-lt"/>
+                <a:cs typeface="+mn-lt"/>
+              </a:rPr>
+              <a:t>, </a:t>
+            </a:r>
+            <a:r>
+              <a:rPr lang="en-US" sz="1400" dirty="0" err="1">
+                <a:solidFill>
+                  <a:schemeClr val="tx2"/>
+                </a:solidFill>
+                <a:ea typeface="+mn-lt"/>
+                <a:cs typeface="+mn-lt"/>
+              </a:rPr>
+              <a:t>timeHeap</a:t>
+            </a:r>
+            <a:r>
+              <a:rPr lang="en-US" sz="1400" dirty="0">
+                <a:solidFill>
+                  <a:schemeClr val="tx2"/>
+                </a:solidFill>
+                <a:ea typeface="+mn-lt"/>
+                <a:cs typeface="+mn-lt"/>
+              </a:rPr>
+              <a:t>;</a:t>
+            </a:r>
+          </a:p>
+          <a:p>
+            <a:pPr marL="0" indent="0">
+              <a:buNone/>
+            </a:pPr>
+            <a:endParaRPr lang="en-US" sz="1400" dirty="0">
+              <a:solidFill>
+                <a:schemeClr val="tx2"/>
+              </a:solidFill>
+              <a:ea typeface="+mn-lt"/>
+              <a:cs typeface="+mn-lt"/>
+            </a:endParaRPr>
+          </a:p>
+          <a:p>
+            <a:pPr marL="0" indent="0">
+              <a:buNone/>
+            </a:pPr>
+            <a:r>
+              <a:rPr lang="en-US" sz="1400" dirty="0">
+                <a:solidFill>
+                  <a:schemeClr val="tx2"/>
+                </a:solidFill>
+                <a:ea typeface="+mn-lt"/>
+                <a:cs typeface="+mn-lt"/>
+              </a:rPr>
+              <a:t>    for(length=MIN_SIZE; length&lt;=MAX_SIZE; length+=STEP){ </a:t>
+            </a:r>
+            <a:r>
+              <a:rPr lang="en-US" sz="1400" i="1" dirty="0">
+                <a:solidFill>
+                  <a:schemeClr val="bg1">
+                    <a:lumMod val="50000"/>
+                  </a:schemeClr>
+                </a:solidFill>
+                <a:ea typeface="+mn-lt"/>
+                <a:cs typeface="+mn-lt"/>
+              </a:rPr>
+              <a:t>//</a:t>
+            </a:r>
+            <a:r>
+              <a:rPr lang="ru-RU" sz="1400" i="1" dirty="0">
+                <a:solidFill>
+                  <a:schemeClr val="bg1">
+                    <a:lumMod val="50000"/>
+                  </a:schemeClr>
+                </a:solidFill>
+                <a:ea typeface="+mn-lt"/>
+                <a:cs typeface="+mn-lt"/>
+              </a:rPr>
+              <a:t>рассматривание работу алгоритмов для массивов длиной от </a:t>
+            </a:r>
+            <a:r>
+              <a:rPr lang="en-US" sz="1400" i="1" dirty="0">
+                <a:solidFill>
+                  <a:schemeClr val="bg1">
+                    <a:lumMod val="50000"/>
+                  </a:schemeClr>
+                </a:solidFill>
+                <a:ea typeface="+mn-lt"/>
+                <a:cs typeface="+mn-lt"/>
+              </a:rPr>
+              <a:t>MIN_SIZE </a:t>
+            </a:r>
+            <a:r>
+              <a:rPr lang="ru-RU" sz="1400" i="1" dirty="0">
+                <a:solidFill>
+                  <a:schemeClr val="bg1">
+                    <a:lumMod val="50000"/>
+                  </a:schemeClr>
+                </a:solidFill>
+                <a:ea typeface="+mn-lt"/>
+                <a:cs typeface="+mn-lt"/>
+              </a:rPr>
+              <a:t>до </a:t>
+            </a:r>
+            <a:r>
+              <a:rPr lang="en-US" sz="1400" i="1" dirty="0">
+                <a:solidFill>
+                  <a:schemeClr val="bg1">
+                    <a:lumMod val="50000"/>
+                  </a:schemeClr>
+                </a:solidFill>
+                <a:ea typeface="+mn-lt"/>
+                <a:cs typeface="+mn-lt"/>
+              </a:rPr>
+              <a:t>MAX_SIZE</a:t>
+            </a:r>
+          </a:p>
+          <a:p>
+            <a:pPr marL="0" indent="0">
+              <a:buNone/>
+            </a:pPr>
+            <a:endParaRPr lang="en-US" sz="1400" i="1" dirty="0">
+              <a:solidFill>
+                <a:schemeClr val="bg1">
+                  <a:lumMod val="50000"/>
+                </a:schemeClr>
+              </a:solidFill>
+              <a:ea typeface="+mn-lt"/>
+              <a:cs typeface="+mn-lt"/>
+            </a:endParaRPr>
+          </a:p>
+          <a:p>
+            <a:pPr marL="0" indent="0">
+              <a:buNone/>
+            </a:pPr>
+            <a:r>
+              <a:rPr lang="en-US" sz="1400" dirty="0">
+                <a:solidFill>
+                  <a:schemeClr val="tx2"/>
+                </a:solidFill>
+                <a:ea typeface="+mn-lt"/>
+                <a:cs typeface="+mn-lt"/>
+              </a:rPr>
+              <a:t>        int *</a:t>
+            </a:r>
+            <a:r>
+              <a:rPr lang="en-US" sz="1400" dirty="0" err="1">
+                <a:solidFill>
+                  <a:schemeClr val="tx2"/>
+                </a:solidFill>
+                <a:ea typeface="+mn-lt"/>
+                <a:cs typeface="+mn-lt"/>
+              </a:rPr>
+              <a:t>massBubble</a:t>
+            </a:r>
+            <a:r>
+              <a:rPr lang="en-US" sz="1400" dirty="0">
+                <a:solidFill>
+                  <a:schemeClr val="tx2"/>
+                </a:solidFill>
+                <a:ea typeface="+mn-lt"/>
+                <a:cs typeface="+mn-lt"/>
+              </a:rPr>
+              <a:t>=malloc(</a:t>
+            </a:r>
+            <a:r>
+              <a:rPr lang="en-US" sz="1400" dirty="0" err="1">
+                <a:solidFill>
+                  <a:schemeClr val="tx2"/>
+                </a:solidFill>
+                <a:ea typeface="+mn-lt"/>
+                <a:cs typeface="+mn-lt"/>
+              </a:rPr>
+              <a:t>sizeof</a:t>
+            </a:r>
+            <a:r>
+              <a:rPr lang="en-US" sz="1400" dirty="0">
+                <a:solidFill>
+                  <a:schemeClr val="tx2"/>
+                </a:solidFill>
+                <a:ea typeface="+mn-lt"/>
+                <a:cs typeface="+mn-lt"/>
+              </a:rPr>
+              <a:t>(int)*length); </a:t>
+            </a:r>
+            <a:r>
+              <a:rPr lang="en-US" sz="1400" i="1" dirty="0">
+                <a:solidFill>
+                  <a:schemeClr val="bg1">
+                    <a:lumMod val="50000"/>
+                  </a:schemeClr>
+                </a:solidFill>
+                <a:ea typeface="+mn-lt"/>
+                <a:cs typeface="+mn-lt"/>
+              </a:rPr>
+              <a:t>//</a:t>
+            </a:r>
+            <a:r>
+              <a:rPr lang="ru-RU" sz="1400" i="1" dirty="0">
+                <a:solidFill>
+                  <a:schemeClr val="bg1">
+                    <a:lumMod val="50000"/>
+                  </a:schemeClr>
+                </a:solidFill>
+                <a:ea typeface="+mn-lt"/>
+                <a:cs typeface="+mn-lt"/>
+              </a:rPr>
+              <a:t>выделение памяти под массив, который будет отсортирован сортировкой пузырьком</a:t>
+            </a:r>
+          </a:p>
+          <a:p>
+            <a:pPr marL="0" indent="0">
+              <a:buNone/>
+            </a:pPr>
+            <a:r>
+              <a:rPr lang="ru-RU" sz="1400" dirty="0">
+                <a:solidFill>
+                  <a:schemeClr val="tx2"/>
+                </a:solidFill>
+                <a:ea typeface="+mn-lt"/>
+                <a:cs typeface="+mn-lt"/>
+              </a:rPr>
+              <a:t>        </a:t>
+            </a:r>
+            <a:r>
+              <a:rPr lang="en-US" sz="1400" dirty="0">
+                <a:solidFill>
+                  <a:schemeClr val="tx2"/>
+                </a:solidFill>
+                <a:ea typeface="+mn-lt"/>
+                <a:cs typeface="+mn-lt"/>
+              </a:rPr>
+              <a:t>int *</a:t>
+            </a:r>
+            <a:r>
+              <a:rPr lang="en-US" sz="1400" dirty="0" err="1">
+                <a:solidFill>
+                  <a:schemeClr val="tx2"/>
+                </a:solidFill>
+                <a:ea typeface="+mn-lt"/>
+                <a:cs typeface="+mn-lt"/>
+              </a:rPr>
+              <a:t>massHeap</a:t>
+            </a:r>
+            <a:r>
+              <a:rPr lang="en-US" sz="1400" dirty="0">
+                <a:solidFill>
+                  <a:schemeClr val="tx2"/>
+                </a:solidFill>
+                <a:ea typeface="+mn-lt"/>
+                <a:cs typeface="+mn-lt"/>
+              </a:rPr>
+              <a:t>=malloc(</a:t>
+            </a:r>
+            <a:r>
+              <a:rPr lang="en-US" sz="1400" dirty="0" err="1">
+                <a:solidFill>
+                  <a:schemeClr val="tx2"/>
+                </a:solidFill>
+                <a:ea typeface="+mn-lt"/>
+                <a:cs typeface="+mn-lt"/>
+              </a:rPr>
+              <a:t>sizeof</a:t>
+            </a:r>
+            <a:r>
+              <a:rPr lang="en-US" sz="1400" dirty="0">
+                <a:solidFill>
+                  <a:schemeClr val="tx2"/>
+                </a:solidFill>
+                <a:ea typeface="+mn-lt"/>
+                <a:cs typeface="+mn-lt"/>
+              </a:rPr>
+              <a:t>(int)*length); </a:t>
+            </a:r>
+            <a:r>
+              <a:rPr lang="en-US" sz="1400" i="1" dirty="0">
+                <a:solidFill>
+                  <a:schemeClr val="bg1">
+                    <a:lumMod val="50000"/>
+                  </a:schemeClr>
+                </a:solidFill>
+                <a:ea typeface="+mn-lt"/>
+                <a:cs typeface="+mn-lt"/>
+              </a:rPr>
+              <a:t>//</a:t>
+            </a:r>
+            <a:r>
+              <a:rPr lang="ru-RU" sz="1400" i="1" dirty="0">
+                <a:solidFill>
+                  <a:schemeClr val="bg1">
+                    <a:lumMod val="50000"/>
+                  </a:schemeClr>
+                </a:solidFill>
+                <a:ea typeface="+mn-lt"/>
+                <a:cs typeface="+mn-lt"/>
+              </a:rPr>
+              <a:t>выделение памяти под массив, который будет отсортирован </a:t>
+            </a:r>
+            <a:r>
+              <a:rPr lang="ru-RU" sz="1400" i="1" dirty="0" err="1">
+                <a:solidFill>
+                  <a:schemeClr val="bg1">
+                    <a:lumMod val="50000"/>
+                  </a:schemeClr>
+                </a:solidFill>
+                <a:ea typeface="+mn-lt"/>
+                <a:cs typeface="+mn-lt"/>
+              </a:rPr>
+              <a:t>пиромидальной</a:t>
+            </a:r>
+            <a:r>
+              <a:rPr lang="ru-RU" sz="1400" i="1" dirty="0">
+                <a:solidFill>
+                  <a:schemeClr val="bg1">
+                    <a:lumMod val="50000"/>
+                  </a:schemeClr>
+                </a:solidFill>
+                <a:ea typeface="+mn-lt"/>
+                <a:cs typeface="+mn-lt"/>
+              </a:rPr>
+              <a:t> сортировкой</a:t>
+            </a:r>
+            <a:endParaRPr lang="en-US" sz="1400" i="1" dirty="0">
+              <a:solidFill>
+                <a:schemeClr val="bg1">
+                  <a:lumMod val="50000"/>
+                </a:schemeClr>
+              </a:solidFill>
+              <a:ea typeface="+mn-lt"/>
+              <a:cs typeface="+mn-lt"/>
+            </a:endParaRPr>
+          </a:p>
+          <a:p>
+            <a:pPr marL="0" indent="0">
+              <a:buNone/>
+            </a:pPr>
+            <a:endParaRPr lang="ru-RU" sz="1400" i="1" dirty="0">
+              <a:solidFill>
+                <a:schemeClr val="bg1">
+                  <a:lumMod val="50000"/>
+                </a:schemeClr>
+              </a:solidFill>
+              <a:ea typeface="+mn-lt"/>
+              <a:cs typeface="+mn-lt"/>
+            </a:endParaRPr>
+          </a:p>
+          <a:p>
+            <a:pPr marL="0" indent="0">
+              <a:buNone/>
+            </a:pPr>
+            <a:r>
+              <a:rPr lang="ru-RU" sz="1400" dirty="0">
+                <a:solidFill>
+                  <a:schemeClr val="tx2"/>
+                </a:solidFill>
+                <a:ea typeface="+mn-lt"/>
+                <a:cs typeface="+mn-lt"/>
+              </a:rPr>
+              <a:t>        </a:t>
+            </a:r>
+            <a:r>
+              <a:rPr lang="en-US" sz="1400" dirty="0">
+                <a:solidFill>
+                  <a:schemeClr val="tx2"/>
+                </a:solidFill>
+                <a:ea typeface="+mn-lt"/>
+                <a:cs typeface="+mn-lt"/>
+              </a:rPr>
+              <a:t>generation(</a:t>
+            </a:r>
+            <a:r>
+              <a:rPr lang="en-US" sz="1400" dirty="0" err="1">
+                <a:solidFill>
+                  <a:schemeClr val="tx2"/>
+                </a:solidFill>
+                <a:ea typeface="+mn-lt"/>
+                <a:cs typeface="+mn-lt"/>
+              </a:rPr>
+              <a:t>massBubble</a:t>
+            </a:r>
+            <a:r>
+              <a:rPr lang="en-US" sz="1400" dirty="0">
+                <a:solidFill>
+                  <a:schemeClr val="tx2"/>
+                </a:solidFill>
+                <a:ea typeface="+mn-lt"/>
+                <a:cs typeface="+mn-lt"/>
+              </a:rPr>
+              <a:t>, </a:t>
+            </a:r>
+            <a:r>
+              <a:rPr lang="en-US" sz="1400" dirty="0" err="1">
+                <a:solidFill>
+                  <a:schemeClr val="tx2"/>
+                </a:solidFill>
+                <a:ea typeface="+mn-lt"/>
+                <a:cs typeface="+mn-lt"/>
+              </a:rPr>
+              <a:t>massHeap</a:t>
+            </a:r>
+            <a:r>
+              <a:rPr lang="en-US" sz="1400" dirty="0">
+                <a:solidFill>
+                  <a:schemeClr val="tx2"/>
+                </a:solidFill>
+                <a:ea typeface="+mn-lt"/>
+                <a:cs typeface="+mn-lt"/>
+              </a:rPr>
+              <a:t>, length);</a:t>
+            </a:r>
+          </a:p>
+          <a:p>
+            <a:pPr marL="0" indent="0">
+              <a:buNone/>
+            </a:pPr>
+            <a:endParaRPr lang="en-US" sz="1400" dirty="0">
+              <a:solidFill>
+                <a:schemeClr val="tx2"/>
+              </a:solidFill>
+              <a:ea typeface="+mn-lt"/>
+              <a:cs typeface="+mn-lt"/>
+            </a:endParaRPr>
+          </a:p>
+          <a:p>
+            <a:pPr marL="0" indent="0">
+              <a:buNone/>
+            </a:pPr>
+            <a:r>
+              <a:rPr lang="en-US" sz="1400" dirty="0">
+                <a:solidFill>
+                  <a:schemeClr val="tx2"/>
+                </a:solidFill>
+                <a:ea typeface="+mn-lt"/>
+                <a:cs typeface="+mn-lt"/>
+              </a:rPr>
+              <a:t>        </a:t>
+            </a:r>
+            <a:r>
+              <a:rPr lang="en-US" sz="1400" dirty="0" err="1">
+                <a:solidFill>
+                  <a:schemeClr val="tx2"/>
+                </a:solidFill>
+                <a:ea typeface="+mn-lt"/>
+                <a:cs typeface="+mn-lt"/>
+              </a:rPr>
+              <a:t>timeBubble</a:t>
+            </a:r>
+            <a:r>
+              <a:rPr lang="en-US" sz="1400" dirty="0">
+                <a:solidFill>
+                  <a:schemeClr val="tx2"/>
+                </a:solidFill>
+                <a:ea typeface="+mn-lt"/>
+                <a:cs typeface="+mn-lt"/>
+              </a:rPr>
+              <a:t>=</a:t>
+            </a:r>
+            <a:r>
+              <a:rPr lang="en-US" sz="1400" dirty="0" err="1">
+                <a:solidFill>
+                  <a:schemeClr val="tx2"/>
+                </a:solidFill>
+                <a:ea typeface="+mn-lt"/>
+                <a:cs typeface="+mn-lt"/>
+              </a:rPr>
+              <a:t>bubbleSort</a:t>
+            </a:r>
+            <a:r>
+              <a:rPr lang="en-US" sz="1400" dirty="0">
+                <a:solidFill>
+                  <a:schemeClr val="tx2"/>
+                </a:solidFill>
+                <a:ea typeface="+mn-lt"/>
+                <a:cs typeface="+mn-lt"/>
+              </a:rPr>
+              <a:t>(</a:t>
+            </a:r>
+            <a:r>
+              <a:rPr lang="en-US" sz="1400" dirty="0" err="1">
+                <a:solidFill>
+                  <a:schemeClr val="tx2"/>
+                </a:solidFill>
+                <a:ea typeface="+mn-lt"/>
+                <a:cs typeface="+mn-lt"/>
+              </a:rPr>
+              <a:t>massBubble</a:t>
+            </a:r>
+            <a:r>
+              <a:rPr lang="en-US" sz="1400" dirty="0">
+                <a:solidFill>
+                  <a:schemeClr val="tx2"/>
+                </a:solidFill>
+                <a:ea typeface="+mn-lt"/>
+                <a:cs typeface="+mn-lt"/>
+              </a:rPr>
+              <a:t>, length); </a:t>
+            </a:r>
+            <a:r>
+              <a:rPr lang="en-US" sz="1400" i="1" dirty="0">
+                <a:solidFill>
+                  <a:schemeClr val="bg1">
+                    <a:lumMod val="50000"/>
+                  </a:schemeClr>
+                </a:solidFill>
+                <a:ea typeface="+mn-lt"/>
+                <a:cs typeface="+mn-lt"/>
+              </a:rPr>
+              <a:t>//</a:t>
+            </a:r>
+            <a:r>
+              <a:rPr lang="ru-RU" sz="1400" i="1" dirty="0">
+                <a:solidFill>
+                  <a:schemeClr val="bg1">
+                    <a:lumMod val="50000"/>
+                  </a:schemeClr>
+                </a:solidFill>
+                <a:ea typeface="+mn-lt"/>
+                <a:cs typeface="+mn-lt"/>
+              </a:rPr>
+              <a:t>сортировка массива пузырьком, в переменную </a:t>
+            </a:r>
+            <a:r>
+              <a:rPr lang="en-US" sz="1400" i="1" dirty="0" err="1">
+                <a:solidFill>
+                  <a:schemeClr val="bg1">
+                    <a:lumMod val="50000"/>
+                  </a:schemeClr>
+                </a:solidFill>
+                <a:ea typeface="+mn-lt"/>
+                <a:cs typeface="+mn-lt"/>
+              </a:rPr>
+              <a:t>timeBubble</a:t>
+            </a:r>
+            <a:r>
+              <a:rPr lang="en-US" sz="1400" i="1" dirty="0">
+                <a:solidFill>
+                  <a:schemeClr val="bg1">
+                    <a:lumMod val="50000"/>
+                  </a:schemeClr>
+                </a:solidFill>
+                <a:ea typeface="+mn-lt"/>
+                <a:cs typeface="+mn-lt"/>
+              </a:rPr>
+              <a:t> </a:t>
+            </a:r>
+            <a:r>
+              <a:rPr lang="ru-RU" sz="1400" i="1" dirty="0">
+                <a:solidFill>
+                  <a:schemeClr val="bg1">
+                    <a:lumMod val="50000"/>
+                  </a:schemeClr>
+                </a:solidFill>
+                <a:ea typeface="+mn-lt"/>
+                <a:cs typeface="+mn-lt"/>
+              </a:rPr>
+              <a:t>заносится время работы алгоритма</a:t>
+            </a:r>
+          </a:p>
+          <a:p>
+            <a:pPr marL="0" indent="0">
+              <a:buNone/>
+            </a:pPr>
+            <a:r>
+              <a:rPr lang="ru-RU" sz="1400" dirty="0">
+                <a:solidFill>
+                  <a:schemeClr val="tx2"/>
+                </a:solidFill>
+                <a:ea typeface="+mn-lt"/>
+                <a:cs typeface="+mn-lt"/>
+              </a:rPr>
+              <a:t>        </a:t>
+            </a:r>
+            <a:r>
+              <a:rPr lang="en-US" sz="1400" dirty="0" err="1">
+                <a:solidFill>
+                  <a:schemeClr val="tx2"/>
+                </a:solidFill>
+                <a:ea typeface="+mn-lt"/>
+                <a:cs typeface="+mn-lt"/>
+              </a:rPr>
+              <a:t>timeHeap</a:t>
+            </a:r>
+            <a:r>
+              <a:rPr lang="en-US" sz="1400" dirty="0">
+                <a:solidFill>
+                  <a:schemeClr val="tx2"/>
+                </a:solidFill>
+                <a:ea typeface="+mn-lt"/>
+                <a:cs typeface="+mn-lt"/>
+              </a:rPr>
+              <a:t>=</a:t>
+            </a:r>
+            <a:r>
+              <a:rPr lang="en-US" sz="1400" dirty="0" err="1">
+                <a:solidFill>
+                  <a:schemeClr val="tx2"/>
+                </a:solidFill>
+                <a:ea typeface="+mn-lt"/>
+                <a:cs typeface="+mn-lt"/>
+              </a:rPr>
+              <a:t>heapSort</a:t>
+            </a:r>
+            <a:r>
+              <a:rPr lang="en-US" sz="1400" dirty="0">
+                <a:solidFill>
+                  <a:schemeClr val="tx2"/>
+                </a:solidFill>
+                <a:ea typeface="+mn-lt"/>
+                <a:cs typeface="+mn-lt"/>
+              </a:rPr>
+              <a:t>(</a:t>
+            </a:r>
+            <a:r>
+              <a:rPr lang="en-US" sz="1400" dirty="0" err="1">
+                <a:solidFill>
+                  <a:schemeClr val="tx2"/>
+                </a:solidFill>
+                <a:ea typeface="+mn-lt"/>
+                <a:cs typeface="+mn-lt"/>
+              </a:rPr>
+              <a:t>massHeap</a:t>
+            </a:r>
+            <a:r>
+              <a:rPr lang="en-US" sz="1400" dirty="0">
+                <a:solidFill>
+                  <a:schemeClr val="tx2"/>
+                </a:solidFill>
+                <a:ea typeface="+mn-lt"/>
+                <a:cs typeface="+mn-lt"/>
+              </a:rPr>
+              <a:t>, length); </a:t>
+            </a:r>
+            <a:r>
+              <a:rPr lang="en-US" sz="1400" i="1" dirty="0">
+                <a:solidFill>
+                  <a:schemeClr val="bg1">
+                    <a:lumMod val="50000"/>
+                  </a:schemeClr>
+                </a:solidFill>
+                <a:ea typeface="+mn-lt"/>
+                <a:cs typeface="+mn-lt"/>
+              </a:rPr>
+              <a:t>//</a:t>
+            </a:r>
+            <a:r>
+              <a:rPr lang="ru-RU" sz="1400" i="1" dirty="0">
+                <a:solidFill>
+                  <a:schemeClr val="bg1">
+                    <a:lumMod val="50000"/>
+                  </a:schemeClr>
+                </a:solidFill>
+                <a:ea typeface="+mn-lt"/>
+                <a:cs typeface="+mn-lt"/>
+              </a:rPr>
+              <a:t>пирамидальная сортировка массива, в переменную </a:t>
+            </a:r>
+            <a:r>
+              <a:rPr lang="en-US" sz="1400" i="1" dirty="0" err="1">
+                <a:solidFill>
+                  <a:schemeClr val="bg1">
+                    <a:lumMod val="50000"/>
+                  </a:schemeClr>
+                </a:solidFill>
+                <a:ea typeface="+mn-lt"/>
+                <a:cs typeface="+mn-lt"/>
+              </a:rPr>
+              <a:t>timeBubble</a:t>
+            </a:r>
+            <a:r>
+              <a:rPr lang="en-US" sz="1400" i="1" dirty="0">
+                <a:solidFill>
+                  <a:schemeClr val="bg1">
+                    <a:lumMod val="50000"/>
+                  </a:schemeClr>
+                </a:solidFill>
+                <a:ea typeface="+mn-lt"/>
+                <a:cs typeface="+mn-lt"/>
+              </a:rPr>
+              <a:t> </a:t>
+            </a:r>
+            <a:r>
+              <a:rPr lang="ru-RU" sz="1400" i="1" dirty="0">
+                <a:solidFill>
+                  <a:schemeClr val="bg1">
+                    <a:lumMod val="50000"/>
+                  </a:schemeClr>
+                </a:solidFill>
+                <a:ea typeface="+mn-lt"/>
+                <a:cs typeface="+mn-lt"/>
+              </a:rPr>
+              <a:t>заносится время работы алгоритма</a:t>
+            </a:r>
+            <a:endParaRPr lang="en-US" sz="1400" i="1" dirty="0">
+              <a:solidFill>
+                <a:schemeClr val="bg1">
+                  <a:lumMod val="50000"/>
+                </a:schemeClr>
+              </a:solidFill>
+              <a:ea typeface="+mn-lt"/>
+              <a:cs typeface="+mn-lt"/>
+            </a:endParaRPr>
+          </a:p>
+          <a:p>
+            <a:pPr marL="0" indent="0">
+              <a:buNone/>
+            </a:pPr>
+            <a:endParaRPr lang="ru-RU" sz="1400" i="1" dirty="0">
+              <a:solidFill>
+                <a:schemeClr val="bg1">
+                  <a:lumMod val="50000"/>
+                </a:schemeClr>
+              </a:solidFill>
+              <a:ea typeface="+mn-lt"/>
+              <a:cs typeface="+mn-lt"/>
+            </a:endParaRPr>
+          </a:p>
+          <a:p>
+            <a:pPr marL="0" indent="0">
+              <a:buNone/>
+            </a:pPr>
+            <a:r>
+              <a:rPr lang="ru-RU" sz="1400" dirty="0">
+                <a:solidFill>
+                  <a:schemeClr val="tx2"/>
+                </a:solidFill>
+                <a:ea typeface="+mn-lt"/>
+                <a:cs typeface="+mn-lt"/>
+              </a:rPr>
+              <a:t>        </a:t>
+            </a:r>
+            <a:r>
+              <a:rPr lang="en-US" sz="1400" dirty="0" err="1">
+                <a:solidFill>
+                  <a:schemeClr val="tx2"/>
+                </a:solidFill>
+                <a:ea typeface="+mn-lt"/>
+                <a:cs typeface="+mn-lt"/>
+              </a:rPr>
+              <a:t>fprintf</a:t>
+            </a:r>
+            <a:r>
+              <a:rPr lang="en-US" sz="1400" dirty="0">
+                <a:solidFill>
+                  <a:schemeClr val="tx2"/>
+                </a:solidFill>
+                <a:ea typeface="+mn-lt"/>
+                <a:cs typeface="+mn-lt"/>
+              </a:rPr>
+              <a:t>(file, "%d %f %f\n", length, </a:t>
+            </a:r>
+            <a:r>
+              <a:rPr lang="en-US" sz="1400" dirty="0" err="1">
+                <a:solidFill>
+                  <a:schemeClr val="tx2"/>
+                </a:solidFill>
+                <a:ea typeface="+mn-lt"/>
+                <a:cs typeface="+mn-lt"/>
+              </a:rPr>
+              <a:t>timeBubble</a:t>
+            </a:r>
+            <a:r>
+              <a:rPr lang="en-US" sz="1400" dirty="0">
+                <a:solidFill>
+                  <a:schemeClr val="tx2"/>
+                </a:solidFill>
+                <a:ea typeface="+mn-lt"/>
+                <a:cs typeface="+mn-lt"/>
+              </a:rPr>
+              <a:t>, </a:t>
+            </a:r>
+            <a:r>
+              <a:rPr lang="en-US" sz="1400" dirty="0" err="1">
+                <a:solidFill>
+                  <a:schemeClr val="tx2"/>
+                </a:solidFill>
+                <a:ea typeface="+mn-lt"/>
+                <a:cs typeface="+mn-lt"/>
+              </a:rPr>
+              <a:t>timeHeap</a:t>
+            </a:r>
+            <a:r>
+              <a:rPr lang="en-US" sz="1400" dirty="0">
+                <a:solidFill>
+                  <a:schemeClr val="tx2"/>
+                </a:solidFill>
+                <a:ea typeface="+mn-lt"/>
+                <a:cs typeface="+mn-lt"/>
+              </a:rPr>
+              <a:t>); </a:t>
+            </a:r>
+            <a:r>
+              <a:rPr lang="en-US" sz="1400" i="1" dirty="0">
+                <a:solidFill>
+                  <a:schemeClr val="bg1">
+                    <a:lumMod val="50000"/>
+                  </a:schemeClr>
+                </a:solidFill>
+                <a:ea typeface="+mn-lt"/>
+                <a:cs typeface="+mn-lt"/>
+              </a:rPr>
+              <a:t>//</a:t>
+            </a:r>
+            <a:r>
+              <a:rPr lang="ru-RU" sz="1400" i="1" dirty="0">
+                <a:solidFill>
+                  <a:schemeClr val="bg1">
+                    <a:lumMod val="50000"/>
+                  </a:schemeClr>
+                </a:solidFill>
+                <a:ea typeface="+mn-lt"/>
+                <a:cs typeface="+mn-lt"/>
+              </a:rPr>
+              <a:t>запись полученных данных в файл</a:t>
+            </a:r>
+            <a:endParaRPr lang="en-US" sz="1400" i="1" dirty="0">
+              <a:solidFill>
+                <a:schemeClr val="bg1">
+                  <a:lumMod val="50000"/>
+                </a:schemeClr>
+              </a:solidFill>
+              <a:ea typeface="+mn-lt"/>
+              <a:cs typeface="+mn-lt"/>
+            </a:endParaRPr>
+          </a:p>
+          <a:p>
+            <a:pPr marL="0" indent="0">
+              <a:buNone/>
+            </a:pPr>
+            <a:endParaRPr lang="ru-RU" sz="1400" i="1" dirty="0">
+              <a:solidFill>
+                <a:schemeClr val="bg1">
+                  <a:lumMod val="50000"/>
+                </a:schemeClr>
+              </a:solidFill>
+              <a:ea typeface="+mn-lt"/>
+              <a:cs typeface="+mn-lt"/>
+            </a:endParaRPr>
+          </a:p>
+          <a:p>
+            <a:pPr marL="0" indent="0">
+              <a:buNone/>
+            </a:pPr>
+            <a:r>
+              <a:rPr lang="ru-RU" sz="1400" dirty="0">
+                <a:solidFill>
+                  <a:schemeClr val="tx2"/>
+                </a:solidFill>
+                <a:ea typeface="+mn-lt"/>
+                <a:cs typeface="+mn-lt"/>
+              </a:rPr>
+              <a:t>        </a:t>
+            </a:r>
+            <a:r>
+              <a:rPr lang="en-US" sz="1400" dirty="0">
+                <a:solidFill>
+                  <a:schemeClr val="tx2"/>
+                </a:solidFill>
+                <a:ea typeface="+mn-lt"/>
+                <a:cs typeface="+mn-lt"/>
+              </a:rPr>
+              <a:t>free(</a:t>
+            </a:r>
+            <a:r>
+              <a:rPr lang="en-US" sz="1400" dirty="0" err="1">
+                <a:solidFill>
+                  <a:schemeClr val="tx2"/>
+                </a:solidFill>
+                <a:ea typeface="+mn-lt"/>
+                <a:cs typeface="+mn-lt"/>
+              </a:rPr>
+              <a:t>massBubble</a:t>
+            </a:r>
+            <a:r>
+              <a:rPr lang="en-US" sz="1400" dirty="0">
+                <a:solidFill>
+                  <a:schemeClr val="tx2"/>
+                </a:solidFill>
+                <a:ea typeface="+mn-lt"/>
+                <a:cs typeface="+mn-lt"/>
+              </a:rPr>
+              <a:t>); </a:t>
+            </a:r>
+            <a:r>
+              <a:rPr lang="en-US" sz="1400" i="1" dirty="0">
+                <a:solidFill>
+                  <a:schemeClr val="bg1">
+                    <a:lumMod val="50000"/>
+                  </a:schemeClr>
+                </a:solidFill>
+                <a:ea typeface="+mn-lt"/>
+                <a:cs typeface="+mn-lt"/>
+              </a:rPr>
+              <a:t>//</a:t>
+            </a:r>
+            <a:r>
+              <a:rPr lang="ru-RU" sz="1400" i="1" dirty="0">
+                <a:solidFill>
+                  <a:schemeClr val="bg1">
+                    <a:lumMod val="50000"/>
+                  </a:schemeClr>
+                </a:solidFill>
+                <a:ea typeface="+mn-lt"/>
+                <a:cs typeface="+mn-lt"/>
+              </a:rPr>
+              <a:t>высвобождение выделенной для массива памяти</a:t>
+            </a:r>
+          </a:p>
+          <a:p>
+            <a:pPr marL="0" indent="0">
+              <a:buNone/>
+            </a:pPr>
+            <a:r>
+              <a:rPr lang="ru-RU" sz="1400" dirty="0">
+                <a:solidFill>
+                  <a:schemeClr val="tx2"/>
+                </a:solidFill>
+                <a:ea typeface="+mn-lt"/>
+                <a:cs typeface="+mn-lt"/>
+              </a:rPr>
+              <a:t>        </a:t>
+            </a:r>
+            <a:r>
+              <a:rPr lang="en-US" sz="1400" dirty="0">
+                <a:solidFill>
+                  <a:schemeClr val="tx2"/>
+                </a:solidFill>
+                <a:ea typeface="+mn-lt"/>
+                <a:cs typeface="+mn-lt"/>
+              </a:rPr>
+              <a:t>free(</a:t>
+            </a:r>
+            <a:r>
+              <a:rPr lang="en-US" sz="1400" dirty="0" err="1">
+                <a:solidFill>
+                  <a:schemeClr val="tx2"/>
+                </a:solidFill>
+                <a:ea typeface="+mn-lt"/>
+                <a:cs typeface="+mn-lt"/>
+              </a:rPr>
+              <a:t>massHeap</a:t>
+            </a:r>
+            <a:r>
+              <a:rPr lang="en-US" sz="1400" dirty="0">
+                <a:solidFill>
+                  <a:schemeClr val="tx2"/>
+                </a:solidFill>
+                <a:ea typeface="+mn-lt"/>
+                <a:cs typeface="+mn-lt"/>
+              </a:rPr>
+              <a:t>); /</a:t>
+            </a:r>
+            <a:r>
+              <a:rPr lang="en-US" sz="1400" i="1" dirty="0">
+                <a:solidFill>
+                  <a:schemeClr val="bg1">
+                    <a:lumMod val="50000"/>
+                  </a:schemeClr>
+                </a:solidFill>
+                <a:ea typeface="+mn-lt"/>
+                <a:cs typeface="+mn-lt"/>
+              </a:rPr>
+              <a:t>/</a:t>
+            </a:r>
+            <a:r>
+              <a:rPr lang="ru-RU" sz="1400" i="1" dirty="0">
+                <a:solidFill>
+                  <a:schemeClr val="bg1">
+                    <a:lumMod val="50000"/>
+                  </a:schemeClr>
+                </a:solidFill>
+                <a:ea typeface="+mn-lt"/>
+                <a:cs typeface="+mn-lt"/>
+              </a:rPr>
+              <a:t>высвобождение выделенной для массива памяти</a:t>
+            </a:r>
+          </a:p>
+          <a:p>
+            <a:pPr marL="0" indent="0">
+              <a:buNone/>
+            </a:pPr>
+            <a:r>
+              <a:rPr lang="ru-RU" sz="1400" dirty="0">
+                <a:solidFill>
+                  <a:schemeClr val="tx2"/>
+                </a:solidFill>
+                <a:ea typeface="+mn-lt"/>
+                <a:cs typeface="+mn-lt"/>
+              </a:rPr>
+              <a:t>    }</a:t>
+            </a:r>
+          </a:p>
+          <a:p>
+            <a:pPr marL="0" indent="0">
+              <a:buNone/>
+            </a:pPr>
+            <a:r>
+              <a:rPr lang="ru-RU" sz="1400" dirty="0">
+                <a:solidFill>
+                  <a:schemeClr val="tx2"/>
+                </a:solidFill>
+                <a:ea typeface="+mn-lt"/>
+                <a:cs typeface="+mn-lt"/>
+              </a:rPr>
+              <a:t>    </a:t>
+            </a:r>
+            <a:r>
+              <a:rPr lang="en-US" sz="1400" dirty="0" err="1">
+                <a:solidFill>
+                  <a:schemeClr val="tx2"/>
+                </a:solidFill>
+                <a:ea typeface="+mn-lt"/>
+                <a:cs typeface="+mn-lt"/>
+              </a:rPr>
+              <a:t>fclose</a:t>
+            </a:r>
+            <a:r>
+              <a:rPr lang="en-US" sz="1400" dirty="0">
+                <a:solidFill>
+                  <a:schemeClr val="tx2"/>
+                </a:solidFill>
+                <a:ea typeface="+mn-lt"/>
+                <a:cs typeface="+mn-lt"/>
+              </a:rPr>
+              <a:t>(file); </a:t>
+            </a:r>
+            <a:r>
+              <a:rPr lang="en-US" sz="1400" i="1" dirty="0">
+                <a:solidFill>
+                  <a:schemeClr val="bg1">
+                    <a:lumMod val="50000"/>
+                  </a:schemeClr>
+                </a:solidFill>
+                <a:ea typeface="+mn-lt"/>
+                <a:cs typeface="+mn-lt"/>
+              </a:rPr>
+              <a:t>//</a:t>
+            </a:r>
+            <a:r>
+              <a:rPr lang="ru-RU" sz="1400" i="1" dirty="0">
+                <a:solidFill>
+                  <a:schemeClr val="bg1">
+                    <a:lumMod val="50000"/>
+                  </a:schemeClr>
+                </a:solidFill>
+                <a:ea typeface="+mn-lt"/>
+                <a:cs typeface="+mn-lt"/>
+              </a:rPr>
+              <a:t>закрытие файла</a:t>
+            </a:r>
+          </a:p>
+          <a:p>
+            <a:pPr marL="0" indent="0">
+              <a:buNone/>
+            </a:pPr>
+            <a:r>
+              <a:rPr lang="ru-RU" sz="1400" dirty="0">
+                <a:solidFill>
+                  <a:schemeClr val="tx2"/>
+                </a:solidFill>
+                <a:ea typeface="+mn-lt"/>
+                <a:cs typeface="+mn-lt"/>
+              </a:rPr>
+              <a:t>}</a:t>
+            </a:r>
+          </a:p>
+        </p:txBody>
+      </p:sp>
+    </p:spTree>
+    <p:extLst>
+      <p:ext uri="{BB962C8B-B14F-4D97-AF65-F5344CB8AC3E}">
+        <p14:creationId xmlns:p14="http://schemas.microsoft.com/office/powerpoint/2010/main" val="1796579989"/>
       </p:ext>
     </p:extLst>
   </p:cSld>
@@ -7018,6 +11194,413 @@
         </p:txBody>
       </p:sp>
     </p:spTree>
+  </p:cSld>
+  <p:clrMapOvr>
+    <a:masterClrMapping/>
+  </p:clrMapOvr>
+  <p:timing>
+    <p:tnLst>
+      <p:par>
+        <p:cTn id="1" dur="indefinite" restart="never" nodeType="tmRoot">
+          <p:childTnLst>
+            <p:seq>
+              <p:cTn id="2" dur="indefinite" nodeType="mainSeq"/>
+              <p:prevCondLst>
+                <p:cond evt="onPrev" delay="0">
+                  <p:tgtEl>
+                    <p:sldTgt/>
+                  </p:tgtEl>
+                </p:cond>
+              </p:prevCondLst>
+              <p:nextCondLst>
+                <p:cond evt="onNext" delay="0">
+                  <p:tgtEl>
+                    <p:sldTgt/>
+                  </p:tgtEl>
+                </p:cond>
+              </p:nextCondLst>
+            </p:seq>
+          </p:childTnLst>
+        </p:cTn>
+      </p:par>
+    </p:tnLst>
+  </p:timing>
+</p:sld>
+</file>
+
+<file path=ppt/slides/slide20.xml><?xml version="1.0" encoding="utf-8"?>
+<p:sld xmlns:a="http://schemas.openxmlformats.org/drawingml/2006/main" xmlns:r="http://schemas.openxmlformats.org/officeDocument/2006/relationships" xmlns:p="http://schemas.openxmlformats.org/presentationml/2006/main">
+  <p:cSld>
+    <p:spTree>
+      <p:nvGrpSpPr>
+        <p:cNvPr id="1" name=""/>
+        <p:cNvGrpSpPr/>
+        <p:nvPr/>
+      </p:nvGrpSpPr>
+      <p:grpSpPr>
+        <a:xfrm>
+          <a:off x="0" y="0"/>
+          <a:ext cx="0" cy="0"/>
+          <a:chOff x="0" y="0"/>
+          <a:chExt cx="0" cy="0"/>
+        </a:xfrm>
+      </p:grpSpPr>
+      <p:sp>
+        <p:nvSpPr>
+          <p:cNvPr id="48" name="CustomShape 1"/>
+          <p:cNvSpPr/>
+          <p:nvPr/>
+        </p:nvSpPr>
+        <p:spPr>
+          <a:xfrm>
+            <a:off x="533520" y="304920"/>
+            <a:ext cx="8534160" cy="309958"/>
+          </a:xfrm>
+          <a:custGeom>
+            <a:avLst/>
+            <a:gdLst/>
+            <a:ahLst/>
+            <a:cxnLst/>
+            <a:rect l="l" t="t" r="r" b="b"/>
+            <a:pathLst>
+              <a:path w="21600" h="21600">
+                <a:moveTo>
+                  <a:pt x="0" y="0"/>
+                </a:moveTo>
+                <a:lnTo>
+                  <a:pt x="21600" y="0"/>
+                </a:lnTo>
+                <a:lnTo>
+                  <a:pt x="21600" y="21600"/>
+                </a:lnTo>
+                <a:lnTo>
+                  <a:pt x="0" y="21600"/>
+                </a:lnTo>
+                <a:lnTo>
+                  <a:pt x="0" y="0"/>
+                </a:lnTo>
+                <a:close/>
+              </a:path>
+            </a:pathLst>
+          </a:custGeom>
+          <a:noFill/>
+          <a:ln>
+            <a:noFill/>
+          </a:ln>
+        </p:spPr>
+        <p:style>
+          <a:lnRef idx="0">
+            <a:scrgbClr r="0" g="0" b="0"/>
+          </a:lnRef>
+          <a:fillRef idx="0">
+            <a:scrgbClr r="0" g="0" b="0"/>
+          </a:fillRef>
+          <a:effectRef idx="0">
+            <a:scrgbClr r="0" g="0" b="0"/>
+          </a:effectRef>
+          <a:fontRef idx="minor"/>
+        </p:style>
+        <p:txBody>
+          <a:bodyPr lIns="90000" tIns="46800" rIns="90000" bIns="46800" anchor="t">
+            <a:spAutoFit/>
+          </a:bodyPr>
+          <a:lstStyle/>
+          <a:p>
+            <a:r>
+              <a:rPr lang="en-GB" sz="1400" b="0" strike="noStrike" spc="-1" dirty="0">
+                <a:solidFill>
+                  <a:srgbClr val="0F228B"/>
+                </a:solidFill>
+                <a:latin typeface="Times New Roman"/>
+              </a:rPr>
+              <a:t>«</a:t>
+            </a:r>
+            <a:r>
+              <a:rPr lang="en-GB" sz="1400" b="0" strike="noStrike" spc="-1" dirty="0" err="1">
+                <a:solidFill>
+                  <a:srgbClr val="0F228B"/>
+                </a:solidFill>
+                <a:latin typeface="Times New Roman"/>
+                <a:cs typeface="Times New Roman"/>
+              </a:rPr>
+              <a:t>Исследование</a:t>
+            </a:r>
+            <a:r>
+              <a:rPr lang="en-GB" sz="1400" spc="-1" dirty="0">
+                <a:solidFill>
+                  <a:srgbClr val="0F228B"/>
+                </a:solidFill>
+                <a:latin typeface="Times New Roman"/>
+                <a:cs typeface="Times New Roman"/>
+              </a:rPr>
+              <a:t> </a:t>
+            </a:r>
+            <a:r>
+              <a:rPr lang="en-GB" sz="1400" spc="-1" dirty="0" err="1">
+                <a:solidFill>
+                  <a:srgbClr val="0F228B"/>
+                </a:solidFill>
+                <a:latin typeface="Times New Roman"/>
+                <a:cs typeface="Times New Roman"/>
+              </a:rPr>
+              <a:t>пузырьковой</a:t>
+            </a:r>
+            <a:r>
+              <a:rPr lang="en-GB" sz="1400" spc="-1" dirty="0">
+                <a:solidFill>
+                  <a:srgbClr val="0F228B"/>
+                </a:solidFill>
+                <a:latin typeface="Times New Roman"/>
+                <a:cs typeface="Times New Roman"/>
+              </a:rPr>
+              <a:t> и </a:t>
+            </a:r>
+            <a:r>
+              <a:rPr lang="en-GB" sz="1400" spc="-1" dirty="0" err="1">
+                <a:solidFill>
+                  <a:srgbClr val="0F228B"/>
+                </a:solidFill>
+                <a:latin typeface="Times New Roman"/>
+                <a:cs typeface="Times New Roman"/>
+              </a:rPr>
+              <a:t>пирамидальной</a:t>
+            </a:r>
+            <a:r>
+              <a:rPr lang="en-GB" sz="1400" spc="-1" dirty="0">
+                <a:solidFill>
+                  <a:srgbClr val="0F228B"/>
+                </a:solidFill>
+                <a:latin typeface="Times New Roman"/>
+                <a:cs typeface="Times New Roman"/>
+              </a:rPr>
+              <a:t> </a:t>
+            </a:r>
+            <a:r>
+              <a:rPr lang="en-GB" sz="1400" spc="-1" dirty="0" err="1">
+                <a:solidFill>
+                  <a:srgbClr val="0F228B"/>
+                </a:solidFill>
+                <a:latin typeface="Times New Roman"/>
+                <a:cs typeface="Times New Roman"/>
+              </a:rPr>
+              <a:t>сортировок</a:t>
+            </a:r>
+            <a:r>
+              <a:rPr lang="en-GB" sz="1400" b="0" strike="noStrike" spc="-1" dirty="0">
+                <a:solidFill>
+                  <a:srgbClr val="0F228B"/>
+                </a:solidFill>
+                <a:latin typeface="Times New Roman"/>
+              </a:rPr>
+              <a:t>»</a:t>
+            </a:r>
+            <a:endParaRPr lang="en-US" sz="1400" b="0" strike="noStrike" spc="-1" dirty="0">
+              <a:solidFill>
+                <a:srgbClr val="FFFFFF"/>
+              </a:solidFill>
+              <a:latin typeface="Times New Roman"/>
+            </a:endParaRPr>
+          </a:p>
+        </p:txBody>
+      </p:sp>
+      <p:sp>
+        <p:nvSpPr>
+          <p:cNvPr id="49" name="CustomShape 2"/>
+          <p:cNvSpPr/>
+          <p:nvPr/>
+        </p:nvSpPr>
+        <p:spPr>
+          <a:xfrm>
+            <a:off x="501673" y="2735437"/>
+            <a:ext cx="8904240" cy="1941173"/>
+          </a:xfrm>
+          <a:custGeom>
+            <a:avLst/>
+            <a:gdLst/>
+            <a:ahLst/>
+            <a:cxnLst/>
+            <a:rect l="l" t="t" r="r" b="b"/>
+            <a:pathLst>
+              <a:path w="21600" h="21600">
+                <a:moveTo>
+                  <a:pt x="0" y="0"/>
+                </a:moveTo>
+                <a:lnTo>
+                  <a:pt x="21600" y="0"/>
+                </a:lnTo>
+                <a:lnTo>
+                  <a:pt x="21600" y="21600"/>
+                </a:lnTo>
+                <a:lnTo>
+                  <a:pt x="0" y="21600"/>
+                </a:lnTo>
+                <a:lnTo>
+                  <a:pt x="0" y="0"/>
+                </a:lnTo>
+                <a:close/>
+              </a:path>
+            </a:pathLst>
+          </a:custGeom>
+          <a:noFill/>
+          <a:ln>
+            <a:noFill/>
+          </a:ln>
+        </p:spPr>
+        <p:style>
+          <a:lnRef idx="0">
+            <a:scrgbClr r="0" g="0" b="0"/>
+          </a:lnRef>
+          <a:fillRef idx="0">
+            <a:scrgbClr r="0" g="0" b="0"/>
+          </a:fillRef>
+          <a:effectRef idx="0">
+            <a:scrgbClr r="0" g="0" b="0"/>
+          </a:effectRef>
+          <a:fontRef idx="minor"/>
+        </p:style>
+        <p:txBody>
+          <a:bodyPr lIns="90000" tIns="46800" rIns="90000" bIns="46800" anchor="t">
+            <a:spAutoFit/>
+          </a:bodyPr>
+          <a:lstStyle/>
+          <a:p>
+            <a:r>
+              <a:rPr lang="ru-RU" sz="2000" dirty="0">
+                <a:solidFill>
+                  <a:schemeClr val="tx2"/>
+                </a:solidFill>
+                <a:effectLst/>
+                <a:latin typeface="Times New Roman" panose="02020603050405020304" pitchFamily="18" charset="0"/>
+                <a:ea typeface="Times New Roman" panose="02020603050405020304" pitchFamily="18" charset="0"/>
+                <a:cs typeface="Times New Roman" panose="02020603050405020304" pitchFamily="18" charset="0"/>
+              </a:rPr>
+              <a:t>У обоих алгоритмов есть свои плюсы. </a:t>
+            </a:r>
+          </a:p>
+          <a:p>
+            <a:r>
+              <a:rPr lang="ru-RU" sz="2000" dirty="0">
+                <a:solidFill>
+                  <a:schemeClr val="tx2"/>
+                </a:solidFill>
+                <a:effectLst/>
+                <a:latin typeface="Times New Roman" panose="02020603050405020304" pitchFamily="18" charset="0"/>
+                <a:ea typeface="Times New Roman" panose="02020603050405020304" pitchFamily="18" charset="0"/>
+                <a:cs typeface="Times New Roman" panose="02020603050405020304" pitchFamily="18" charset="0"/>
+              </a:rPr>
+              <a:t>Для обучения и сортировки малого количества данный лучше подойдёт </a:t>
+            </a:r>
+            <a:r>
+              <a:rPr lang="ru-RU" sz="2000" i="1" dirty="0">
+                <a:solidFill>
+                  <a:schemeClr val="tx2"/>
+                </a:solidFill>
+                <a:effectLst/>
+                <a:latin typeface="Times New Roman" panose="02020603050405020304" pitchFamily="18" charset="0"/>
+                <a:ea typeface="Times New Roman" panose="02020603050405020304" pitchFamily="18" charset="0"/>
+                <a:cs typeface="Times New Roman" panose="02020603050405020304" pitchFamily="18" charset="0"/>
+              </a:rPr>
+              <a:t>сортировка пузырьком</a:t>
+            </a:r>
+            <a:r>
+              <a:rPr lang="ru-RU" sz="2000" dirty="0">
+                <a:solidFill>
+                  <a:schemeClr val="tx2"/>
+                </a:solidFill>
+                <a:effectLst/>
+                <a:latin typeface="Times New Roman" panose="02020603050405020304" pitchFamily="18" charset="0"/>
+                <a:ea typeface="Times New Roman" panose="02020603050405020304" pitchFamily="18" charset="0"/>
+                <a:cs typeface="Times New Roman" panose="02020603050405020304" pitchFamily="18" charset="0"/>
+              </a:rPr>
+              <a:t>, поэтому её часто используют студенты и школьники, но для крупных массивов куда эффективнее будет </a:t>
+            </a:r>
+            <a:r>
+              <a:rPr lang="ru-RU" sz="2000" i="1" dirty="0">
+                <a:solidFill>
+                  <a:schemeClr val="tx2"/>
+                </a:solidFill>
+                <a:effectLst/>
+                <a:latin typeface="Times New Roman" panose="02020603050405020304" pitchFamily="18" charset="0"/>
+                <a:ea typeface="Times New Roman" panose="02020603050405020304" pitchFamily="18" charset="0"/>
+                <a:cs typeface="Times New Roman" panose="02020603050405020304" pitchFamily="18" charset="0"/>
+              </a:rPr>
+              <a:t>пирамидальная сортировка</a:t>
+            </a:r>
+            <a:r>
+              <a:rPr lang="ru-RU" sz="2000" dirty="0">
+                <a:solidFill>
+                  <a:schemeClr val="tx2"/>
+                </a:solidFill>
+                <a:effectLst/>
+                <a:latin typeface="Times New Roman" panose="02020603050405020304" pitchFamily="18" charset="0"/>
+                <a:ea typeface="Times New Roman" panose="02020603050405020304" pitchFamily="18" charset="0"/>
+                <a:cs typeface="Times New Roman" panose="02020603050405020304" pitchFamily="18" charset="0"/>
+              </a:rPr>
+              <a:t>, т.к. путь она сложнее в реализации, время работы алгоритма существенно меньше.</a:t>
+            </a:r>
+            <a:endParaRPr lang="en-US" sz="2000" b="0" strike="noStrike" spc="-1" dirty="0">
+              <a:solidFill>
+                <a:schemeClr val="tx2"/>
+              </a:solidFill>
+              <a:latin typeface="Times New Roman"/>
+            </a:endParaRPr>
+          </a:p>
+          <a:p>
+            <a:pPr>
+              <a:lnSpc>
+                <a:spcPct val="100000"/>
+              </a:lnSpc>
+            </a:pPr>
+            <a:endParaRPr lang="en-GB" sz="2000" b="1" strike="noStrike" spc="-1" dirty="0">
+              <a:solidFill>
+                <a:srgbClr val="0F228B"/>
+              </a:solidFill>
+              <a:latin typeface="Times New Roman"/>
+            </a:endParaRPr>
+          </a:p>
+        </p:txBody>
+      </p:sp>
+      <p:sp>
+        <p:nvSpPr>
+          <p:cNvPr id="2" name="TextBox 1">
+            <a:extLst>
+              <a:ext uri="{FF2B5EF4-FFF2-40B4-BE49-F238E27FC236}">
+                <a16:creationId xmlns:a16="http://schemas.microsoft.com/office/drawing/2014/main" id="{3E8AB8E1-B344-49DF-BA2B-E3CA7787B47F}"/>
+              </a:ext>
+            </a:extLst>
+          </p:cNvPr>
+          <p:cNvSpPr txBox="1"/>
+          <p:nvPr/>
+        </p:nvSpPr>
+        <p:spPr>
+          <a:xfrm>
+            <a:off x="3868689" y="1501284"/>
+            <a:ext cx="2170209" cy="461665"/>
+          </a:xfrm>
+          <a:prstGeom prst="rect">
+            <a:avLst/>
+          </a:prstGeom>
+          <a:noFill/>
+        </p:spPr>
+        <p:txBody>
+          <a:bodyPr wrap="none" rtlCol="0">
+            <a:spAutoFit/>
+          </a:bodyPr>
+          <a:lstStyle/>
+          <a:p>
+            <a:r>
+              <a:rPr lang="ru-RU" sz="2400" dirty="0"/>
+              <a:t>Общий вывод</a:t>
+            </a:r>
+          </a:p>
+        </p:txBody>
+      </p:sp>
+    </p:spTree>
+    <p:extLst>
+      <p:ext uri="{BB962C8B-B14F-4D97-AF65-F5344CB8AC3E}">
+        <p14:creationId xmlns:p14="http://schemas.microsoft.com/office/powerpoint/2010/main" val="2370440398"/>
+      </p:ext>
+    </p:extLst>
   </p:cSld>
   <p:clrMapOvr>
     <a:masterClrMapping/>
@@ -8330,8 +12913,8 @@
         </p:nvSpPr>
         <p:spPr>
           <a:xfrm>
-            <a:off x="680760" y="815793"/>
-            <a:ext cx="8545320" cy="3685111"/>
+            <a:off x="680760" y="1941348"/>
+            <a:ext cx="8545320" cy="2975303"/>
           </a:xfrm>
         </p:spPr>
         <p:txBody>
@@ -8471,7 +13054,217 @@
                 <a:ea typeface="+mn-lt"/>
                 <a:cs typeface="+mn-lt"/>
               </a:rPr>
-              <a:t>){ //функция сортировки пузырьком, принимает указатель на массив, а возвращает время работы алгоритма</a:t>
+              <a:t>){ </a:t>
+            </a:r>
+            <a:r>
+              <a:rPr lang="ru-RU" sz="1600" i="1" dirty="0">
+                <a:solidFill>
+                  <a:schemeClr val="bg1">
+                    <a:lumMod val="50000"/>
+                  </a:schemeClr>
+                </a:solidFill>
+                <a:latin typeface="Times New Roman"/>
+                <a:ea typeface="+mn-lt"/>
+                <a:cs typeface="+mn-lt"/>
+              </a:rPr>
+              <a:t>//функция сортировки пузырьком, принимает указатель на массив, а возвращает время работы алгоритма</a:t>
+            </a:r>
+            <a:endParaRPr lang="ru-RU" sz="1600" i="1" dirty="0">
+              <a:solidFill>
+                <a:schemeClr val="bg1">
+                  <a:lumMod val="50000"/>
+                </a:schemeClr>
+              </a:solidFill>
+              <a:latin typeface="Times New Roman"/>
+            </a:endParaRPr>
+          </a:p>
+          <a:p>
+            <a:pPr marL="0" indent="0">
+              <a:buNone/>
+            </a:pPr>
+            <a:r>
+              <a:rPr lang="ru-RU" sz="1600" dirty="0">
+                <a:solidFill>
+                  <a:schemeClr val="tx2"/>
+                </a:solidFill>
+                <a:latin typeface="Times New Roman"/>
+                <a:ea typeface="+mn-lt"/>
+                <a:cs typeface="+mn-lt"/>
+              </a:rPr>
+              <a:t>    </a:t>
+            </a:r>
+            <a:r>
+              <a:rPr lang="ru-RU" sz="1600" dirty="0" err="1">
+                <a:solidFill>
+                  <a:schemeClr val="tx2"/>
+                </a:solidFill>
+                <a:latin typeface="Times New Roman"/>
+                <a:ea typeface="+mn-lt"/>
+                <a:cs typeface="+mn-lt"/>
+              </a:rPr>
+              <a:t>int</a:t>
+            </a:r>
+            <a:r>
+              <a:rPr lang="ru-RU" sz="1600" dirty="0">
+                <a:solidFill>
+                  <a:schemeClr val="tx2"/>
+                </a:solidFill>
+                <a:latin typeface="Times New Roman"/>
+                <a:ea typeface="+mn-lt"/>
+                <a:cs typeface="+mn-lt"/>
+              </a:rPr>
+              <a:t> </a:t>
+            </a:r>
+            <a:r>
+              <a:rPr lang="ru-RU" sz="1600" dirty="0" err="1">
+                <a:solidFill>
+                  <a:schemeClr val="tx2"/>
+                </a:solidFill>
+                <a:latin typeface="Times New Roman"/>
+                <a:ea typeface="+mn-lt"/>
+                <a:cs typeface="+mn-lt"/>
+              </a:rPr>
+              <a:t>start</a:t>
+            </a:r>
+            <a:r>
+              <a:rPr lang="ru-RU" sz="1600" dirty="0">
+                <a:solidFill>
+                  <a:schemeClr val="tx2"/>
+                </a:solidFill>
+                <a:latin typeface="Times New Roman"/>
+                <a:ea typeface="+mn-lt"/>
+                <a:cs typeface="+mn-lt"/>
+              </a:rPr>
+              <a:t> = </a:t>
+            </a:r>
+            <a:r>
+              <a:rPr lang="ru-RU" sz="1600" dirty="0" err="1">
+                <a:solidFill>
+                  <a:schemeClr val="tx2"/>
+                </a:solidFill>
+                <a:latin typeface="Times New Roman"/>
+                <a:ea typeface="+mn-lt"/>
+                <a:cs typeface="+mn-lt"/>
+              </a:rPr>
+              <a:t>clock</a:t>
+            </a:r>
+            <a:r>
+              <a:rPr lang="ru-RU" sz="1600" dirty="0">
+                <a:solidFill>
+                  <a:schemeClr val="tx2"/>
+                </a:solidFill>
+                <a:latin typeface="Times New Roman"/>
+                <a:ea typeface="+mn-lt"/>
+                <a:cs typeface="+mn-lt"/>
+              </a:rPr>
+              <a:t>(); </a:t>
+            </a:r>
+            <a:r>
+              <a:rPr lang="ru-RU" sz="1600" i="1" dirty="0">
+                <a:solidFill>
+                  <a:schemeClr val="bg1">
+                    <a:lumMod val="50000"/>
+                  </a:schemeClr>
+                </a:solidFill>
+                <a:latin typeface="Times New Roman"/>
+                <a:ea typeface="+mn-lt"/>
+                <a:cs typeface="+mn-lt"/>
+              </a:rPr>
+              <a:t>//объявление переменной </a:t>
+            </a:r>
+            <a:r>
+              <a:rPr lang="ru-RU" sz="1600" i="1" dirty="0" err="1">
+                <a:solidFill>
+                  <a:schemeClr val="bg1">
+                    <a:lumMod val="50000"/>
+                  </a:schemeClr>
+                </a:solidFill>
+                <a:latin typeface="Times New Roman"/>
+                <a:ea typeface="+mn-lt"/>
+                <a:cs typeface="+mn-lt"/>
+              </a:rPr>
+              <a:t>start</a:t>
+            </a:r>
+            <a:r>
+              <a:rPr lang="ru-RU" sz="1600" i="1" dirty="0">
+                <a:solidFill>
+                  <a:schemeClr val="bg1">
+                    <a:lumMod val="50000"/>
+                  </a:schemeClr>
+                </a:solidFill>
+                <a:latin typeface="Times New Roman"/>
+                <a:ea typeface="+mn-lt"/>
+                <a:cs typeface="+mn-lt"/>
+              </a:rPr>
+              <a:t>(хранит количество тиков прошедших с начала запуска программы)</a:t>
+            </a:r>
+            <a:endParaRPr lang="ru-RU" sz="1600" i="1" dirty="0">
+              <a:solidFill>
+                <a:schemeClr val="bg1">
+                  <a:lumMod val="50000"/>
+                </a:schemeClr>
+              </a:solidFill>
+              <a:latin typeface="Times New Roman"/>
+            </a:endParaRPr>
+          </a:p>
+          <a:p>
+            <a:pPr marL="0" indent="0">
+              <a:buNone/>
+            </a:pPr>
+            <a:r>
+              <a:rPr lang="ru-RU" sz="1600" dirty="0">
+                <a:solidFill>
+                  <a:schemeClr val="tx2"/>
+                </a:solidFill>
+                <a:latin typeface="Times New Roman"/>
+                <a:ea typeface="+mn-lt"/>
+                <a:cs typeface="+mn-lt"/>
+              </a:rPr>
+              <a:t>    </a:t>
+            </a:r>
+            <a:r>
+              <a:rPr lang="ru-RU" sz="1600" dirty="0" err="1">
+                <a:solidFill>
+                  <a:schemeClr val="tx2"/>
+                </a:solidFill>
+                <a:latin typeface="Times New Roman"/>
+                <a:ea typeface="+mn-lt"/>
+                <a:cs typeface="+mn-lt"/>
+              </a:rPr>
+              <a:t>for</a:t>
+            </a:r>
+            <a:r>
+              <a:rPr lang="ru-RU" sz="1600" dirty="0">
+                <a:solidFill>
+                  <a:schemeClr val="tx2"/>
+                </a:solidFill>
+                <a:latin typeface="Times New Roman"/>
+                <a:ea typeface="+mn-lt"/>
+                <a:cs typeface="+mn-lt"/>
+              </a:rPr>
+              <a:t>(</a:t>
+            </a:r>
+            <a:r>
+              <a:rPr lang="ru-RU" sz="1600" dirty="0" err="1">
+                <a:solidFill>
+                  <a:schemeClr val="tx2"/>
+                </a:solidFill>
+                <a:latin typeface="Times New Roman"/>
+                <a:ea typeface="+mn-lt"/>
+                <a:cs typeface="+mn-lt"/>
+              </a:rPr>
+              <a:t>int</a:t>
+            </a:r>
+            <a:r>
+              <a:rPr lang="ru-RU" sz="1600" dirty="0">
+                <a:solidFill>
+                  <a:schemeClr val="tx2"/>
+                </a:solidFill>
+                <a:latin typeface="Times New Roman"/>
+                <a:ea typeface="+mn-lt"/>
+                <a:cs typeface="+mn-lt"/>
+              </a:rPr>
+              <a:t> i=size-1; i&gt;0; i--)</a:t>
             </a:r>
             <a:endParaRPr lang="ru-RU" sz="1600" dirty="0">
               <a:solidFill>
@@ -8493,7 +13286,7 @@
                 <a:ea typeface="+mn-lt"/>
                 <a:cs typeface="+mn-lt"/>
               </a:rPr>
-              <a:t>    </a:t>
+              <a:t>        </a:t>
             </a:r>
             <a:r>
               <a:rPr lang="ru-RU" sz="1600" dirty="0" err="1">
@@ -8504,6 +13297,28 @@
                 <a:ea typeface="+mn-lt"/>
                 <a:cs typeface="+mn-lt"/>
               </a:rPr>
+              <a:t>for</a:t>
+            </a:r>
+            <a:r>
+              <a:rPr lang="ru-RU" sz="1600" dirty="0">
+                <a:solidFill>
+                  <a:schemeClr val="tx2"/>
+                </a:solidFill>
+                <a:latin typeface="Times New Roman"/>
+                <a:ea typeface="+mn-lt"/>
+                <a:cs typeface="+mn-lt"/>
+              </a:rPr>
+              <a:t>(</a:t>
+            </a:r>
+            <a:r>
+              <a:rPr lang="ru-RU" sz="1600" dirty="0" err="1">
+                <a:solidFill>
+                  <a:schemeClr val="tx2"/>
+                </a:solidFill>
+                <a:latin typeface="Times New Roman"/>
+                <a:ea typeface="+mn-lt"/>
+                <a:cs typeface="+mn-lt"/>
+              </a:rPr>
               <a:t>int</a:t>
             </a:r>
             <a:r>
@@ -8515,7 +13330,44 @@
                 <a:ea typeface="+mn-lt"/>
                 <a:cs typeface="+mn-lt"/>
               </a:rPr>
-              <a:t> </a:t>
+              <a:t> j=0; j&lt;i; j++) </a:t>
+            </a:r>
+            <a:r>
+              <a:rPr lang="ru-RU" sz="1600" i="1" dirty="0">
+                <a:solidFill>
+                  <a:schemeClr val="bg1">
+                    <a:lumMod val="50000"/>
+                  </a:schemeClr>
+                </a:solidFill>
+                <a:latin typeface="Times New Roman"/>
+                <a:ea typeface="+mn-lt"/>
+                <a:cs typeface="+mn-lt"/>
+              </a:rPr>
+              <a:t>//бежим по массиву от первого элемента до i элемента</a:t>
+            </a:r>
+            <a:endParaRPr lang="ru-RU" sz="1600" i="1" dirty="0">
+              <a:solidFill>
+                <a:schemeClr val="bg1">
+                  <a:lumMod val="50000"/>
+                </a:schemeClr>
+              </a:solidFill>
+              <a:latin typeface="Times New Roman"/>
+            </a:endParaRPr>
+          </a:p>
+          <a:p>
+            <a:pPr marL="0" indent="0">
+              <a:buNone/>
+            </a:pPr>
+            <a:r>
+              <a:rPr lang="ru-RU" sz="1600" dirty="0">
+                <a:solidFill>
+                  <a:schemeClr val="tx2"/>
+                </a:solidFill>
+                <a:latin typeface="Times New Roman"/>
+                <a:ea typeface="+mn-lt"/>
+                <a:cs typeface="+mn-lt"/>
+              </a:rPr>
+              <a:t>            </a:t>
             </a:r>
             <a:r>
               <a:rPr lang="ru-RU" sz="1600" dirty="0" err="1">
@@ -8526,7 +13378,7 @@
                 <a:ea typeface="+mn-lt"/>
                 <a:cs typeface="+mn-lt"/>
               </a:rPr>
-              <a:t>start</a:t>
+              <a:t>if</a:t>
             </a:r>
             <a:r>
               <a:rPr lang="ru-RU" sz="1600" dirty="0">
@@ -8537,7 +13389,7 @@
                 <a:ea typeface="+mn-lt"/>
                 <a:cs typeface="+mn-lt"/>
               </a:rPr>
-              <a:t> = </a:t>
+              <a:t>(</a:t>
             </a:r>
             <a:r>
               <a:rPr lang="ru-RU" sz="1600" dirty="0" err="1">
@@ -8548,7 +13400,7 @@
                 <a:ea typeface="+mn-lt"/>
                 <a:cs typeface="+mn-lt"/>
               </a:rPr>
-              <a:t>clock</a:t>
+              <a:t>array</a:t>
             </a:r>
             <a:r>
               <a:rPr lang="ru-RU" sz="1600" dirty="0">
@@ -8559,7 +13411,7 @@
                 <a:ea typeface="+mn-lt"/>
                 <a:cs typeface="+mn-lt"/>
               </a:rPr>
-              <a:t>(); //объявление переменной </a:t>
+              <a:t>[j-1]&gt;</a:t>
             </a:r>
             <a:r>
               <a:rPr lang="ru-RU" sz="1600" dirty="0" err="1">
@@ -8570,7 +13422,7 @@
                 <a:ea typeface="+mn-lt"/>
                 <a:cs typeface="+mn-lt"/>
               </a:rPr>
-              <a:t>start</a:t>
+              <a:t>array</a:t>
             </a:r>
             <a:r>
               <a:rPr lang="ru-RU" sz="1600" dirty="0">
@@ -8581,7 +13433,7 @@
                 <a:ea typeface="+mn-lt"/>
                 <a:cs typeface="+mn-lt"/>
               </a:rPr>
-              <a:t>(хранит количество тиков прошедших с начала запуска программы)</a:t>
+              <a:t>[j])</a:t>
             </a:r>
             <a:endParaRPr lang="ru-RU" sz="1600" dirty="0">
               <a:solidFill>
@@ -8603,7 +13455,7 @@
                 <a:ea typeface="+mn-lt"/>
                 <a:cs typeface="+mn-lt"/>
               </a:rPr>
-              <a:t>    </a:t>
+              <a:t>                SWAP(</a:t>
             </a:r>
             <a:r>
               <a:rPr lang="ru-RU" sz="1600" dirty="0" err="1">
@@ -8614,7 +13466,7 @@
                 <a:ea typeface="+mn-lt"/>
                 <a:cs typeface="+mn-lt"/>
               </a:rPr>
-              <a:t>for</a:t>
+              <a:t>array</a:t>
             </a:r>
             <a:r>
               <a:rPr lang="ru-RU" sz="1600" dirty="0">
@@ -8625,33 +13477,26 @@
                 <a:ea typeface="+mn-lt"/>
                 <a:cs typeface="+mn-lt"/>
               </a:rPr>
-              <a:t>(</a:t>
-            </a:r>
-            <a:r>
-              <a:rPr lang="ru-RU" sz="1600" dirty="0" err="1">
-                <a:solidFill>
-                  <a:schemeClr val="tx2"/>
-                </a:solidFill>
-                <a:latin typeface="Times New Roman"/>
-                <a:ea typeface="+mn-lt"/>
-                <a:cs typeface="+mn-lt"/>
-              </a:rPr>
-              <a:t>int</a:t>
-            </a:r>
-            <a:r>
-              <a:rPr lang="ru-RU" sz="1600" dirty="0">
-                <a:solidFill>
-                  <a:schemeClr val="tx2"/>
-                </a:solidFill>
-                <a:latin typeface="Times New Roman"/>
-                <a:ea typeface="+mn-lt"/>
-                <a:cs typeface="+mn-lt"/>
-              </a:rPr>
-              <a:t> i=size-1; i&gt;0; i--)</a:t>
-            </a:r>
-            <a:endParaRPr lang="ru-RU" sz="1600" dirty="0">
+              <a:t>, j-1, j); </a:t>
+            </a:r>
+            <a:r>
+              <a:rPr lang="ru-RU" sz="1600" i="1" dirty="0">
+                <a:solidFill>
+                  <a:schemeClr val="bg1">
+                    <a:lumMod val="50000"/>
+                  </a:schemeClr>
+                </a:solidFill>
+                <a:latin typeface="Times New Roman"/>
+                <a:ea typeface="+mn-lt"/>
+                <a:cs typeface="+mn-lt"/>
+              </a:rPr>
+              <a:t>//"поднимаем" элемент с наиболее большим значение "вверх"</a:t>
+            </a:r>
+            <a:endParaRPr lang="ru-RU" sz="1600" i="1" dirty="0">
               <a:solidFill>
-                <a:schemeClr val="tx2"/>
+                <a:schemeClr val="bg1">
+                  <a:lumMod val="50000"/>
+                </a:schemeClr>
               </a:solidFill>
               <a:latin typeface="Times New Roman"/>
             </a:endParaRPr>
@@ -8669,18 +13514,18 @@
                 <a:ea typeface="+mn-lt"/>
                 <a:cs typeface="+mn-lt"/>
               </a:rPr>
-              <a:t>        </a:t>
-            </a:r>
-            <a:r>
-              <a:rPr lang="ru-RU" sz="1600" err="1">
-                <a:solidFill>
-                  <a:schemeClr val="tx2"/>
-                </a:solidFill>
-                <a:latin typeface="Times New Roman"/>
-                <a:ea typeface="+mn-lt"/>
-                <a:cs typeface="+mn-lt"/>
-              </a:rPr>
-              <a:t>for</a:t>
+              <a:t>    </a:t>
+            </a:r>
+            <a:r>
+              <a:rPr lang="ru-RU" sz="1600" dirty="0" err="1">
+                <a:solidFill>
+                  <a:schemeClr val="tx2"/>
+                </a:solidFill>
+                <a:latin typeface="Times New Roman"/>
+                <a:ea typeface="+mn-lt"/>
+                <a:cs typeface="+mn-lt"/>
+              </a:rPr>
+              <a:t>return</a:t>
             </a:r>
             <a:r>
               <a:rPr lang="ru-RU" sz="1600" dirty="0">
@@ -8691,18 +13536,18 @@
                 <a:ea typeface="+mn-lt"/>
                 <a:cs typeface="+mn-lt"/>
               </a:rPr>
-              <a:t>(</a:t>
-            </a:r>
-            <a:r>
-              <a:rPr lang="ru-RU" sz="1600" err="1">
-                <a:solidFill>
-                  <a:schemeClr val="tx2"/>
-                </a:solidFill>
-                <a:latin typeface="Times New Roman"/>
-                <a:ea typeface="+mn-lt"/>
-                <a:cs typeface="+mn-lt"/>
-              </a:rPr>
-              <a:t>int</a:t>
+              <a:t> ((</a:t>
+            </a:r>
+            <a:r>
+              <a:rPr lang="ru-RU" sz="1600" dirty="0" err="1">
+                <a:solidFill>
+                  <a:schemeClr val="tx2"/>
+                </a:solidFill>
+                <a:latin typeface="Times New Roman"/>
+                <a:ea typeface="+mn-lt"/>
+                <a:cs typeface="+mn-lt"/>
+              </a:rPr>
+              <a:t>clock</a:t>
             </a:r>
             <a:r>
               <a:rPr lang="ru-RU" sz="1600" dirty="0">
@@ -8713,253 +13558,74 @@
                 <a:ea typeface="+mn-lt"/>
                 <a:cs typeface="+mn-lt"/>
               </a:rPr>
-              <a:t> j=0; j&lt;i; j++) //бежим по массиву от первого элемента до i элемента</a:t>
-            </a:r>
-            <a:endParaRPr lang="ru-RU" sz="1600" dirty="0">
+              <a:t>()-</a:t>
+            </a:r>
+            <a:r>
+              <a:rPr lang="ru-RU" sz="1600" dirty="0" err="1">
+                <a:solidFill>
+                  <a:schemeClr val="tx2"/>
+                </a:solidFill>
+                <a:latin typeface="Times New Roman"/>
+                <a:ea typeface="+mn-lt"/>
+                <a:cs typeface="+mn-lt"/>
+              </a:rPr>
+              <a:t>start</a:t>
+            </a:r>
+            <a:r>
+              <a:rPr lang="ru-RU" sz="1600" dirty="0">
+                <a:solidFill>
+                  <a:schemeClr val="tx2"/>
+                </a:solidFill>
+                <a:latin typeface="Times New Roman"/>
+                <a:ea typeface="+mn-lt"/>
+                <a:cs typeface="+mn-lt"/>
+              </a:rPr>
+              <a:t>)*1.0)/CLOCKS_PER_SEC; </a:t>
+            </a:r>
+            <a:r>
+              <a:rPr lang="ru-RU" sz="1600" i="1" dirty="0">
+                <a:solidFill>
+                  <a:schemeClr val="bg1">
+                    <a:lumMod val="50000"/>
+                  </a:schemeClr>
+                </a:solidFill>
+                <a:latin typeface="Times New Roman"/>
+                <a:ea typeface="+mn-lt"/>
+                <a:cs typeface="+mn-lt"/>
+              </a:rPr>
+              <a:t>//возвращаем разницу между количеством тиков, прошедших с начала программы, и значением переменной </a:t>
+            </a:r>
+            <a:r>
+              <a:rPr lang="ru-RU" sz="1600" i="1" dirty="0" err="1">
+                <a:solidFill>
+                  <a:schemeClr val="bg1">
+                    <a:lumMod val="50000"/>
+                  </a:schemeClr>
+                </a:solidFill>
+                <a:latin typeface="Times New Roman"/>
+                <a:ea typeface="+mn-lt"/>
+                <a:cs typeface="+mn-lt"/>
+              </a:rPr>
+              <a:t>start</a:t>
+            </a:r>
+            <a:r>
+              <a:rPr lang="ru-RU" sz="1600" i="1" dirty="0">
+                <a:solidFill>
+                  <a:schemeClr val="bg1">
+                    <a:lumMod val="50000"/>
+                  </a:schemeClr>
+                </a:solidFill>
+                <a:latin typeface="Times New Roman"/>
+                <a:ea typeface="+mn-lt"/>
+                <a:cs typeface="+mn-lt"/>
+              </a:rPr>
+              <a:t>, переводя значение в секунды</a:t>
+            </a:r>
+            <a:endParaRPr lang="ru-RU" sz="1600" i="1" dirty="0">
               <a:solidFill>
-                <a:schemeClr val="tx2"/>
-              </a:solidFill>
-              <a:latin typeface="Times New Roman"/>
-            </a:endParaRPr>
-          </a:p>
-          <a:p>
-            <a:pPr marL="0" indent="0">
-              <a:buNone/>
-            </a:pPr>
-            <a:r>
-              <a:rPr lang="ru-RU" sz="1600" dirty="0">
-                <a:solidFill>
-                  <a:schemeClr val="tx2"/>
-                </a:solidFill>
-                <a:latin typeface="Times New Roman"/>
-                <a:ea typeface="+mn-lt"/>
-                <a:cs typeface="+mn-lt"/>
-              </a:rPr>
-              <a:t>            </a:t>
-            </a:r>
-            <a:r>
-              <a:rPr lang="ru-RU" sz="1600" err="1">
-                <a:solidFill>
-                  <a:schemeClr val="tx2"/>
-                </a:solidFill>
-                <a:latin typeface="Times New Roman"/>
-                <a:ea typeface="+mn-lt"/>
-                <a:cs typeface="+mn-lt"/>
-              </a:rPr>
-              <a:t>if</a:t>
-            </a:r>
-            <a:r>
-              <a:rPr lang="ru-RU" sz="1600" dirty="0">
-                <a:solidFill>
-                  <a:schemeClr val="tx2"/>
-                </a:solidFill>
-                <a:latin typeface="Times New Roman"/>
-                <a:ea typeface="+mn-lt"/>
-                <a:cs typeface="+mn-lt"/>
-              </a:rPr>
-              <a:t>(</a:t>
-            </a:r>
-            <a:r>
-              <a:rPr lang="ru-RU" sz="1600" err="1">
-                <a:solidFill>
-                  <a:schemeClr val="tx2"/>
-                </a:solidFill>
-                <a:latin typeface="Times New Roman"/>
-                <a:ea typeface="+mn-lt"/>
-                <a:cs typeface="+mn-lt"/>
-              </a:rPr>
-              <a:t>array</a:t>
-            </a:r>
-            <a:r>
-              <a:rPr lang="ru-RU" sz="1600" dirty="0">
-                <a:solidFill>
-                  <a:schemeClr val="tx2"/>
-                </a:solidFill>
-                <a:latin typeface="Times New Roman"/>
-                <a:ea typeface="+mn-lt"/>
-                <a:cs typeface="+mn-lt"/>
-              </a:rPr>
-              <a:t>[j-1]&gt;</a:t>
-            </a:r>
-            <a:r>
-              <a:rPr lang="ru-RU" sz="1600" err="1">
-                <a:solidFill>
-                  <a:schemeClr val="tx2"/>
-                </a:solidFill>
-                <a:latin typeface="Times New Roman"/>
-                <a:ea typeface="+mn-lt"/>
-                <a:cs typeface="+mn-lt"/>
-              </a:rPr>
-              <a:t>array</a:t>
-            </a:r>
-            <a:r>
-              <a:rPr lang="ru-RU" sz="1600" dirty="0">
-                <a:solidFill>
-                  <a:schemeClr val="tx2"/>
-                </a:solidFill>
-                <a:latin typeface="Times New Roman"/>
-                <a:ea typeface="+mn-lt"/>
-                <a:cs typeface="+mn-lt"/>
-              </a:rPr>
-              <a:t>[j])</a:t>
-            </a:r>
-            <a:endParaRPr lang="ru-RU" sz="1600" dirty="0">
-              <a:solidFill>
-                <a:schemeClr val="tx2"/>
-              </a:solidFill>
-              <a:latin typeface="Times New Roman"/>
-            </a:endParaRPr>
-          </a:p>
-          <a:p>
-            <a:pPr marL="0" indent="0">
-              <a:buNone/>
-            </a:pPr>
-            <a:r>
-              <a:rPr lang="ru-RU" sz="1600" dirty="0">
-                <a:solidFill>
-                  <a:schemeClr val="tx2"/>
-                </a:solidFill>
-                <a:latin typeface="Times New Roman"/>
-                <a:ea typeface="+mn-lt"/>
-                <a:cs typeface="+mn-lt"/>
-              </a:rPr>
-              <a:t>                SWAP(</a:t>
-            </a:r>
-            <a:r>
-              <a:rPr lang="ru-RU" sz="1600" err="1">
-                <a:solidFill>
-                  <a:schemeClr val="tx2"/>
-                </a:solidFill>
-                <a:latin typeface="Times New Roman"/>
-                <a:ea typeface="+mn-lt"/>
-                <a:cs typeface="+mn-lt"/>
-              </a:rPr>
-              <a:t>array</a:t>
-            </a:r>
-            <a:r>
-              <a:rPr lang="ru-RU" sz="1600" dirty="0">
-                <a:solidFill>
-                  <a:schemeClr val="tx2"/>
-                </a:solidFill>
-                <a:latin typeface="Times New Roman"/>
-                <a:ea typeface="+mn-lt"/>
-                <a:cs typeface="+mn-lt"/>
-              </a:rPr>
-              <a:t>, j-1, j); //"поднимаем" элемент с наиболее большим значение "вверх"</a:t>
-            </a:r>
-            <a:endParaRPr lang="ru-RU" sz="1600" dirty="0">
-              <a:solidFill>
-                <a:schemeClr val="tx2"/>
-              </a:solidFill>
-              <a:latin typeface="Times New Roman"/>
-            </a:endParaRPr>
-          </a:p>
-          <a:p>
-            <a:pPr marL="0" indent="0">
-              <a:buNone/>
-            </a:pPr>
-            <a:r>
-              <a:rPr lang="ru-RU" sz="1600" dirty="0">
-                <a:solidFill>
-                  <a:schemeClr val="tx2"/>
-                </a:solidFill>
-                <a:latin typeface="Times New Roman"/>
-                <a:ea typeface="+mn-lt"/>
-                <a:cs typeface="+mn-lt"/>
-              </a:rPr>
-              <a:t>    </a:t>
-            </a:r>
-            <a:r>
-              <a:rPr lang="ru-RU" sz="1600" err="1">
-                <a:solidFill>
-                  <a:schemeClr val="tx2"/>
-                </a:solidFill>
-                <a:latin typeface="Times New Roman"/>
-                <a:ea typeface="+mn-lt"/>
-                <a:cs typeface="+mn-lt"/>
-              </a:rPr>
-              <a:t>return</a:t>
-            </a:r>
-            <a:r>
-              <a:rPr lang="ru-RU" sz="1600" dirty="0">
-                <a:solidFill>
-                  <a:schemeClr val="tx2"/>
-                </a:solidFill>
-                <a:latin typeface="Times New Roman"/>
-                <a:ea typeface="+mn-lt"/>
-                <a:cs typeface="+mn-lt"/>
-              </a:rPr>
-              <a:t> ((</a:t>
-            </a:r>
-            <a:r>
-              <a:rPr lang="ru-RU" sz="1600" err="1">
-                <a:solidFill>
-                  <a:schemeClr val="tx2"/>
-                </a:solidFill>
-                <a:latin typeface="Times New Roman"/>
-                <a:ea typeface="+mn-lt"/>
-                <a:cs typeface="+mn-lt"/>
-              </a:rPr>
-              <a:t>clock</a:t>
-            </a:r>
-            <a:r>
-              <a:rPr lang="ru-RU" sz="1600" dirty="0">
-                <a:solidFill>
-                  <a:schemeClr val="tx2"/>
-                </a:solidFill>
-                <a:latin typeface="Times New Roman"/>
-                <a:ea typeface="+mn-lt"/>
-                <a:cs typeface="+mn-lt"/>
-              </a:rPr>
-              <a:t>()-</a:t>
-            </a:r>
-            <a:r>
-              <a:rPr lang="ru-RU" sz="1600" err="1">
-                <a:solidFill>
-                  <a:schemeClr val="tx2"/>
-                </a:solidFill>
-                <a:latin typeface="Times New Roman"/>
-                <a:ea typeface="+mn-lt"/>
-                <a:cs typeface="+mn-lt"/>
-              </a:rPr>
-              <a:t>start</a:t>
-            </a:r>
-            <a:r>
-              <a:rPr lang="ru-RU" sz="1600" dirty="0">
-                <a:solidFill>
-                  <a:schemeClr val="tx2"/>
-                </a:solidFill>
-                <a:latin typeface="Times New Roman"/>
-                <a:ea typeface="+mn-lt"/>
-                <a:cs typeface="+mn-lt"/>
-              </a:rPr>
-              <a:t>)*1.0)/CLOCKS_PER_SEC; //возвращаем разницу между количеством тиков, прошедших с начала программы, и значением переменной </a:t>
-            </a:r>
-            <a:r>
-              <a:rPr lang="ru-RU" sz="1600" err="1">
-                <a:solidFill>
-                  <a:schemeClr val="tx2"/>
-                </a:solidFill>
-                <a:latin typeface="Times New Roman"/>
-                <a:ea typeface="+mn-lt"/>
-                <a:cs typeface="+mn-lt"/>
-              </a:rPr>
-              <a:t>start</a:t>
-            </a:r>
-            <a:r>
-              <a:rPr lang="ru-RU" sz="1600" dirty="0">
-                <a:solidFill>
-                  <a:schemeClr val="tx2"/>
-                </a:solidFill>
-                <a:latin typeface="Times New Roman"/>
-                <a:ea typeface="+mn-lt"/>
-                <a:cs typeface="+mn-lt"/>
-              </a:rPr>
-              <a:t>, переводя значение в секунды</a:t>
-            </a:r>
-            <a:endParaRPr lang="ru-RU" sz="1600" dirty="0">
-              <a:solidFill>
-                <a:schemeClr val="tx2"/>
+                <a:schemeClr val="bg1">
+                  <a:lumMod val="50000"/>
+                </a:schemeClr>
               </a:solidFill>
               <a:latin typeface="Times New Roman"/>
             </a:endParaRPr>
